--- a/document/Capston Design Proposal_update(ppt).pptx
+++ b/document/Capston Design Proposal_update(ppt).pptx
@@ -2746,6 +2746,14 @@
         </dgm:presLayoutVars>
       </dgm:prSet>
       <dgm:spPr/>
+      <dgm:t>
+        <a:bodyPr/>
+        <a:lstStyle/>
+        <a:p>
+          <a:pPr latinLnBrk="1"/>
+          <a:endParaRPr lang="ko-KR" altLang="en-US"/>
+        </a:p>
+      </dgm:t>
     </dgm:pt>
     <dgm:pt modelId="{49C24EBE-CB27-48F5-9749-33D2C5E1FF8B}" type="pres">
       <dgm:prSet presAssocID="{AC120FF6-DAF7-469F-8AF2-4411B0321B2D}" presName="node" presStyleLbl="node1" presStyleIdx="0" presStyleCnt="6">
@@ -2754,6 +2762,14 @@
         </dgm:presLayoutVars>
       </dgm:prSet>
       <dgm:spPr/>
+      <dgm:t>
+        <a:bodyPr/>
+        <a:lstStyle/>
+        <a:p>
+          <a:pPr latinLnBrk="1"/>
+          <a:endParaRPr lang="ko-KR" altLang="en-US"/>
+        </a:p>
+      </dgm:t>
     </dgm:pt>
     <dgm:pt modelId="{58A7B869-2662-48B2-8EE9-732FE4F5FCF7}" type="pres">
       <dgm:prSet presAssocID="{731035E3-EE06-42D6-ADE8-70C9662F5686}" presName="sibTrans" presStyleCnt="0"/>
@@ -2766,6 +2782,14 @@
         </dgm:presLayoutVars>
       </dgm:prSet>
       <dgm:spPr/>
+      <dgm:t>
+        <a:bodyPr/>
+        <a:lstStyle/>
+        <a:p>
+          <a:pPr latinLnBrk="1"/>
+          <a:endParaRPr lang="ko-KR" altLang="en-US"/>
+        </a:p>
+      </dgm:t>
     </dgm:pt>
     <dgm:pt modelId="{2FAF5B92-0926-49E5-8F5D-0EDB9D041ED6}" type="pres">
       <dgm:prSet presAssocID="{F8ACF93D-6AF2-47A8-B735-CFE0C75967D1}" presName="sibTrans" presStyleCnt="0"/>
@@ -2778,6 +2802,14 @@
         </dgm:presLayoutVars>
       </dgm:prSet>
       <dgm:spPr/>
+      <dgm:t>
+        <a:bodyPr/>
+        <a:lstStyle/>
+        <a:p>
+          <a:pPr latinLnBrk="1"/>
+          <a:endParaRPr lang="ko-KR" altLang="en-US"/>
+        </a:p>
+      </dgm:t>
     </dgm:pt>
     <dgm:pt modelId="{7F9EA6EC-3C3D-40A5-9ACF-E563A22123C5}" type="pres">
       <dgm:prSet presAssocID="{4567A599-3950-4901-A0DD-1C6291C0630C}" presName="sibTrans" presStyleCnt="0"/>
@@ -2790,6 +2822,14 @@
         </dgm:presLayoutVars>
       </dgm:prSet>
       <dgm:spPr/>
+      <dgm:t>
+        <a:bodyPr/>
+        <a:lstStyle/>
+        <a:p>
+          <a:pPr latinLnBrk="1"/>
+          <a:endParaRPr lang="ko-KR" altLang="en-US"/>
+        </a:p>
+      </dgm:t>
     </dgm:pt>
     <dgm:pt modelId="{9428D014-91F4-477D-B126-84FB96A5D4BF}" type="pres">
       <dgm:prSet presAssocID="{63CC7A01-AE53-4F87-B78D-4449CBF95735}" presName="sibTrans" presStyleCnt="0"/>
@@ -2802,6 +2842,14 @@
         </dgm:presLayoutVars>
       </dgm:prSet>
       <dgm:spPr/>
+      <dgm:t>
+        <a:bodyPr/>
+        <a:lstStyle/>
+        <a:p>
+          <a:pPr latinLnBrk="1"/>
+          <a:endParaRPr lang="ko-KR" altLang="en-US"/>
+        </a:p>
+      </dgm:t>
     </dgm:pt>
     <dgm:pt modelId="{15EFBB9D-B382-4B45-8B5A-4B7D800B4D68}" type="pres">
       <dgm:prSet presAssocID="{8167520B-8981-40A6-AA78-AC33AAB50BBD}" presName="sibTrans" presStyleCnt="0"/>
@@ -2814,22 +2862,30 @@
         </dgm:presLayoutVars>
       </dgm:prSet>
       <dgm:spPr/>
+      <dgm:t>
+        <a:bodyPr/>
+        <a:lstStyle/>
+        <a:p>
+          <a:pPr latinLnBrk="1"/>
+          <a:endParaRPr lang="ko-KR" altLang="en-US"/>
+        </a:p>
+      </dgm:t>
     </dgm:pt>
   </dgm:ptLst>
   <dgm:cxnLst>
+    <dgm:cxn modelId="{76809C9B-CB8E-44FC-8910-0B8B81A56272}" type="presOf" srcId="{872A1C71-6FAF-47B5-90CE-99510E9D6C7A}" destId="{DFBBB5F9-2C55-408E-9280-009E298A8B8D}" srcOrd="0" destOrd="0" presId="urn:microsoft.com/office/officeart/2005/8/layout/default"/>
+    <dgm:cxn modelId="{30013A8A-955F-4244-8B39-EDE33B91873F}" type="presOf" srcId="{C862ABB5-E0CE-4222-B3C1-074A5559CBB3}" destId="{276308A6-4ED6-4A7B-A1C6-AC9BA8640E31}" srcOrd="0" destOrd="0" presId="urn:microsoft.com/office/officeart/2005/8/layout/default"/>
+    <dgm:cxn modelId="{608A1CBA-EA59-4606-98C9-8B2D5EF971AE}" srcId="{E5573E26-5320-4C06-A1C6-34BFF59EE395}" destId="{75AEDC82-662E-4CA0-8791-46B787CEC2BA}" srcOrd="3" destOrd="0" parTransId="{45001C0D-8138-4314-98C2-38547DF2515B}" sibTransId="{63CC7A01-AE53-4F87-B78D-4449CBF95735}"/>
+    <dgm:cxn modelId="{DDB4D35F-D9D1-44D3-9741-6383647B3BB3}" srcId="{E5573E26-5320-4C06-A1C6-34BFF59EE395}" destId="{C862ABB5-E0CE-4222-B3C1-074A5559CBB3}" srcOrd="5" destOrd="0" parTransId="{69E17A25-D73F-4A25-BC73-BDECBB213691}" sibTransId="{1CECC7B5-DFDC-42B7-BD35-417F86611FDD}"/>
+    <dgm:cxn modelId="{EBFB84EE-4DC1-4F53-962A-75F55AB75B64}" type="presOf" srcId="{FEDEC8FE-FC4F-487F-8DA3-3BB49F90D490}" destId="{700CAF28-027B-4574-B0E5-B965C0EAD4B7}" srcOrd="0" destOrd="0" presId="urn:microsoft.com/office/officeart/2005/8/layout/default"/>
+    <dgm:cxn modelId="{231B73DA-00D4-45F1-A53D-A3E9DFB5FFA7}" srcId="{E5573E26-5320-4C06-A1C6-34BFF59EE395}" destId="{872A1C71-6FAF-47B5-90CE-99510E9D6C7A}" srcOrd="1" destOrd="0" parTransId="{52BAC1D1-796E-42C5-A541-DF764E5F800B}" sibTransId="{F8ACF93D-6AF2-47A8-B735-CFE0C75967D1}"/>
+    <dgm:cxn modelId="{C8E8E032-A540-44AF-A8AA-BE29D931FB3D}" srcId="{E5573E26-5320-4C06-A1C6-34BFF59EE395}" destId="{781240F8-30C2-4885-AACB-502B688D7BD1}" srcOrd="4" destOrd="0" parTransId="{6E24BE20-45C4-4963-910E-27B96FF506D9}" sibTransId="{8167520B-8981-40A6-AA78-AC33AAB50BBD}"/>
+    <dgm:cxn modelId="{B2812A64-2263-4883-9D4A-B386D5685CAE}" type="presOf" srcId="{E5573E26-5320-4C06-A1C6-34BFF59EE395}" destId="{8D08D1E1-1FC7-4118-B0A2-75C9683FDA13}" srcOrd="0" destOrd="0" presId="urn:microsoft.com/office/officeart/2005/8/layout/default"/>
+    <dgm:cxn modelId="{9BF432A9-CB93-47D3-96C5-534B99A56DC6}" srcId="{E5573E26-5320-4C06-A1C6-34BFF59EE395}" destId="{FEDEC8FE-FC4F-487F-8DA3-3BB49F90D490}" srcOrd="2" destOrd="0" parTransId="{3330DB75-9EEC-46B0-9A9B-C1B2B57512CB}" sibTransId="{4567A599-3950-4901-A0DD-1C6291C0630C}"/>
     <dgm:cxn modelId="{1FD3F824-A737-4430-96C0-FEB8109D7ED0}" type="presOf" srcId="{75AEDC82-662E-4CA0-8791-46B787CEC2BA}" destId="{6D8975A5-4CA5-4D9A-AAD3-009B6A89EC74}" srcOrd="0" destOrd="0" presId="urn:microsoft.com/office/officeart/2005/8/layout/default"/>
-    <dgm:cxn modelId="{C8E8E032-A540-44AF-A8AA-BE29D931FB3D}" srcId="{E5573E26-5320-4C06-A1C6-34BFF59EE395}" destId="{781240F8-30C2-4885-AACB-502B688D7BD1}" srcOrd="4" destOrd="0" parTransId="{6E24BE20-45C4-4963-910E-27B96FF506D9}" sibTransId="{8167520B-8981-40A6-AA78-AC33AAB50BBD}"/>
-    <dgm:cxn modelId="{DDB4D35F-D9D1-44D3-9741-6383647B3BB3}" srcId="{E5573E26-5320-4C06-A1C6-34BFF59EE395}" destId="{C862ABB5-E0CE-4222-B3C1-074A5559CBB3}" srcOrd="5" destOrd="0" parTransId="{69E17A25-D73F-4A25-BC73-BDECBB213691}" sibTransId="{1CECC7B5-DFDC-42B7-BD35-417F86611FDD}"/>
-    <dgm:cxn modelId="{B2812A64-2263-4883-9D4A-B386D5685CAE}" type="presOf" srcId="{E5573E26-5320-4C06-A1C6-34BFF59EE395}" destId="{8D08D1E1-1FC7-4118-B0A2-75C9683FDA13}" srcOrd="0" destOrd="0" presId="urn:microsoft.com/office/officeart/2005/8/layout/default"/>
+    <dgm:cxn modelId="{383D9ACE-7757-421D-8720-9548C5E6C0A0}" type="presOf" srcId="{781240F8-30C2-4885-AACB-502B688D7BD1}" destId="{12140423-47E9-464F-8454-57709CFA86FE}" srcOrd="0" destOrd="0" presId="urn:microsoft.com/office/officeart/2005/8/layout/default"/>
     <dgm:cxn modelId="{33BD456D-1BEF-499B-AEF1-367474EBDCD0}" srcId="{E5573E26-5320-4C06-A1C6-34BFF59EE395}" destId="{AC120FF6-DAF7-469F-8AF2-4411B0321B2D}" srcOrd="0" destOrd="0" parTransId="{4DF3CD87-1EC2-40FD-BA97-6F8CD6710D53}" sibTransId="{731035E3-EE06-42D6-ADE8-70C9662F5686}"/>
-    <dgm:cxn modelId="{30013A8A-955F-4244-8B39-EDE33B91873F}" type="presOf" srcId="{C862ABB5-E0CE-4222-B3C1-074A5559CBB3}" destId="{276308A6-4ED6-4A7B-A1C6-AC9BA8640E31}" srcOrd="0" destOrd="0" presId="urn:microsoft.com/office/officeart/2005/8/layout/default"/>
-    <dgm:cxn modelId="{76809C9B-CB8E-44FC-8910-0B8B81A56272}" type="presOf" srcId="{872A1C71-6FAF-47B5-90CE-99510E9D6C7A}" destId="{DFBBB5F9-2C55-408E-9280-009E298A8B8D}" srcOrd="0" destOrd="0" presId="urn:microsoft.com/office/officeart/2005/8/layout/default"/>
-    <dgm:cxn modelId="{9BF432A9-CB93-47D3-96C5-534B99A56DC6}" srcId="{E5573E26-5320-4C06-A1C6-34BFF59EE395}" destId="{FEDEC8FE-FC4F-487F-8DA3-3BB49F90D490}" srcOrd="2" destOrd="0" parTransId="{3330DB75-9EEC-46B0-9A9B-C1B2B57512CB}" sibTransId="{4567A599-3950-4901-A0DD-1C6291C0630C}"/>
     <dgm:cxn modelId="{F7AB96AE-4D93-42EB-AD0D-4EA467CFCE9E}" type="presOf" srcId="{AC120FF6-DAF7-469F-8AF2-4411B0321B2D}" destId="{49C24EBE-CB27-48F5-9749-33D2C5E1FF8B}" srcOrd="0" destOrd="0" presId="urn:microsoft.com/office/officeart/2005/8/layout/default"/>
-    <dgm:cxn modelId="{608A1CBA-EA59-4606-98C9-8B2D5EF971AE}" srcId="{E5573E26-5320-4C06-A1C6-34BFF59EE395}" destId="{75AEDC82-662E-4CA0-8791-46B787CEC2BA}" srcOrd="3" destOrd="0" parTransId="{45001C0D-8138-4314-98C2-38547DF2515B}" sibTransId="{63CC7A01-AE53-4F87-B78D-4449CBF95735}"/>
-    <dgm:cxn modelId="{383D9ACE-7757-421D-8720-9548C5E6C0A0}" type="presOf" srcId="{781240F8-30C2-4885-AACB-502B688D7BD1}" destId="{12140423-47E9-464F-8454-57709CFA86FE}" srcOrd="0" destOrd="0" presId="urn:microsoft.com/office/officeart/2005/8/layout/default"/>
-    <dgm:cxn modelId="{231B73DA-00D4-45F1-A53D-A3E9DFB5FFA7}" srcId="{E5573E26-5320-4C06-A1C6-34BFF59EE395}" destId="{872A1C71-6FAF-47B5-90CE-99510E9D6C7A}" srcOrd="1" destOrd="0" parTransId="{52BAC1D1-796E-42C5-A541-DF764E5F800B}" sibTransId="{F8ACF93D-6AF2-47A8-B735-CFE0C75967D1}"/>
-    <dgm:cxn modelId="{EBFB84EE-4DC1-4F53-962A-75F55AB75B64}" type="presOf" srcId="{FEDEC8FE-FC4F-487F-8DA3-3BB49F90D490}" destId="{700CAF28-027B-4574-B0E5-B965C0EAD4B7}" srcOrd="0" destOrd="0" presId="urn:microsoft.com/office/officeart/2005/8/layout/default"/>
     <dgm:cxn modelId="{A0D9EFA4-D1F6-40BC-8D77-63E7F0789857}" type="presParOf" srcId="{8D08D1E1-1FC7-4118-B0A2-75C9683FDA13}" destId="{49C24EBE-CB27-48F5-9749-33D2C5E1FF8B}" srcOrd="0" destOrd="0" presId="urn:microsoft.com/office/officeart/2005/8/layout/default"/>
     <dgm:cxn modelId="{4A062177-6014-4942-93C7-D36AFA80EF7C}" type="presParOf" srcId="{8D08D1E1-1FC7-4118-B0A2-75C9683FDA13}" destId="{58A7B869-2662-48B2-8EE9-732FE4F5FCF7}" srcOrd="1" destOrd="0" presId="urn:microsoft.com/office/officeart/2005/8/layout/default"/>
     <dgm:cxn modelId="{9D65C942-988C-4EC5-A608-DB998A0E03D7}" type="presParOf" srcId="{8D08D1E1-1FC7-4118-B0A2-75C9683FDA13}" destId="{DFBBB5F9-2C55-408E-9280-009E298A8B8D}" srcOrd="2" destOrd="0" presId="urn:microsoft.com/office/officeart/2005/8/layout/default"/>
@@ -3023,6 +3079,14 @@
         </dgm:presLayoutVars>
       </dgm:prSet>
       <dgm:spPr/>
+      <dgm:t>
+        <a:bodyPr/>
+        <a:lstStyle/>
+        <a:p>
+          <a:pPr latinLnBrk="1"/>
+          <a:endParaRPr lang="ko-KR" altLang="en-US"/>
+        </a:p>
+      </dgm:t>
     </dgm:pt>
     <dgm:pt modelId="{2911B45A-3CCC-483F-9ADA-DB1E85926FFB}" type="pres">
       <dgm:prSet presAssocID="{970AE1EE-095D-4A1B-8E3E-70F8687160B3}" presName="parentLin" presStyleCnt="0"/>
@@ -3031,6 +3095,14 @@
     <dgm:pt modelId="{00A32535-E342-454F-A479-56C1AD7B8BDB}" type="pres">
       <dgm:prSet presAssocID="{970AE1EE-095D-4A1B-8E3E-70F8687160B3}" presName="parentLeftMargin" presStyleLbl="node1" presStyleIdx="0" presStyleCnt="4"/>
       <dgm:spPr/>
+      <dgm:t>
+        <a:bodyPr/>
+        <a:lstStyle/>
+        <a:p>
+          <a:pPr latinLnBrk="1"/>
+          <a:endParaRPr lang="ko-KR" altLang="en-US"/>
+        </a:p>
+      </dgm:t>
     </dgm:pt>
     <dgm:pt modelId="{6C84D589-3D29-46E5-B894-C7B3B54157B3}" type="pres">
       <dgm:prSet presAssocID="{970AE1EE-095D-4A1B-8E3E-70F8687160B3}" presName="parentText" presStyleLbl="node1" presStyleIdx="0" presStyleCnt="4">
@@ -3040,6 +3112,14 @@
         </dgm:presLayoutVars>
       </dgm:prSet>
       <dgm:spPr/>
+      <dgm:t>
+        <a:bodyPr/>
+        <a:lstStyle/>
+        <a:p>
+          <a:pPr latinLnBrk="1"/>
+          <a:endParaRPr lang="ko-KR" altLang="en-US"/>
+        </a:p>
+      </dgm:t>
     </dgm:pt>
     <dgm:pt modelId="{9A4D4C5D-CD2F-48E2-BC9A-184E00AFFA50}" type="pres">
       <dgm:prSet presAssocID="{970AE1EE-095D-4A1B-8E3E-70F8687160B3}" presName="negativeSpace" presStyleCnt="0"/>
@@ -3064,6 +3144,14 @@
     <dgm:pt modelId="{DD07B286-739B-4FC4-9FB3-F2B2226C8F35}" type="pres">
       <dgm:prSet presAssocID="{635C6A86-88D8-4D96-A4BE-F883D00D75C1}" presName="parentLeftMargin" presStyleLbl="node1" presStyleIdx="0" presStyleCnt="4"/>
       <dgm:spPr/>
+      <dgm:t>
+        <a:bodyPr/>
+        <a:lstStyle/>
+        <a:p>
+          <a:pPr latinLnBrk="1"/>
+          <a:endParaRPr lang="ko-KR" altLang="en-US"/>
+        </a:p>
+      </dgm:t>
     </dgm:pt>
     <dgm:pt modelId="{371CDEB1-CE61-4976-A21C-9AF5455CFE16}" type="pres">
       <dgm:prSet presAssocID="{635C6A86-88D8-4D96-A4BE-F883D00D75C1}" presName="parentText" presStyleLbl="node1" presStyleIdx="1" presStyleCnt="4">
@@ -3073,6 +3161,14 @@
         </dgm:presLayoutVars>
       </dgm:prSet>
       <dgm:spPr/>
+      <dgm:t>
+        <a:bodyPr/>
+        <a:lstStyle/>
+        <a:p>
+          <a:pPr latinLnBrk="1"/>
+          <a:endParaRPr lang="ko-KR" altLang="en-US"/>
+        </a:p>
+      </dgm:t>
     </dgm:pt>
     <dgm:pt modelId="{035278F8-B317-4709-BD9B-539EE91B8AAB}" type="pres">
       <dgm:prSet presAssocID="{635C6A86-88D8-4D96-A4BE-F883D00D75C1}" presName="negativeSpace" presStyleCnt="0"/>
@@ -3097,6 +3193,14 @@
     <dgm:pt modelId="{5D329693-7AE5-4340-8872-8396BFC77CE1}" type="pres">
       <dgm:prSet presAssocID="{3B4EF65B-C061-4211-8523-5EB114DEF8DA}" presName="parentLeftMargin" presStyleLbl="node1" presStyleIdx="1" presStyleCnt="4"/>
       <dgm:spPr/>
+      <dgm:t>
+        <a:bodyPr/>
+        <a:lstStyle/>
+        <a:p>
+          <a:pPr latinLnBrk="1"/>
+          <a:endParaRPr lang="ko-KR" altLang="en-US"/>
+        </a:p>
+      </dgm:t>
     </dgm:pt>
     <dgm:pt modelId="{F2938FFC-A66E-44AB-8534-000F10FE1399}" type="pres">
       <dgm:prSet presAssocID="{3B4EF65B-C061-4211-8523-5EB114DEF8DA}" presName="parentText" presStyleLbl="node1" presStyleIdx="2" presStyleCnt="4">
@@ -3106,6 +3210,14 @@
         </dgm:presLayoutVars>
       </dgm:prSet>
       <dgm:spPr/>
+      <dgm:t>
+        <a:bodyPr/>
+        <a:lstStyle/>
+        <a:p>
+          <a:pPr latinLnBrk="1"/>
+          <a:endParaRPr lang="ko-KR" altLang="en-US"/>
+        </a:p>
+      </dgm:t>
     </dgm:pt>
     <dgm:pt modelId="{B01E03C9-246D-4070-9847-6EE622A71B92}" type="pres">
       <dgm:prSet presAssocID="{3B4EF65B-C061-4211-8523-5EB114DEF8DA}" presName="negativeSpace" presStyleCnt="0"/>
@@ -3130,6 +3242,14 @@
     <dgm:pt modelId="{0E56E9A4-8578-466F-8039-38220F711BDF}" type="pres">
       <dgm:prSet presAssocID="{A945D5C9-239F-4D6F-BD58-63FCD5D4A6B8}" presName="parentLeftMargin" presStyleLbl="node1" presStyleIdx="2" presStyleCnt="4"/>
       <dgm:spPr/>
+      <dgm:t>
+        <a:bodyPr/>
+        <a:lstStyle/>
+        <a:p>
+          <a:pPr latinLnBrk="1"/>
+          <a:endParaRPr lang="ko-KR" altLang="en-US"/>
+        </a:p>
+      </dgm:t>
     </dgm:pt>
     <dgm:pt modelId="{3A66D4E6-0BA2-4B54-B9D5-DA3271D1221B}" type="pres">
       <dgm:prSet presAssocID="{A945D5C9-239F-4D6F-BD58-63FCD5D4A6B8}" presName="parentText" presStyleLbl="node1" presStyleIdx="3" presStyleCnt="4">
@@ -3139,6 +3259,14 @@
         </dgm:presLayoutVars>
       </dgm:prSet>
       <dgm:spPr/>
+      <dgm:t>
+        <a:bodyPr/>
+        <a:lstStyle/>
+        <a:p>
+          <a:pPr latinLnBrk="1"/>
+          <a:endParaRPr lang="ko-KR" altLang="en-US"/>
+        </a:p>
+      </dgm:t>
     </dgm:pt>
     <dgm:pt modelId="{75B00F65-927B-4C16-AAFE-B68016D07B31}" type="pres">
       <dgm:prSet presAssocID="{A945D5C9-239F-4D6F-BD58-63FCD5D4A6B8}" presName="negativeSpace" presStyleCnt="0"/>
@@ -3154,19 +3282,19 @@
     </dgm:pt>
   </dgm:ptLst>
   <dgm:cxnLst>
+    <dgm:cxn modelId="{E52A819F-0072-46EB-A0F6-2F9EC3AABDC0}" type="presOf" srcId="{3B4EF65B-C061-4211-8523-5EB114DEF8DA}" destId="{F2938FFC-A66E-44AB-8534-000F10FE1399}" srcOrd="1" destOrd="0" presId="urn:microsoft.com/office/officeart/2005/8/layout/list1"/>
+    <dgm:cxn modelId="{C8197564-BE45-43C3-96FE-CFA076AEADE1}" type="presOf" srcId="{5F01EE99-217E-4059-B04C-D020BC9A7E56}" destId="{9E8E45D5-EA20-463F-93E3-71C8FA002F11}" srcOrd="0" destOrd="0" presId="urn:microsoft.com/office/officeart/2005/8/layout/list1"/>
+    <dgm:cxn modelId="{E04C271C-9E7A-4DA6-917E-31D2DC62C557}" type="presOf" srcId="{3B4EF65B-C061-4211-8523-5EB114DEF8DA}" destId="{5D329693-7AE5-4340-8872-8396BFC77CE1}" srcOrd="0" destOrd="0" presId="urn:microsoft.com/office/officeart/2005/8/layout/list1"/>
+    <dgm:cxn modelId="{AAC0D179-38F6-4A1D-97FE-8807AE6001E7}" type="presOf" srcId="{970AE1EE-095D-4A1B-8E3E-70F8687160B3}" destId="{00A32535-E342-454F-A479-56C1AD7B8BDB}" srcOrd="0" destOrd="0" presId="urn:microsoft.com/office/officeart/2005/8/layout/list1"/>
+    <dgm:cxn modelId="{83894E48-71BC-4209-839A-5A48E2D66171}" srcId="{5F01EE99-217E-4059-B04C-D020BC9A7E56}" destId="{A945D5C9-239F-4D6F-BD58-63FCD5D4A6B8}" srcOrd="3" destOrd="0" parTransId="{102F65DD-D85C-4003-9AF9-F8C2264EBA00}" sibTransId="{B1B3B683-4B32-444A-B45A-E916F55F66EF}"/>
     <dgm:cxn modelId="{F00BD609-833E-4C93-B848-DD468C9F9EA2}" srcId="{5F01EE99-217E-4059-B04C-D020BC9A7E56}" destId="{3B4EF65B-C061-4211-8523-5EB114DEF8DA}" srcOrd="2" destOrd="0" parTransId="{C5ACA7C2-9445-4F60-8AAD-EF66BE7A8C45}" sibTransId="{17ED7902-3440-4A49-B265-AFD8F95564E3}"/>
-    <dgm:cxn modelId="{E04C271C-9E7A-4DA6-917E-31D2DC62C557}" type="presOf" srcId="{3B4EF65B-C061-4211-8523-5EB114DEF8DA}" destId="{5D329693-7AE5-4340-8872-8396BFC77CE1}" srcOrd="0" destOrd="0" presId="urn:microsoft.com/office/officeart/2005/8/layout/list1"/>
-    <dgm:cxn modelId="{C8197564-BE45-43C3-96FE-CFA076AEADE1}" type="presOf" srcId="{5F01EE99-217E-4059-B04C-D020BC9A7E56}" destId="{9E8E45D5-EA20-463F-93E3-71C8FA002F11}" srcOrd="0" destOrd="0" presId="urn:microsoft.com/office/officeart/2005/8/layout/list1"/>
-    <dgm:cxn modelId="{15258065-D6D6-42BC-BA3C-E155416682DC}" type="presOf" srcId="{A945D5C9-239F-4D6F-BD58-63FCD5D4A6B8}" destId="{3A66D4E6-0BA2-4B54-B9D5-DA3271D1221B}" srcOrd="1" destOrd="0" presId="urn:microsoft.com/office/officeart/2005/8/layout/list1"/>
-    <dgm:cxn modelId="{83894E48-71BC-4209-839A-5A48E2D66171}" srcId="{5F01EE99-217E-4059-B04C-D020BC9A7E56}" destId="{A945D5C9-239F-4D6F-BD58-63FCD5D4A6B8}" srcOrd="3" destOrd="0" parTransId="{102F65DD-D85C-4003-9AF9-F8C2264EBA00}" sibTransId="{B1B3B683-4B32-444A-B45A-E916F55F66EF}"/>
-    <dgm:cxn modelId="{401F906F-7943-4DBE-8AA1-B0B05129B21D}" type="presOf" srcId="{A945D5C9-239F-4D6F-BD58-63FCD5D4A6B8}" destId="{0E56E9A4-8578-466F-8039-38220F711BDF}" srcOrd="0" destOrd="0" presId="urn:microsoft.com/office/officeart/2005/8/layout/list1"/>
-    <dgm:cxn modelId="{7C5A1B79-1871-4443-B2B0-96BD3046AAD3}" srcId="{5F01EE99-217E-4059-B04C-D020BC9A7E56}" destId="{635C6A86-88D8-4D96-A4BE-F883D00D75C1}" srcOrd="1" destOrd="0" parTransId="{459D4F25-A238-40A3-B2CA-B18FD4B6EB37}" sibTransId="{EA1A34D2-5497-46AC-8ECB-6C7CC570DABE}"/>
-    <dgm:cxn modelId="{AAC0D179-38F6-4A1D-97FE-8807AE6001E7}" type="presOf" srcId="{970AE1EE-095D-4A1B-8E3E-70F8687160B3}" destId="{00A32535-E342-454F-A479-56C1AD7B8BDB}" srcOrd="0" destOrd="0" presId="urn:microsoft.com/office/officeart/2005/8/layout/list1"/>
-    <dgm:cxn modelId="{3BED5B7F-D277-497E-BC75-E536F8318DF3}" type="presOf" srcId="{635C6A86-88D8-4D96-A4BE-F883D00D75C1}" destId="{371CDEB1-CE61-4976-A21C-9AF5455CFE16}" srcOrd="1" destOrd="0" presId="urn:microsoft.com/office/officeart/2005/8/layout/list1"/>
-    <dgm:cxn modelId="{AA8D729A-8E51-441D-A9E2-8279CC26F2F6}" type="presOf" srcId="{635C6A86-88D8-4D96-A4BE-F883D00D75C1}" destId="{DD07B286-739B-4FC4-9FB3-F2B2226C8F35}" srcOrd="0" destOrd="0" presId="urn:microsoft.com/office/officeart/2005/8/layout/list1"/>
-    <dgm:cxn modelId="{E52A819F-0072-46EB-A0F6-2F9EC3AABDC0}" type="presOf" srcId="{3B4EF65B-C061-4211-8523-5EB114DEF8DA}" destId="{F2938FFC-A66E-44AB-8534-000F10FE1399}" srcOrd="1" destOrd="0" presId="urn:microsoft.com/office/officeart/2005/8/layout/list1"/>
     <dgm:cxn modelId="{A8A149BD-D78A-4FAE-8CD5-AC80FA1180AA}" type="presOf" srcId="{970AE1EE-095D-4A1B-8E3E-70F8687160B3}" destId="{6C84D589-3D29-46E5-B894-C7B3B54157B3}" srcOrd="1" destOrd="0" presId="urn:microsoft.com/office/officeart/2005/8/layout/list1"/>
     <dgm:cxn modelId="{767219E2-1E15-4E0C-8CA9-1B61A600ACA3}" srcId="{5F01EE99-217E-4059-B04C-D020BC9A7E56}" destId="{970AE1EE-095D-4A1B-8E3E-70F8687160B3}" srcOrd="0" destOrd="0" parTransId="{D8DCFAA6-1B59-49AC-83F5-1BC7DFA482C7}" sibTransId="{38A947A2-A53C-472E-96A5-43FE12E66526}"/>
+    <dgm:cxn modelId="{AA8D729A-8E51-441D-A9E2-8279CC26F2F6}" type="presOf" srcId="{635C6A86-88D8-4D96-A4BE-F883D00D75C1}" destId="{DD07B286-739B-4FC4-9FB3-F2B2226C8F35}" srcOrd="0" destOrd="0" presId="urn:microsoft.com/office/officeart/2005/8/layout/list1"/>
+    <dgm:cxn modelId="{3BED5B7F-D277-497E-BC75-E536F8318DF3}" type="presOf" srcId="{635C6A86-88D8-4D96-A4BE-F883D00D75C1}" destId="{371CDEB1-CE61-4976-A21C-9AF5455CFE16}" srcOrd="1" destOrd="0" presId="urn:microsoft.com/office/officeart/2005/8/layout/list1"/>
+    <dgm:cxn modelId="{7C5A1B79-1871-4443-B2B0-96BD3046AAD3}" srcId="{5F01EE99-217E-4059-B04C-D020BC9A7E56}" destId="{635C6A86-88D8-4D96-A4BE-F883D00D75C1}" srcOrd="1" destOrd="0" parTransId="{459D4F25-A238-40A3-B2CA-B18FD4B6EB37}" sibTransId="{EA1A34D2-5497-46AC-8ECB-6C7CC570DABE}"/>
+    <dgm:cxn modelId="{401F906F-7943-4DBE-8AA1-B0B05129B21D}" type="presOf" srcId="{A945D5C9-239F-4D6F-BD58-63FCD5D4A6B8}" destId="{0E56E9A4-8578-466F-8039-38220F711BDF}" srcOrd="0" destOrd="0" presId="urn:microsoft.com/office/officeart/2005/8/layout/list1"/>
+    <dgm:cxn modelId="{15258065-D6D6-42BC-BA3C-E155416682DC}" type="presOf" srcId="{A945D5C9-239F-4D6F-BD58-63FCD5D4A6B8}" destId="{3A66D4E6-0BA2-4B54-B9D5-DA3271D1221B}" srcOrd="1" destOrd="0" presId="urn:microsoft.com/office/officeart/2005/8/layout/list1"/>
     <dgm:cxn modelId="{03406FAE-8984-4CD8-B185-574FE4D246A6}" type="presParOf" srcId="{9E8E45D5-EA20-463F-93E3-71C8FA002F11}" destId="{2911B45A-3CCC-483F-9ADA-DB1E85926FFB}" srcOrd="0" destOrd="0" presId="urn:microsoft.com/office/officeart/2005/8/layout/list1"/>
     <dgm:cxn modelId="{94860C11-1E18-4C31-8B0E-8A8388265F65}" type="presParOf" srcId="{2911B45A-3CCC-483F-9ADA-DB1E85926FFB}" destId="{00A32535-E342-454F-A479-56C1AD7B8BDB}" srcOrd="0" destOrd="0" presId="urn:microsoft.com/office/officeart/2005/8/layout/list1"/>
     <dgm:cxn modelId="{6E576978-B3FD-4C1B-809F-54C977E97E3B}" type="presParOf" srcId="{2911B45A-3CCC-483F-9ADA-DB1E85926FFB}" destId="{6C84D589-3D29-46E5-B894-C7B3B54157B3}" srcOrd="1" destOrd="0" presId="urn:microsoft.com/office/officeart/2005/8/layout/list1"/>
@@ -3465,6 +3593,14 @@
         </dgm:presLayoutVars>
       </dgm:prSet>
       <dgm:spPr/>
+      <dgm:t>
+        <a:bodyPr/>
+        <a:lstStyle/>
+        <a:p>
+          <a:pPr latinLnBrk="1"/>
+          <a:endParaRPr lang="ko-KR" altLang="en-US"/>
+        </a:p>
+      </dgm:t>
     </dgm:pt>
     <dgm:pt modelId="{53DEC29D-B12A-46F6-98C1-1ED1B7E4DDFC}" type="pres">
       <dgm:prSet presAssocID="{AA1B0DE3-3EAB-4C5F-B81A-F9FC9FE4E3F9}" presName="linNode" presStyleCnt="0"/>
@@ -3478,6 +3614,14 @@
         </dgm:presLayoutVars>
       </dgm:prSet>
       <dgm:spPr/>
+      <dgm:t>
+        <a:bodyPr/>
+        <a:lstStyle/>
+        <a:p>
+          <a:pPr latinLnBrk="1"/>
+          <a:endParaRPr lang="ko-KR" altLang="en-US"/>
+        </a:p>
+      </dgm:t>
     </dgm:pt>
     <dgm:pt modelId="{A5F42C7E-7083-4421-9BF2-84491EE80078}" type="pres">
       <dgm:prSet presAssocID="{C44FF18F-145A-4E5D-AFBD-4C21F5423E75}" presName="sp" presStyleCnt="0"/>
@@ -3495,6 +3639,14 @@
         </dgm:presLayoutVars>
       </dgm:prSet>
       <dgm:spPr/>
+      <dgm:t>
+        <a:bodyPr/>
+        <a:lstStyle/>
+        <a:p>
+          <a:pPr latinLnBrk="1"/>
+          <a:endParaRPr lang="ko-KR" altLang="en-US"/>
+        </a:p>
+      </dgm:t>
     </dgm:pt>
     <dgm:pt modelId="{34B6A839-A20F-4CF7-B00A-063DD17D8D31}" type="pres">
       <dgm:prSet presAssocID="{518BF665-9809-4829-ADF6-6CB766C9F3ED}" presName="sp" presStyleCnt="0"/>
@@ -3512,6 +3664,14 @@
         </dgm:presLayoutVars>
       </dgm:prSet>
       <dgm:spPr/>
+      <dgm:t>
+        <a:bodyPr/>
+        <a:lstStyle/>
+        <a:p>
+          <a:pPr latinLnBrk="1"/>
+          <a:endParaRPr lang="ko-KR" altLang="en-US"/>
+        </a:p>
+      </dgm:t>
     </dgm:pt>
     <dgm:pt modelId="{EE97343B-7FF8-441C-84EC-F80623F4E7E1}" type="pres">
       <dgm:prSet presAssocID="{874F9B05-E128-4333-8546-0488834F6139}" presName="sp" presStyleCnt="0"/>
@@ -3529,6 +3689,14 @@
         </dgm:presLayoutVars>
       </dgm:prSet>
       <dgm:spPr/>
+      <dgm:t>
+        <a:bodyPr/>
+        <a:lstStyle/>
+        <a:p>
+          <a:pPr latinLnBrk="1"/>
+          <a:endParaRPr lang="ko-KR" altLang="en-US"/>
+        </a:p>
+      </dgm:t>
     </dgm:pt>
     <dgm:pt modelId="{F41A272F-614F-4495-8D7D-C981AF13CDF5}" type="pres">
       <dgm:prSet presAssocID="{036985E7-9B90-47B6-80DF-2DDD6429BC8C}" presName="sp" presStyleCnt="0"/>
@@ -3546,20 +3714,28 @@
         </dgm:presLayoutVars>
       </dgm:prSet>
       <dgm:spPr/>
+      <dgm:t>
+        <a:bodyPr/>
+        <a:lstStyle/>
+        <a:p>
+          <a:pPr latinLnBrk="1"/>
+          <a:endParaRPr lang="ko-KR" altLang="en-US"/>
+        </a:p>
+      </dgm:t>
     </dgm:pt>
   </dgm:ptLst>
   <dgm:cxnLst>
+    <dgm:cxn modelId="{473496BD-9C17-484F-9A32-6363EA53E15C}" srcId="{76225835-10C8-4734-A61F-DA67874C2778}" destId="{AA1B0DE3-3EAB-4C5F-B81A-F9FC9FE4E3F9}" srcOrd="0" destOrd="0" parTransId="{D5014A0B-8516-4734-AE23-901E4540CEE7}" sibTransId="{C44FF18F-145A-4E5D-AFBD-4C21F5423E75}"/>
+    <dgm:cxn modelId="{48346AA0-C8E1-4CCC-B53C-B38B2918F276}" type="presOf" srcId="{A3344EC7-D3A8-4352-8931-81B626DA081F}" destId="{6661ABF9-144D-4F90-8701-E37781515813}" srcOrd="0" destOrd="0" presId="urn:microsoft.com/office/officeart/2005/8/layout/vList5"/>
     <dgm:cxn modelId="{8276E303-A8C6-4597-B5B8-053C703FA182}" type="presOf" srcId="{76225835-10C8-4734-A61F-DA67874C2778}" destId="{56B488B9-BE1D-4D58-8C92-582187D96D42}" srcOrd="0" destOrd="0" presId="urn:microsoft.com/office/officeart/2005/8/layout/vList5"/>
+    <dgm:cxn modelId="{7D94EEFD-2D41-4F61-B791-8A4193FC32A9}" type="presOf" srcId="{CB942C7C-29CC-4D89-89A8-68F39A7F914C}" destId="{FC3B6A81-12AC-40E6-B9F1-BDFAA4D18571}" srcOrd="0" destOrd="0" presId="urn:microsoft.com/office/officeart/2005/8/layout/vList5"/>
+    <dgm:cxn modelId="{E4F8574F-0EE2-4160-8D41-D65CB212698B}" srcId="{76225835-10C8-4734-A61F-DA67874C2778}" destId="{CB942C7C-29CC-4D89-89A8-68F39A7F914C}" srcOrd="1" destOrd="0" parTransId="{A1DF2706-1A82-46EF-A4B1-00CFCB347659}" sibTransId="{518BF665-9809-4829-ADF6-6CB766C9F3ED}"/>
     <dgm:cxn modelId="{88C6B223-6688-44F8-85D2-51CBB2007B6E}" srcId="{76225835-10C8-4734-A61F-DA67874C2778}" destId="{36E7A554-83C8-4BE5-A8A2-7802FCFCFBF1}" srcOrd="2" destOrd="0" parTransId="{F487037A-F271-42D0-A915-508DBB988071}" sibTransId="{874F9B05-E128-4333-8546-0488834F6139}"/>
-    <dgm:cxn modelId="{E4F8574F-0EE2-4160-8D41-D65CB212698B}" srcId="{76225835-10C8-4734-A61F-DA67874C2778}" destId="{CB942C7C-29CC-4D89-89A8-68F39A7F914C}" srcOrd="1" destOrd="0" parTransId="{A1DF2706-1A82-46EF-A4B1-00CFCB347659}" sibTransId="{518BF665-9809-4829-ADF6-6CB766C9F3ED}"/>
+    <dgm:cxn modelId="{255AF8CD-F1A2-4E2D-A2DA-C694867C5563}" srcId="{76225835-10C8-4734-A61F-DA67874C2778}" destId="{CC4C83C0-57C0-478B-8420-363260E96CD3}" srcOrd="3" destOrd="0" parTransId="{3B8543D2-9603-4427-ABD4-49E0EC313EFF}" sibTransId="{036985E7-9B90-47B6-80DF-2DDD6429BC8C}"/>
+    <dgm:cxn modelId="{80A577CC-A4B9-436B-9D82-DB8D02C8E061}" type="presOf" srcId="{CC4C83C0-57C0-478B-8420-363260E96CD3}" destId="{4C3C772D-098E-4025-900B-D819C1264B42}" srcOrd="0" destOrd="0" presId="urn:microsoft.com/office/officeart/2005/8/layout/vList5"/>
     <dgm:cxn modelId="{C1858C7A-516F-4A62-B569-967A18BC1BBA}" type="presOf" srcId="{36E7A554-83C8-4BE5-A8A2-7802FCFCFBF1}" destId="{1452C410-7FAB-4A11-AA19-D5451CBC7AB5}" srcOrd="0" destOrd="0" presId="urn:microsoft.com/office/officeart/2005/8/layout/vList5"/>
     <dgm:cxn modelId="{9A26478D-27A1-496C-AE7E-727E867526E4}" type="presOf" srcId="{AA1B0DE3-3EAB-4C5F-B81A-F9FC9FE4E3F9}" destId="{FFD4CD8E-AF59-465D-9B6F-59DC9609942F}" srcOrd="0" destOrd="0" presId="urn:microsoft.com/office/officeart/2005/8/layout/vList5"/>
-    <dgm:cxn modelId="{48346AA0-C8E1-4CCC-B53C-B38B2918F276}" type="presOf" srcId="{A3344EC7-D3A8-4352-8931-81B626DA081F}" destId="{6661ABF9-144D-4F90-8701-E37781515813}" srcOrd="0" destOrd="0" presId="urn:microsoft.com/office/officeart/2005/8/layout/vList5"/>
     <dgm:cxn modelId="{C64E26B6-2797-48A3-9E32-75C6C7B87131}" srcId="{76225835-10C8-4734-A61F-DA67874C2778}" destId="{A3344EC7-D3A8-4352-8931-81B626DA081F}" srcOrd="4" destOrd="0" parTransId="{0606901E-982F-4ADA-AF6A-6D6ABB9B4389}" sibTransId="{0C1BCA35-E344-4A80-BE6C-0DEE1C1CD975}"/>
-    <dgm:cxn modelId="{473496BD-9C17-484F-9A32-6363EA53E15C}" srcId="{76225835-10C8-4734-A61F-DA67874C2778}" destId="{AA1B0DE3-3EAB-4C5F-B81A-F9FC9FE4E3F9}" srcOrd="0" destOrd="0" parTransId="{D5014A0B-8516-4734-AE23-901E4540CEE7}" sibTransId="{C44FF18F-145A-4E5D-AFBD-4C21F5423E75}"/>
-    <dgm:cxn modelId="{80A577CC-A4B9-436B-9D82-DB8D02C8E061}" type="presOf" srcId="{CC4C83C0-57C0-478B-8420-363260E96CD3}" destId="{4C3C772D-098E-4025-900B-D819C1264B42}" srcOrd="0" destOrd="0" presId="urn:microsoft.com/office/officeart/2005/8/layout/vList5"/>
-    <dgm:cxn modelId="{255AF8CD-F1A2-4E2D-A2DA-C694867C5563}" srcId="{76225835-10C8-4734-A61F-DA67874C2778}" destId="{CC4C83C0-57C0-478B-8420-363260E96CD3}" srcOrd="3" destOrd="0" parTransId="{3B8543D2-9603-4427-ABD4-49E0EC313EFF}" sibTransId="{036985E7-9B90-47B6-80DF-2DDD6429BC8C}"/>
-    <dgm:cxn modelId="{7D94EEFD-2D41-4F61-B791-8A4193FC32A9}" type="presOf" srcId="{CB942C7C-29CC-4D89-89A8-68F39A7F914C}" destId="{FC3B6A81-12AC-40E6-B9F1-BDFAA4D18571}" srcOrd="0" destOrd="0" presId="urn:microsoft.com/office/officeart/2005/8/layout/vList5"/>
     <dgm:cxn modelId="{A1321EA5-8B98-49A4-B262-3AE413BD2BD0}" type="presParOf" srcId="{56B488B9-BE1D-4D58-8C92-582187D96D42}" destId="{53DEC29D-B12A-46F6-98C1-1ED1B7E4DDFC}" srcOrd="0" destOrd="0" presId="urn:microsoft.com/office/officeart/2005/8/layout/vList5"/>
     <dgm:cxn modelId="{97E82C96-3634-4A35-9AE6-F4EBA7FE38EC}" type="presParOf" srcId="{53DEC29D-B12A-46F6-98C1-1ED1B7E4DDFC}" destId="{FFD4CD8E-AF59-465D-9B6F-59DC9609942F}" srcOrd="0" destOrd="0" presId="urn:microsoft.com/office/officeart/2005/8/layout/vList5"/>
     <dgm:cxn modelId="{97A4BF40-36EC-4671-B77A-D28553049E42}" type="presParOf" srcId="{56B488B9-BE1D-4D58-8C92-582187D96D42}" destId="{A5F42C7E-7083-4421-9BF2-84491EE80078}" srcOrd="1" destOrd="0" presId="urn:microsoft.com/office/officeart/2005/8/layout/vList5"/>
@@ -3648,7 +3824,7 @@
         </a:bodyPr>
         <a:lstStyle/>
         <a:p>
-          <a:pPr marL="0" lvl="0" indent="0" algn="ctr" defTabSz="1422400">
+          <a:pPr lvl="0" algn="ctr" defTabSz="1422400">
             <a:lnSpc>
               <a:spcPct val="90000"/>
             </a:lnSpc>
@@ -3658,7 +3834,6 @@
             <a:spcAft>
               <a:spcPct val="35000"/>
             </a:spcAft>
-            <a:buNone/>
           </a:pPr>
           <a:r>
             <a:rPr lang="ko-KR" sz="3200" kern="1200"/>
@@ -3727,7 +3902,7 @@
         </a:bodyPr>
         <a:lstStyle/>
         <a:p>
-          <a:pPr marL="0" lvl="0" indent="0" algn="ctr" defTabSz="1422400">
+          <a:pPr lvl="0" algn="ctr" defTabSz="1422400">
             <a:lnSpc>
               <a:spcPct val="90000"/>
             </a:lnSpc>
@@ -3737,7 +3912,6 @@
             <a:spcAft>
               <a:spcPct val="35000"/>
             </a:spcAft>
-            <a:buNone/>
           </a:pPr>
           <a:r>
             <a:rPr lang="ko-KR" sz="3200" kern="1200"/>
@@ -3806,7 +3980,7 @@
         </a:bodyPr>
         <a:lstStyle/>
         <a:p>
-          <a:pPr marL="0" lvl="0" indent="0" algn="ctr" defTabSz="1422400">
+          <a:pPr lvl="0" algn="ctr" defTabSz="1422400">
             <a:lnSpc>
               <a:spcPct val="90000"/>
             </a:lnSpc>
@@ -3816,7 +3990,6 @@
             <a:spcAft>
               <a:spcPct val="35000"/>
             </a:spcAft>
-            <a:buNone/>
           </a:pPr>
           <a:r>
             <a:rPr lang="ko-KR" sz="3200" kern="1200"/>
@@ -3888,7 +4061,7 @@
         </a:bodyPr>
         <a:lstStyle/>
         <a:p>
-          <a:pPr marL="0" lvl="0" indent="0" algn="ctr" defTabSz="1422400">
+          <a:pPr lvl="0" algn="ctr" defTabSz="1422400">
             <a:lnSpc>
               <a:spcPct val="90000"/>
             </a:lnSpc>
@@ -3898,7 +4071,6 @@
             <a:spcAft>
               <a:spcPct val="35000"/>
             </a:spcAft>
-            <a:buNone/>
           </a:pPr>
           <a:r>
             <a:rPr lang="ko-KR" sz="3200" kern="1200"/>
@@ -3970,7 +4142,7 @@
         </a:bodyPr>
         <a:lstStyle/>
         <a:p>
-          <a:pPr marL="0" lvl="0" indent="0" algn="ctr" defTabSz="1422400">
+          <a:pPr lvl="0" algn="ctr" defTabSz="1422400">
             <a:lnSpc>
               <a:spcPct val="90000"/>
             </a:lnSpc>
@@ -3980,7 +4152,6 @@
             <a:spcAft>
               <a:spcPct val="35000"/>
             </a:spcAft>
-            <a:buNone/>
           </a:pPr>
           <a:r>
             <a:rPr lang="ko-KR" sz="3200" kern="1200"/>
@@ -4049,7 +4220,7 @@
         </a:bodyPr>
         <a:lstStyle/>
         <a:p>
-          <a:pPr marL="0" lvl="0" indent="0" algn="ctr" defTabSz="1422400">
+          <a:pPr lvl="0" algn="ctr" defTabSz="1422400">
             <a:lnSpc>
               <a:spcPct val="90000"/>
             </a:lnSpc>
@@ -4059,7 +4230,6 @@
             <a:spcAft>
               <a:spcPct val="35000"/>
             </a:spcAft>
-            <a:buNone/>
           </a:pPr>
           <a:r>
             <a:rPr lang="en-US" sz="3200" kern="1200"/>
@@ -4188,7 +4358,7 @@
         </a:bodyPr>
         <a:lstStyle/>
         <a:p>
-          <a:pPr marL="0" lvl="0" indent="0" algn="l" defTabSz="1066800">
+          <a:pPr lvl="0" algn="l" defTabSz="1066800">
             <a:lnSpc>
               <a:spcPct val="90000"/>
             </a:lnSpc>
@@ -4198,7 +4368,6 @@
             <a:spcAft>
               <a:spcPct val="35000"/>
             </a:spcAft>
-            <a:buNone/>
           </a:pPr>
           <a:r>
             <a:rPr lang="ko-KR" sz="2400" b="1" kern="1200" dirty="0"/>
@@ -4316,7 +4485,7 @@
         </a:bodyPr>
         <a:lstStyle/>
         <a:p>
-          <a:pPr marL="0" lvl="0" indent="0" algn="l" defTabSz="1066800">
+          <a:pPr lvl="0" algn="l" defTabSz="1066800">
             <a:lnSpc>
               <a:spcPct val="90000"/>
             </a:lnSpc>
@@ -4326,7 +4495,6 @@
             <a:spcAft>
               <a:spcPct val="35000"/>
             </a:spcAft>
-            <a:buNone/>
           </a:pPr>
           <a:r>
             <a:rPr lang="ko-KR" sz="2400" b="1" kern="1200" dirty="0"/>
@@ -4444,7 +4612,7 @@
         </a:bodyPr>
         <a:lstStyle/>
         <a:p>
-          <a:pPr marL="0" lvl="0" indent="0" algn="l" defTabSz="1066800">
+          <a:pPr lvl="0" algn="l" defTabSz="1066800">
             <a:lnSpc>
               <a:spcPct val="90000"/>
             </a:lnSpc>
@@ -4454,7 +4622,6 @@
             <a:spcAft>
               <a:spcPct val="35000"/>
             </a:spcAft>
-            <a:buNone/>
           </a:pPr>
           <a:r>
             <a:rPr lang="ko-KR" sz="2400" b="1" kern="1200" dirty="0"/>
@@ -4572,7 +4739,7 @@
         </a:bodyPr>
         <a:lstStyle/>
         <a:p>
-          <a:pPr marL="0" lvl="0" indent="0" algn="l" defTabSz="1066800">
+          <a:pPr lvl="0" algn="l" defTabSz="1066800">
             <a:lnSpc>
               <a:spcPct val="90000"/>
             </a:lnSpc>
@@ -4582,7 +4749,6 @@
             <a:spcAft>
               <a:spcPct val="35000"/>
             </a:spcAft>
-            <a:buNone/>
           </a:pPr>
           <a:r>
             <a:rPr lang="ko-KR" sz="2400" b="1" kern="1200" dirty="0"/>
@@ -4664,7 +4830,7 @@
         </a:bodyPr>
         <a:lstStyle/>
         <a:p>
-          <a:pPr marL="0" lvl="0" indent="0" algn="ctr" defTabSz="622300">
+          <a:pPr lvl="0" algn="ctr" defTabSz="622300">
             <a:lnSpc>
               <a:spcPct val="90000"/>
             </a:lnSpc>
@@ -4674,7 +4840,6 @@
             <a:spcAft>
               <a:spcPct val="35000"/>
             </a:spcAft>
-            <a:buNone/>
           </a:pPr>
           <a:r>
             <a:rPr lang="ko-KR" sz="1400" kern="1200" dirty="0"/>
@@ -4760,7 +4925,7 @@
         </a:bodyPr>
         <a:lstStyle/>
         <a:p>
-          <a:pPr marL="0" lvl="0" indent="0" algn="ctr" defTabSz="622300">
+          <a:pPr lvl="0" algn="ctr" defTabSz="622300">
             <a:lnSpc>
               <a:spcPct val="90000"/>
             </a:lnSpc>
@@ -4770,7 +4935,6 @@
             <a:spcAft>
               <a:spcPct val="35000"/>
             </a:spcAft>
-            <a:buNone/>
           </a:pPr>
           <a:r>
             <a:rPr lang="en-US" sz="1400" kern="1200" dirty="0"/>
@@ -4868,7 +5032,7 @@
         </a:bodyPr>
         <a:lstStyle/>
         <a:p>
-          <a:pPr marL="0" lvl="0" indent="0" algn="ctr" defTabSz="622300">
+          <a:pPr lvl="0" algn="ctr" defTabSz="622300">
             <a:lnSpc>
               <a:spcPct val="90000"/>
             </a:lnSpc>
@@ -4878,7 +5042,6 @@
             <a:spcAft>
               <a:spcPct val="35000"/>
             </a:spcAft>
-            <a:buNone/>
           </a:pPr>
           <a:r>
             <a:rPr lang="ko-KR" sz="1400" kern="1200"/>
@@ -4948,7 +5111,7 @@
         </a:bodyPr>
         <a:lstStyle/>
         <a:p>
-          <a:pPr marL="0" lvl="0" indent="0" algn="ctr" defTabSz="622300">
+          <a:pPr lvl="0" algn="ctr" defTabSz="622300">
             <a:lnSpc>
               <a:spcPct val="90000"/>
             </a:lnSpc>
@@ -4958,7 +5121,6 @@
             <a:spcAft>
               <a:spcPct val="35000"/>
             </a:spcAft>
-            <a:buNone/>
           </a:pPr>
           <a:r>
             <a:rPr lang="en-US" sz="1400" kern="1200"/>
@@ -5032,7 +5194,7 @@
         </a:bodyPr>
         <a:lstStyle/>
         <a:p>
-          <a:pPr marL="0" lvl="0" indent="0" algn="ctr" defTabSz="622300">
+          <a:pPr lvl="0" algn="ctr" defTabSz="622300">
             <a:lnSpc>
               <a:spcPct val="90000"/>
             </a:lnSpc>
@@ -5042,7 +5204,6 @@
             <a:spcAft>
               <a:spcPct val="35000"/>
             </a:spcAft>
-            <a:buNone/>
           </a:pPr>
           <a:r>
             <a:rPr lang="ko-KR" sz="1400" kern="1200"/>
@@ -8857,7 +9018,7 @@
           <a:p>
             <a:fld id="{F683DB2D-529F-409D-A907-CD8ABA8978D5}" type="datetimeFigureOut">
               <a:rPr lang="ko-KR" altLang="en-US" smtClean="0"/>
-              <a:t>2019-03-23</a:t>
+              <a:t>2019-03-25</a:t>
             </a:fld>
             <a:endParaRPr lang="ko-KR" altLang="en-US"/>
           </a:p>
@@ -9271,7 +9432,7 @@
           <a:p>
             <a:fld id="{9354ACCB-19CD-4E0C-B13F-224D0CFDD2F0}" type="datetime1">
               <a:rPr lang="ko-KR" altLang="en-US" smtClean="0"/>
-              <a:t>2019-03-23</a:t>
+              <a:t>2019-03-25</a:t>
             </a:fld>
             <a:endParaRPr lang="ko-KR" altLang="en-US"/>
           </a:p>
@@ -9481,7 +9642,7 @@
           <a:p>
             <a:fld id="{4FAEBFAA-9591-4E85-B3A4-2C29A1A90972}" type="datetime1">
               <a:rPr lang="ko-KR" altLang="en-US" smtClean="0"/>
-              <a:t>2019-03-23</a:t>
+              <a:t>2019-03-25</a:t>
             </a:fld>
             <a:endParaRPr lang="ko-KR" altLang="en-US"/>
           </a:p>
@@ -9701,7 +9862,7 @@
           <a:p>
             <a:fld id="{79C822B0-3F10-4E7B-A9DD-FA2AB3A3BE8E}" type="datetime1">
               <a:rPr lang="ko-KR" altLang="en-US" smtClean="0"/>
-              <a:t>2019-03-23</a:t>
+              <a:t>2019-03-25</a:t>
             </a:fld>
             <a:endParaRPr lang="ko-KR" altLang="en-US"/>
           </a:p>
@@ -9911,7 +10072,7 @@
           <a:p>
             <a:fld id="{8D67230E-3278-4540-B35D-B83F247555A9}" type="datetime1">
               <a:rPr lang="ko-KR" altLang="en-US" smtClean="0"/>
-              <a:t>2019-03-23</a:t>
+              <a:t>2019-03-25</a:t>
             </a:fld>
             <a:endParaRPr lang="ko-KR" altLang="en-US"/>
           </a:p>
@@ -10198,7 +10359,7 @@
           <a:p>
             <a:fld id="{DCE311CA-4C8B-4E49-8FF4-4BAA992A58AA}" type="datetime1">
               <a:rPr lang="ko-KR" altLang="en-US" smtClean="0"/>
-              <a:t>2019-03-23</a:t>
+              <a:t>2019-03-25</a:t>
             </a:fld>
             <a:endParaRPr lang="ko-KR" altLang="en-US"/>
           </a:p>
@@ -10475,7 +10636,7 @@
           <a:p>
             <a:fld id="{E3B1E17F-2EF5-4BBA-99D4-1DFC3AD7C7A3}" type="datetime1">
               <a:rPr lang="ko-KR" altLang="en-US" smtClean="0"/>
-              <a:t>2019-03-23</a:t>
+              <a:t>2019-03-25</a:t>
             </a:fld>
             <a:endParaRPr lang="ko-KR" altLang="en-US"/>
           </a:p>
@@ -10899,7 +11060,7 @@
           <a:p>
             <a:fld id="{F1218AA8-ACDA-41BF-A08E-CF3FDD7AACF4}" type="datetime1">
               <a:rPr lang="ko-KR" altLang="en-US" smtClean="0"/>
-              <a:t>2019-03-23</a:t>
+              <a:t>2019-03-25</a:t>
             </a:fld>
             <a:endParaRPr lang="ko-KR" altLang="en-US"/>
           </a:p>
@@ -11052,7 +11213,7 @@
           <a:p>
             <a:fld id="{B30685B6-1658-4444-8ED6-BAA8292AC35D}" type="datetime1">
               <a:rPr lang="ko-KR" altLang="en-US" smtClean="0"/>
-              <a:t>2019-03-23</a:t>
+              <a:t>2019-03-25</a:t>
             </a:fld>
             <a:endParaRPr lang="ko-KR" altLang="en-US"/>
           </a:p>
@@ -11177,7 +11338,7 @@
           <a:p>
             <a:fld id="{7E5E2344-DFDD-4A1E-A93F-38C22E0CD0F8}" type="datetime1">
               <a:rPr lang="ko-KR" altLang="en-US" smtClean="0"/>
-              <a:t>2019-03-23</a:t>
+              <a:t>2019-03-25</a:t>
             </a:fld>
             <a:endParaRPr lang="ko-KR" altLang="en-US"/>
           </a:p>
@@ -11500,7 +11661,7 @@
           <a:p>
             <a:fld id="{57A99550-E1AF-4BE9-8F2E-AF08BA774043}" type="datetime1">
               <a:rPr lang="ko-KR" altLang="en-US" smtClean="0"/>
-              <a:t>2019-03-23</a:t>
+              <a:t>2019-03-25</a:t>
             </a:fld>
             <a:endParaRPr lang="ko-KR" altLang="en-US"/>
           </a:p>
@@ -11800,7 +11961,7 @@
           <a:p>
             <a:fld id="{F69D0EBF-C32C-4496-9510-DE15F631A736}" type="datetime1">
               <a:rPr lang="ko-KR" altLang="en-US" smtClean="0"/>
-              <a:t>2019-03-23</a:t>
+              <a:t>2019-03-25</a:t>
             </a:fld>
             <a:endParaRPr lang="ko-KR" altLang="en-US"/>
           </a:p>
@@ -12053,7 +12214,7 @@
           <a:p>
             <a:fld id="{6CCC5169-5AF7-43F4-B17C-CDCE201A5D04}" type="datetime1">
               <a:rPr lang="ko-KR" altLang="en-US" smtClean="0"/>
-              <a:t>2019-03-23</a:t>
+              <a:t>2019-03-25</a:t>
             </a:fld>
             <a:endParaRPr lang="ko-KR" altLang="en-US"/>
           </a:p>
@@ -12501,7 +12662,7 @@
         </p:nvSpPr>
         <p:spPr>
           <a:xfrm>
-            <a:off x="1524000" y="665163"/>
+            <a:off x="1623164" y="831132"/>
             <a:ext cx="9144000" cy="2387600"/>
           </a:xfrm>
         </p:spPr>
@@ -12596,7 +12757,7 @@
           <a:p>
             <a:fld id="{91962739-0023-4221-B57F-9E36DE2563FE}" type="datetime1">
               <a:rPr lang="ko-KR" altLang="en-US" smtClean="0"/>
-              <a:t>2019-03-23</a:t>
+              <a:t>2019-03-25</a:t>
             </a:fld>
             <a:endParaRPr lang="ko-KR" altLang="en-US"/>
           </a:p>
@@ -12657,8 +12818,8 @@
         </p:nvSpPr>
         <p:spPr>
           <a:xfrm>
-            <a:off x="8984202" y="4602024"/>
-            <a:ext cx="1997476" cy="1754326"/>
+            <a:off x="8354860" y="4509370"/>
+            <a:ext cx="3407080" cy="1754326"/>
           </a:xfrm>
           <a:prstGeom prst="rect">
             <a:avLst/>
@@ -12672,67 +12833,165 @@
           <a:lstStyle/>
           <a:p>
             <a:r>
-              <a:rPr lang="ko-KR" altLang="en-US" dirty="0" err="1"/>
+              <a:rPr lang="ko-KR" altLang="en-US" dirty="0" err="1" smtClean="0"/>
               <a:t>팀명</a:t>
-            </a:r>
-            <a:r>
-              <a:rPr lang="en-US" altLang="ko-KR" dirty="0"/>
-              <a:t>(1</a:t>
-            </a:r>
-            <a:r>
-              <a:rPr lang="ko-KR" altLang="en-US" dirty="0"/>
-              <a:t>조</a:t>
-            </a:r>
-            <a:r>
-              <a:rPr lang="en-US" altLang="ko-KR" dirty="0"/>
-              <a:t>)</a:t>
-            </a:r>
-          </a:p>
-          <a:p>
-            <a:r>
-              <a:rPr lang="ko-KR" altLang="en-US" dirty="0"/>
-              <a:t>담당교수</a:t>
             </a:r>
             <a:r>
               <a:rPr lang="en-US" altLang="ko-KR" dirty="0"/>
               <a:t>:</a:t>
             </a:r>
             <a:r>
-              <a:rPr lang="ko-KR" altLang="en-US" dirty="0"/>
-              <a:t>정현숙 </a:t>
+              <a:rPr lang="ko-KR" altLang="en-US" dirty="0" err="1" smtClean="0"/>
+              <a:t>패피</a:t>
+            </a:r>
+            <a:r>
+              <a:rPr lang="en-US" altLang="ko-KR" dirty="0" smtClean="0"/>
+              <a:t>(Fashion people)</a:t>
             </a:r>
             <a:endParaRPr lang="en-US" altLang="ko-KR" dirty="0"/>
           </a:p>
           <a:p>
             <a:r>
               <a:rPr lang="ko-KR" altLang="en-US" dirty="0"/>
-              <a:t>천승현</a:t>
+              <a:t>담당교수</a:t>
+            </a:r>
+            <a:r>
+              <a:rPr lang="en-US" altLang="ko-KR" dirty="0"/>
+              <a:t>:</a:t>
+            </a:r>
+            <a:r>
+              <a:rPr lang="ko-KR" altLang="en-US" dirty="0"/>
+              <a:t>정현숙 </a:t>
             </a:r>
             <a:endParaRPr lang="en-US" altLang="ko-KR" dirty="0"/>
           </a:p>
           <a:p>
             <a:r>
-              <a:rPr lang="ko-KR" altLang="en-US" dirty="0" err="1"/>
-              <a:t>이유겸</a:t>
+              <a:rPr lang="ko-KR" altLang="en-US" dirty="0" smtClean="0"/>
+              <a:t>천승</a:t>
+            </a:r>
+            <a:r>
+              <a:rPr lang="ko-KR" altLang="en-US" dirty="0"/>
+              <a:t>현</a:t>
+            </a:r>
+            <a:r>
+              <a:rPr lang="en-US" altLang="ko-KR" dirty="0" smtClean="0"/>
+              <a:t>(</a:t>
+            </a:r>
+            <a:r>
+              <a:rPr lang="en-US" altLang="ko-KR" dirty="0" err="1" smtClean="0"/>
+              <a:t>CheonSeounghyun</a:t>
+            </a:r>
+            <a:r>
+              <a:rPr lang="en-US" altLang="ko-KR" dirty="0" smtClean="0"/>
+              <a:t>)</a:t>
+            </a:r>
+            <a:r>
+              <a:rPr lang="ko-KR" altLang="en-US" dirty="0" smtClean="0"/>
+              <a:t>★</a:t>
             </a:r>
             <a:endParaRPr lang="en-US" altLang="ko-KR" dirty="0"/>
           </a:p>
           <a:p>
             <a:r>
-              <a:rPr lang="ko-KR" altLang="en-US" dirty="0" err="1"/>
-              <a:t>최예솜</a:t>
+              <a:rPr lang="ko-KR" altLang="en-US" dirty="0" err="1" smtClean="0"/>
+              <a:t>이유겸</a:t>
+            </a:r>
+            <a:r>
+              <a:rPr lang="en-US" altLang="ko-KR" dirty="0" smtClean="0"/>
+              <a:t>(</a:t>
+            </a:r>
+            <a:r>
+              <a:rPr lang="en-US" altLang="ko-KR" dirty="0" err="1" smtClean="0"/>
+              <a:t>LeeYooKyum</a:t>
+            </a:r>
+            <a:r>
+              <a:rPr lang="en-US" altLang="ko-KR" dirty="0" smtClean="0"/>
+              <a:t>)</a:t>
             </a:r>
             <a:endParaRPr lang="en-US" altLang="ko-KR" dirty="0"/>
           </a:p>
           <a:p>
             <a:r>
-              <a:rPr lang="ko-KR" altLang="en-US" dirty="0" err="1"/>
-              <a:t>박다혜</a:t>
+              <a:rPr lang="ko-KR" altLang="en-US" dirty="0" err="1" smtClean="0"/>
+              <a:t>최예솜</a:t>
+            </a:r>
+            <a:r>
+              <a:rPr lang="en-US" altLang="ko-KR" dirty="0" smtClean="0"/>
+              <a:t>(</a:t>
+            </a:r>
+            <a:r>
+              <a:rPr lang="en-US" altLang="ko-KR" dirty="0" err="1" smtClean="0"/>
+              <a:t>choiyesom</a:t>
+            </a:r>
+            <a:r>
+              <a:rPr lang="en-US" altLang="ko-KR" dirty="0" smtClean="0"/>
+              <a:t>)</a:t>
+            </a:r>
+            <a:endParaRPr lang="en-US" altLang="ko-KR" dirty="0"/>
+          </a:p>
+          <a:p>
+            <a:r>
+              <a:rPr lang="ko-KR" altLang="en-US" dirty="0" smtClean="0"/>
+              <a:t>박지혜</a:t>
+            </a:r>
+            <a:r>
+              <a:rPr lang="en-US" altLang="ko-KR" dirty="0" smtClean="0"/>
+              <a:t>(</a:t>
+            </a:r>
+            <a:r>
+              <a:rPr lang="en-US" altLang="ko-KR" dirty="0" err="1" smtClean="0"/>
+              <a:t>jyehh</a:t>
+            </a:r>
+            <a:r>
+              <a:rPr lang="en-US" altLang="ko-KR" dirty="0" smtClean="0"/>
+              <a:t>)</a:t>
             </a:r>
             <a:endParaRPr lang="en-US" altLang="ko-KR" dirty="0"/>
           </a:p>
         </p:txBody>
       </p:sp>
+      <p:pic>
+        <p:nvPicPr>
+          <p:cNvPr id="1026" name="Picture 2" descr="Clothes icons,  1,600 free files in PNG, EPS, SVG format"/>
+          <p:cNvPicPr>
+            <a:picLocks noChangeAspect="1" noChangeArrowheads="1"/>
+          </p:cNvPicPr>
+          <p:nvPr/>
+        </p:nvPicPr>
+        <p:blipFill>
+          <a:blip r:embed="rId2">
+            <a:extLst>
+              <a:ext uri="{28A0092B-C50C-407E-A947-70E740481C1C}">
+                <a14:useLocalDpi xmlns:a14="http://schemas.microsoft.com/office/drawing/2010/main" val="0"/>
+              </a:ext>
+            </a:extLst>
+          </a:blip>
+          <a:srcRect/>
+          <a:stretch>
+            <a:fillRect/>
+          </a:stretch>
+        </p:blipFill>
+        <p:spPr bwMode="auto">
+          <a:xfrm>
+            <a:off x="68893" y="1159918"/>
+            <a:ext cx="2388296" cy="2388296"/>
+          </a:xfrm>
+          <a:prstGeom prst="rect">
+            <a:avLst/>
+          </a:prstGeom>
+          <a:noFill/>
+          <a:extLst>
+            <a:ext uri="{909E8E84-426E-40DD-AFC4-6F175D3DCCD1}">
+              <a14:hiddenFill xmlns:a14="http://schemas.microsoft.com/office/drawing/2010/main">
+                <a:solidFill>
+                  <a:srgbClr val="FFFFFF"/>
+                </a:solidFill>
+              </a14:hiddenFill>
+            </a:ext>
+          </a:extLst>
+        </p:spPr>
+      </p:pic>
     </p:spTree>
     <p:extLst>
       <p:ext uri="{BB962C8B-B14F-4D97-AF65-F5344CB8AC3E}">
@@ -12996,7 +13255,7 @@
           <a:p>
             <a:fld id="{D7369944-8AD9-4C8A-B48C-6E54C10E3634}" type="datetime1">
               <a:rPr lang="ko-KR" altLang="en-US" smtClean="0"/>
-              <a:t>2019-03-23</a:t>
+              <a:t>2019-03-25</a:t>
             </a:fld>
             <a:endParaRPr lang="ko-KR" altLang="en-US"/>
           </a:p>
@@ -15951,7 +16210,7 @@
           <a:p>
             <a:fld id="{8D67230E-3278-4540-B35D-B83F247555A9}" type="datetime1">
               <a:rPr lang="ko-KR" altLang="en-US" smtClean="0"/>
-              <a:t>2019-03-23</a:t>
+              <a:t>2019-03-25</a:t>
             </a:fld>
             <a:endParaRPr lang="ko-KR" altLang="en-US"/>
           </a:p>
@@ -16119,7 +16378,7 @@
           <a:p>
             <a:fld id="{8D67230E-3278-4540-B35D-B83F247555A9}" type="datetime1">
               <a:rPr lang="ko-KR" altLang="en-US" smtClean="0"/>
-              <a:t>2019-03-23</a:t>
+              <a:t>2019-03-25</a:t>
             </a:fld>
             <a:endParaRPr lang="ko-KR" altLang="en-US"/>
           </a:p>
@@ -16282,7 +16541,7 @@
           <a:p>
             <a:fld id="{D4AC3029-B7CD-4421-8258-301B451A2A5B}" type="datetime1">
               <a:rPr lang="ko-KR" altLang="en-US" smtClean="0"/>
-              <a:t>2019-03-23</a:t>
+              <a:t>2019-03-25</a:t>
             </a:fld>
             <a:endParaRPr lang="ko-KR" altLang="en-US"/>
           </a:p>
@@ -16456,7 +16715,7 @@
                   <a:spcPts val="600"/>
                 </a:spcAft>
               </a:pPr>
-              <a:t>2019-03-23</a:t>
+              <a:t>2019-03-25</a:t>
             </a:fld>
             <a:endParaRPr lang="ko-KR" altLang="en-US">
               <a:solidFill>
@@ -16632,69 +16891,6 @@
       </p:sp>
       <p:sp>
         <p:nvSpPr>
-          <p:cNvPr id="3" name="내용 개체 틀 2">
-            <a:extLst>
-              <a:ext uri="{FF2B5EF4-FFF2-40B4-BE49-F238E27FC236}">
-                <a16:creationId xmlns:a16="http://schemas.microsoft.com/office/drawing/2014/main" id="{746EA671-4DF3-4B14-976F-265A5084B66B}"/>
-              </a:ext>
-            </a:extLst>
-          </p:cNvPr>
-          <p:cNvSpPr>
-            <a:spLocks noGrp="1"/>
-          </p:cNvSpPr>
-          <p:nvPr>
-            <p:ph idx="1"/>
-          </p:nvPr>
-        </p:nvSpPr>
-        <p:spPr/>
-        <p:txBody>
-          <a:bodyPr/>
-          <a:lstStyle/>
-          <a:p>
-            <a:r>
-              <a:rPr lang="ko-KR" altLang="en-US" dirty="0"/>
-              <a:t>천승현</a:t>
-            </a:r>
-            <a:r>
-              <a:rPr lang="en-US" altLang="ko-KR" dirty="0"/>
-              <a:t>: </a:t>
-            </a:r>
-          </a:p>
-          <a:p>
-            <a:r>
-              <a:rPr lang="ko-KR" altLang="en-US" dirty="0" err="1"/>
-              <a:t>이유겸</a:t>
-            </a:r>
-            <a:r>
-              <a:rPr lang="en-US" altLang="ko-KR" dirty="0"/>
-              <a:t>:</a:t>
-            </a:r>
-          </a:p>
-          <a:p>
-            <a:r>
-              <a:rPr lang="ko-KR" altLang="en-US" dirty="0" err="1"/>
-              <a:t>최예솜</a:t>
-            </a:r>
-            <a:r>
-              <a:rPr lang="en-US" altLang="ko-KR" dirty="0"/>
-              <a:t>:</a:t>
-            </a:r>
-          </a:p>
-          <a:p>
-            <a:r>
-              <a:rPr lang="ko-KR" altLang="en-US" dirty="0"/>
-              <a:t>박지혜</a:t>
-            </a:r>
-            <a:r>
-              <a:rPr lang="en-US" altLang="ko-KR" dirty="0"/>
-              <a:t>:</a:t>
-            </a:r>
-            <a:endParaRPr lang="ko-KR" altLang="en-US" dirty="0"/>
-          </a:p>
-        </p:txBody>
-      </p:sp>
-      <p:sp>
-        <p:nvSpPr>
           <p:cNvPr id="4" name="날짜 개체 틀 3">
             <a:extLst>
               <a:ext uri="{FF2B5EF4-FFF2-40B4-BE49-F238E27FC236}">
@@ -16716,7 +16912,7 @@
           <a:p>
             <a:fld id="{0724228C-0CB7-4966-9A14-3170C1687339}" type="datetime1">
               <a:rPr lang="ko-KR" altLang="en-US" smtClean="0"/>
-              <a:t>2019-03-23</a:t>
+              <a:t>2019-03-25</a:t>
             </a:fld>
             <a:endParaRPr lang="ko-KR" altLang="en-US"/>
           </a:p>
@@ -16756,6 +16952,244 @@
               <a:t>Capston Design </a:t>
             </a:r>
             <a:endParaRPr lang="ko-KR" altLang="en-US"/>
+          </a:p>
+        </p:txBody>
+      </p:sp>
+      <p:pic>
+        <p:nvPicPr>
+          <p:cNvPr id="6" name="그림 5"/>
+          <p:cNvPicPr>
+            <a:picLocks noChangeAspect="1"/>
+          </p:cNvPicPr>
+          <p:nvPr/>
+        </p:nvPicPr>
+        <p:blipFill rotWithShape="1">
+          <a:blip r:embed="rId2"/>
+          <a:srcRect l="11848" t="-809" r="188" b="1425"/>
+          <a:stretch/>
+        </p:blipFill>
+        <p:spPr>
+          <a:xfrm>
+            <a:off x="2382128" y="1946863"/>
+            <a:ext cx="5885050" cy="3075226"/>
+          </a:xfrm>
+          <a:prstGeom prst="rect">
+            <a:avLst/>
+          </a:prstGeom>
+        </p:spPr>
+      </p:pic>
+      <p:sp>
+        <p:nvSpPr>
+          <p:cNvPr id="10" name="TextBox 9"/>
+          <p:cNvSpPr txBox="1"/>
+          <p:nvPr/>
+        </p:nvSpPr>
+        <p:spPr>
+          <a:xfrm>
+            <a:off x="8522918" y="2161604"/>
+            <a:ext cx="2830882" cy="923330"/>
+          </a:xfrm>
+          <a:prstGeom prst="rect">
+            <a:avLst/>
+          </a:prstGeom>
+          <a:noFill/>
+        </p:spPr>
+        <p:txBody>
+          <a:bodyPr wrap="square" rtlCol="0">
+            <a:spAutoFit/>
+          </a:bodyPr>
+          <a:lstStyle/>
+          <a:p>
+            <a:r>
+              <a:rPr lang="ko-KR" altLang="en-US" dirty="0"/>
+              <a:t>천승현</a:t>
+            </a:r>
+            <a:r>
+              <a:rPr lang="en-US" altLang="ko-KR" dirty="0"/>
+              <a:t>(</a:t>
+            </a:r>
+            <a:r>
+              <a:rPr lang="en-US" altLang="ko-KR" dirty="0" err="1"/>
+              <a:t>CheonSeounghyun</a:t>
+            </a:r>
+            <a:r>
+              <a:rPr lang="en-US" altLang="ko-KR" dirty="0"/>
+              <a:t>) </a:t>
+            </a:r>
+            <a:endParaRPr lang="en-US" altLang="ko-KR" dirty="0" smtClean="0"/>
+          </a:p>
+          <a:p>
+            <a:r>
+              <a:rPr lang="ko-KR" altLang="en-US" dirty="0" smtClean="0"/>
+              <a:t>알고리즘 구현</a:t>
+            </a:r>
+            <a:endParaRPr lang="en-US" altLang="ko-KR" dirty="0" smtClean="0"/>
+          </a:p>
+        </p:txBody>
+      </p:sp>
+      <p:sp>
+        <p:nvSpPr>
+          <p:cNvPr id="12" name="TextBox 11"/>
+          <p:cNvSpPr txBox="1"/>
+          <p:nvPr/>
+        </p:nvSpPr>
+        <p:spPr>
+          <a:xfrm>
+            <a:off x="3896686" y="947576"/>
+            <a:ext cx="2855934" cy="1200329"/>
+          </a:xfrm>
+          <a:prstGeom prst="rect">
+            <a:avLst/>
+          </a:prstGeom>
+          <a:noFill/>
+        </p:spPr>
+        <p:txBody>
+          <a:bodyPr wrap="square" rtlCol="0">
+            <a:spAutoFit/>
+          </a:bodyPr>
+          <a:lstStyle/>
+          <a:p>
+            <a:r>
+              <a:rPr lang="ko-KR" altLang="en-US" dirty="0" err="1" smtClean="0"/>
+              <a:t>이유겸</a:t>
+            </a:r>
+            <a:endParaRPr lang="en-US" altLang="ko-KR" dirty="0" smtClean="0"/>
+          </a:p>
+          <a:p>
+            <a:r>
+              <a:rPr lang="en-US" altLang="ko-KR" dirty="0" smtClean="0"/>
+              <a:t>(</a:t>
+            </a:r>
+            <a:r>
+              <a:rPr lang="en-US" altLang="ko-KR" dirty="0" err="1"/>
+              <a:t>LeeYooKyum</a:t>
+            </a:r>
+            <a:r>
+              <a:rPr lang="en-US" altLang="ko-KR" dirty="0" smtClean="0"/>
+              <a:t>)</a:t>
+            </a:r>
+          </a:p>
+          <a:p>
+            <a:r>
+              <a:rPr lang="ko-KR" altLang="en-US" dirty="0" smtClean="0"/>
+              <a:t>보고서 작성 및 검토</a:t>
+            </a:r>
+            <a:endParaRPr lang="en-US" altLang="ko-KR" dirty="0"/>
+          </a:p>
+          <a:p>
+            <a:endParaRPr lang="ko-KR" altLang="en-US" dirty="0"/>
+          </a:p>
+        </p:txBody>
+      </p:sp>
+      <p:sp>
+        <p:nvSpPr>
+          <p:cNvPr id="13" name="TextBox 12"/>
+          <p:cNvSpPr txBox="1"/>
+          <p:nvPr/>
+        </p:nvSpPr>
+        <p:spPr>
+          <a:xfrm>
+            <a:off x="638827" y="3081230"/>
+            <a:ext cx="2181712" cy="1200329"/>
+          </a:xfrm>
+          <a:prstGeom prst="rect">
+            <a:avLst/>
+          </a:prstGeom>
+          <a:noFill/>
+        </p:spPr>
+        <p:txBody>
+          <a:bodyPr wrap="square" rtlCol="0">
+            <a:spAutoFit/>
+          </a:bodyPr>
+          <a:lstStyle/>
+          <a:p>
+            <a:r>
+              <a:rPr lang="ko-KR" altLang="en-US" dirty="0" err="1" smtClean="0"/>
+              <a:t>최예솜</a:t>
+            </a:r>
+            <a:endParaRPr lang="en-US" altLang="ko-KR" dirty="0" smtClean="0"/>
+          </a:p>
+          <a:p>
+            <a:r>
+              <a:rPr lang="en-US" altLang="ko-KR" dirty="0" smtClean="0"/>
+              <a:t>(</a:t>
+            </a:r>
+            <a:r>
+              <a:rPr lang="en-US" altLang="ko-KR" dirty="0" err="1"/>
+              <a:t>choiyesom</a:t>
+            </a:r>
+            <a:r>
+              <a:rPr lang="en-US" altLang="ko-KR" dirty="0" smtClean="0"/>
+              <a:t>)</a:t>
+            </a:r>
+          </a:p>
+          <a:p>
+            <a:r>
+              <a:rPr lang="ko-KR" altLang="en-US" dirty="0" smtClean="0"/>
+              <a:t>웹 사이트 구축</a:t>
+            </a:r>
+            <a:endParaRPr lang="en-US" altLang="ko-KR" dirty="0"/>
+          </a:p>
+          <a:p>
+            <a:endParaRPr lang="ko-KR" altLang="en-US" dirty="0"/>
+          </a:p>
+        </p:txBody>
+      </p:sp>
+      <p:sp>
+        <p:nvSpPr>
+          <p:cNvPr id="14" name="TextBox 13"/>
+          <p:cNvSpPr txBox="1"/>
+          <p:nvPr/>
+        </p:nvSpPr>
+        <p:spPr>
+          <a:xfrm>
+            <a:off x="4389329" y="5156021"/>
+            <a:ext cx="2838189" cy="1200329"/>
+          </a:xfrm>
+          <a:prstGeom prst="rect">
+            <a:avLst/>
+          </a:prstGeom>
+          <a:noFill/>
+        </p:spPr>
+        <p:txBody>
+          <a:bodyPr wrap="square" rtlCol="0">
+            <a:spAutoFit/>
+          </a:bodyPr>
+          <a:lstStyle/>
+          <a:p>
+            <a:r>
+              <a:rPr lang="ko-KR" altLang="en-US" dirty="0" smtClean="0"/>
+              <a:t>박지혜</a:t>
+            </a:r>
+            <a:endParaRPr lang="en-US" altLang="ko-KR" dirty="0" smtClean="0"/>
+          </a:p>
+          <a:p>
+            <a:r>
+              <a:rPr lang="en-US" altLang="ko-KR" dirty="0" smtClean="0"/>
+              <a:t>(</a:t>
+            </a:r>
+            <a:r>
+              <a:rPr lang="en-US" altLang="ko-KR" dirty="0" err="1" smtClean="0"/>
+              <a:t>Parkjihye</a:t>
+            </a:r>
+            <a:r>
+              <a:rPr lang="en-US" altLang="ko-KR" dirty="0" smtClean="0"/>
+              <a:t>)</a:t>
+            </a:r>
+          </a:p>
+          <a:p>
+            <a:r>
+              <a:rPr lang="en-US" altLang="ko-KR" dirty="0" smtClean="0"/>
+              <a:t>DB </a:t>
+            </a:r>
+            <a:r>
+              <a:rPr lang="ko-KR" altLang="en-US" dirty="0" smtClean="0"/>
+              <a:t>구현</a:t>
+            </a:r>
+            <a:endParaRPr lang="en-US" altLang="ko-KR" dirty="0"/>
+          </a:p>
+          <a:p>
+            <a:endParaRPr lang="ko-KR" altLang="en-US" dirty="0"/>
           </a:p>
         </p:txBody>
       </p:sp>
@@ -16840,7 +17274,7 @@
                 <a16:creationId xmlns:a16="http://schemas.microsoft.com/office/drawing/2014/main" id="{F859BA1E-EA13-4234-801C-4CFA3F10AC9B}"/>
               </a:ext>
               <a:ext uri="{C183D7F6-B498-43B3-948B-1728B52AA6E4}">
-                <adec:decorative xmlns:adec="http://schemas.microsoft.com/office/drawing/2017/decorative" val="1"/>
+                <adec:decorative xmlns:adec="http://schemas.microsoft.com/office/drawing/2017/decorative" xmlns="" val="1"/>
               </a:ext>
             </a:extLst>
           </p:cNvPr>
@@ -17214,7 +17648,7 @@
                   <a:spcPts val="600"/>
                 </a:spcAft>
               </a:pPr>
-              <a:t>2019-03-23</a:t>
+              <a:t>2019-03-25</a:t>
             </a:fld>
             <a:endParaRPr lang="ko-KR" altLang="en-US"/>
           </a:p>
@@ -17357,13 +17791,13 @@
           </p:nvPr>
         </p:nvPicPr>
         <p:blipFill>
-          <a:blip r:embed="rId2">
+          <a:blip r:embed="rId2" cstate="hqprint">
             <a:extLst>
               <a:ext uri="{28A0092B-C50C-407E-A947-70E740481C1C}">
                 <a14:useLocalDpi xmlns:a14="http://schemas.microsoft.com/office/drawing/2010/main" val="0"/>
               </a:ext>
               <a:ext uri="{96DAC541-7B7A-43D3-8B79-37D633B846F1}">
-                <asvg:svgBlip xmlns:asvg="http://schemas.microsoft.com/office/drawing/2016/SVG/main" r:embed="rId3"/>
+                <asvg:svgBlip xmlns:asvg="http://schemas.microsoft.com/office/drawing/2016/SVG/main" xmlns="" r:embed="rId3"/>
               </a:ext>
             </a:extLst>
           </a:blip>
@@ -17401,7 +17835,7 @@
           <a:p>
             <a:fld id="{8D67230E-3278-4540-B35D-B83F247555A9}" type="datetime1">
               <a:rPr lang="ko-KR" altLang="en-US" smtClean="0"/>
-              <a:t>2019-03-23</a:t>
+              <a:t>2019-03-25</a:t>
             </a:fld>
             <a:endParaRPr lang="ko-KR" altLang="en-US"/>
           </a:p>
@@ -17459,13 +17893,13 @@
           <p:nvPr/>
         </p:nvPicPr>
         <p:blipFill>
-          <a:blip r:embed="rId4">
+          <a:blip r:embed="rId4" cstate="hqprint">
             <a:extLst>
               <a:ext uri="{28A0092B-C50C-407E-A947-70E740481C1C}">
                 <a14:useLocalDpi xmlns:a14="http://schemas.microsoft.com/office/drawing/2010/main" val="0"/>
               </a:ext>
               <a:ext uri="{96DAC541-7B7A-43D3-8B79-37D633B846F1}">
-                <asvg:svgBlip xmlns:asvg="http://schemas.microsoft.com/office/drawing/2016/SVG/main" r:embed="rId5"/>
+                <asvg:svgBlip xmlns:asvg="http://schemas.microsoft.com/office/drawing/2016/SVG/main" xmlns="" r:embed="rId5"/>
               </a:ext>
             </a:extLst>
           </a:blip>
@@ -17498,13 +17932,13 @@
           <p:nvPr/>
         </p:nvPicPr>
         <p:blipFill>
-          <a:blip r:embed="rId6">
+          <a:blip r:embed="rId6" cstate="hqprint">
             <a:extLst>
               <a:ext uri="{28A0092B-C50C-407E-A947-70E740481C1C}">
                 <a14:useLocalDpi xmlns:a14="http://schemas.microsoft.com/office/drawing/2010/main" val="0"/>
               </a:ext>
               <a:ext uri="{96DAC541-7B7A-43D3-8B79-37D633B846F1}">
-                <asvg:svgBlip xmlns:asvg="http://schemas.microsoft.com/office/drawing/2016/SVG/main" r:embed="rId7"/>
+                <asvg:svgBlip xmlns:asvg="http://schemas.microsoft.com/office/drawing/2016/SVG/main" xmlns="" r:embed="rId7"/>
               </a:ext>
             </a:extLst>
           </a:blip>
@@ -17537,13 +17971,13 @@
           <p:nvPr/>
         </p:nvPicPr>
         <p:blipFill>
-          <a:blip r:embed="rId8">
+          <a:blip r:embed="rId8" cstate="hqprint">
             <a:extLst>
               <a:ext uri="{28A0092B-C50C-407E-A947-70E740481C1C}">
                 <a14:useLocalDpi xmlns:a14="http://schemas.microsoft.com/office/drawing/2010/main" val="0"/>
               </a:ext>
               <a:ext uri="{96DAC541-7B7A-43D3-8B79-37D633B846F1}">
-                <asvg:svgBlip xmlns:asvg="http://schemas.microsoft.com/office/drawing/2016/SVG/main" r:embed="rId9"/>
+                <asvg:svgBlip xmlns:asvg="http://schemas.microsoft.com/office/drawing/2016/SVG/main" xmlns="" r:embed="rId9"/>
               </a:ext>
             </a:extLst>
           </a:blip>
@@ -17576,13 +18010,13 @@
           <p:nvPr/>
         </p:nvPicPr>
         <p:blipFill>
-          <a:blip r:embed="rId10">
+          <a:blip r:embed="rId10" cstate="hqprint">
             <a:extLst>
               <a:ext uri="{28A0092B-C50C-407E-A947-70E740481C1C}">
                 <a14:useLocalDpi xmlns:a14="http://schemas.microsoft.com/office/drawing/2010/main" val="0"/>
               </a:ext>
               <a:ext uri="{96DAC541-7B7A-43D3-8B79-37D633B846F1}">
-                <asvg:svgBlip xmlns:asvg="http://schemas.microsoft.com/office/drawing/2016/SVG/main" r:embed="rId11"/>
+                <asvg:svgBlip xmlns:asvg="http://schemas.microsoft.com/office/drawing/2016/SVG/main" xmlns="" r:embed="rId11"/>
               </a:ext>
             </a:extLst>
           </a:blip>
@@ -17615,13 +18049,13 @@
           <p:nvPr/>
         </p:nvPicPr>
         <p:blipFill>
-          <a:blip r:embed="rId2">
+          <a:blip r:embed="rId2" cstate="hqprint">
             <a:extLst>
               <a:ext uri="{28A0092B-C50C-407E-A947-70E740481C1C}">
                 <a14:useLocalDpi xmlns:a14="http://schemas.microsoft.com/office/drawing/2010/main" val="0"/>
               </a:ext>
               <a:ext uri="{96DAC541-7B7A-43D3-8B79-37D633B846F1}">
-                <asvg:svgBlip xmlns:asvg="http://schemas.microsoft.com/office/drawing/2016/SVG/main" r:embed="rId3"/>
+                <asvg:svgBlip xmlns:asvg="http://schemas.microsoft.com/office/drawing/2016/SVG/main" xmlns="" r:embed="rId3"/>
               </a:ext>
             </a:extLst>
           </a:blip>
@@ -17654,13 +18088,13 @@
           <p:nvPr/>
         </p:nvPicPr>
         <p:blipFill>
-          <a:blip r:embed="rId12">
+          <a:blip r:embed="rId12" cstate="hqprint">
             <a:extLst>
               <a:ext uri="{28A0092B-C50C-407E-A947-70E740481C1C}">
                 <a14:useLocalDpi xmlns:a14="http://schemas.microsoft.com/office/drawing/2010/main" val="0"/>
               </a:ext>
               <a:ext uri="{96DAC541-7B7A-43D3-8B79-37D633B846F1}">
-                <asvg:svgBlip xmlns:asvg="http://schemas.microsoft.com/office/drawing/2016/SVG/main" r:embed="rId13"/>
+                <asvg:svgBlip xmlns:asvg="http://schemas.microsoft.com/office/drawing/2016/SVG/main" xmlns="" r:embed="rId13"/>
               </a:ext>
             </a:extLst>
           </a:blip>
@@ -17693,13 +18127,13 @@
           <p:nvPr/>
         </p:nvPicPr>
         <p:blipFill>
-          <a:blip r:embed="rId14">
+          <a:blip r:embed="rId14" cstate="hqprint">
             <a:extLst>
               <a:ext uri="{28A0092B-C50C-407E-A947-70E740481C1C}">
                 <a14:useLocalDpi xmlns:a14="http://schemas.microsoft.com/office/drawing/2010/main" val="0"/>
               </a:ext>
               <a:ext uri="{96DAC541-7B7A-43D3-8B79-37D633B846F1}">
-                <asvg:svgBlip xmlns:asvg="http://schemas.microsoft.com/office/drawing/2016/SVG/main" r:embed="rId15"/>
+                <asvg:svgBlip xmlns:asvg="http://schemas.microsoft.com/office/drawing/2016/SVG/main" xmlns="" r:embed="rId15"/>
               </a:ext>
             </a:extLst>
           </a:blip>
@@ -17732,13 +18166,13 @@
           <p:nvPr/>
         </p:nvPicPr>
         <p:blipFill>
-          <a:blip r:embed="rId16">
+          <a:blip r:embed="rId16" cstate="hqprint">
             <a:extLst>
               <a:ext uri="{28A0092B-C50C-407E-A947-70E740481C1C}">
                 <a14:useLocalDpi xmlns:a14="http://schemas.microsoft.com/office/drawing/2010/main" val="0"/>
               </a:ext>
               <a:ext uri="{96DAC541-7B7A-43D3-8B79-37D633B846F1}">
-                <asvg:svgBlip xmlns:asvg="http://schemas.microsoft.com/office/drawing/2016/SVG/main" r:embed="rId17"/>
+                <asvg:svgBlip xmlns:asvg="http://schemas.microsoft.com/office/drawing/2016/SVG/main" xmlns="" r:embed="rId17"/>
               </a:ext>
             </a:extLst>
           </a:blip>
@@ -17771,13 +18205,13 @@
           <p:nvPr/>
         </p:nvPicPr>
         <p:blipFill>
-          <a:blip r:embed="rId18">
+          <a:blip r:embed="rId18" cstate="hqprint">
             <a:extLst>
               <a:ext uri="{28A0092B-C50C-407E-A947-70E740481C1C}">
                 <a14:useLocalDpi xmlns:a14="http://schemas.microsoft.com/office/drawing/2010/main" val="0"/>
               </a:ext>
               <a:ext uri="{96DAC541-7B7A-43D3-8B79-37D633B846F1}">
-                <asvg:svgBlip xmlns:asvg="http://schemas.microsoft.com/office/drawing/2016/SVG/main" r:embed="rId19"/>
+                <asvg:svgBlip xmlns:asvg="http://schemas.microsoft.com/office/drawing/2016/SVG/main" xmlns="" r:embed="rId19"/>
               </a:ext>
             </a:extLst>
           </a:blip>
@@ -17810,13 +18244,13 @@
           <p:nvPr/>
         </p:nvPicPr>
         <p:blipFill>
-          <a:blip r:embed="rId20">
+          <a:blip r:embed="rId20" cstate="hqprint">
             <a:extLst>
               <a:ext uri="{28A0092B-C50C-407E-A947-70E740481C1C}">
                 <a14:useLocalDpi xmlns:a14="http://schemas.microsoft.com/office/drawing/2010/main" val="0"/>
               </a:ext>
               <a:ext uri="{96DAC541-7B7A-43D3-8B79-37D633B846F1}">
-                <asvg:svgBlip xmlns:asvg="http://schemas.microsoft.com/office/drawing/2016/SVG/main" r:embed="rId21"/>
+                <asvg:svgBlip xmlns:asvg="http://schemas.microsoft.com/office/drawing/2016/SVG/main" xmlns="" r:embed="rId21"/>
               </a:ext>
             </a:extLst>
           </a:blip>
@@ -17849,13 +18283,13 @@
           <p:nvPr/>
         </p:nvPicPr>
         <p:blipFill>
-          <a:blip r:embed="rId4">
+          <a:blip r:embed="rId4" cstate="hqprint">
             <a:extLst>
               <a:ext uri="{28A0092B-C50C-407E-A947-70E740481C1C}">
                 <a14:useLocalDpi xmlns:a14="http://schemas.microsoft.com/office/drawing/2010/main" val="0"/>
               </a:ext>
               <a:ext uri="{96DAC541-7B7A-43D3-8B79-37D633B846F1}">
-                <asvg:svgBlip xmlns:asvg="http://schemas.microsoft.com/office/drawing/2016/SVG/main" r:embed="rId5"/>
+                <asvg:svgBlip xmlns:asvg="http://schemas.microsoft.com/office/drawing/2016/SVG/main" xmlns="" r:embed="rId5"/>
               </a:ext>
             </a:extLst>
           </a:blip>
@@ -17888,13 +18322,13 @@
           <p:nvPr/>
         </p:nvPicPr>
         <p:blipFill>
-          <a:blip r:embed="rId22">
+          <a:blip r:embed="rId22" cstate="hqprint">
             <a:extLst>
               <a:ext uri="{28A0092B-C50C-407E-A947-70E740481C1C}">
                 <a14:useLocalDpi xmlns:a14="http://schemas.microsoft.com/office/drawing/2010/main" val="0"/>
               </a:ext>
               <a:ext uri="{96DAC541-7B7A-43D3-8B79-37D633B846F1}">
-                <asvg:svgBlip xmlns:asvg="http://schemas.microsoft.com/office/drawing/2016/SVG/main" r:embed="rId23"/>
+                <asvg:svgBlip xmlns:asvg="http://schemas.microsoft.com/office/drawing/2016/SVG/main" xmlns="" r:embed="rId23"/>
               </a:ext>
             </a:extLst>
           </a:blip>
@@ -17927,13 +18361,13 @@
           <p:nvPr/>
         </p:nvPicPr>
         <p:blipFill>
-          <a:blip r:embed="rId24">
+          <a:blip r:embed="rId24" cstate="hqprint">
             <a:extLst>
               <a:ext uri="{28A0092B-C50C-407E-A947-70E740481C1C}">
                 <a14:useLocalDpi xmlns:a14="http://schemas.microsoft.com/office/drawing/2010/main" val="0"/>
               </a:ext>
               <a:ext uri="{96DAC541-7B7A-43D3-8B79-37D633B846F1}">
-                <asvg:svgBlip xmlns:asvg="http://schemas.microsoft.com/office/drawing/2016/SVG/main" r:embed="rId25"/>
+                <asvg:svgBlip xmlns:asvg="http://schemas.microsoft.com/office/drawing/2016/SVG/main" xmlns="" r:embed="rId25"/>
               </a:ext>
             </a:extLst>
           </a:blip>
@@ -17966,13 +18400,13 @@
           <p:nvPr/>
         </p:nvPicPr>
         <p:blipFill>
-          <a:blip r:embed="rId26">
+          <a:blip r:embed="rId26" cstate="hqprint">
             <a:extLst>
               <a:ext uri="{28A0092B-C50C-407E-A947-70E740481C1C}">
                 <a14:useLocalDpi xmlns:a14="http://schemas.microsoft.com/office/drawing/2010/main" val="0"/>
               </a:ext>
               <a:ext uri="{96DAC541-7B7A-43D3-8B79-37D633B846F1}">
-                <asvg:svgBlip xmlns:asvg="http://schemas.microsoft.com/office/drawing/2016/SVG/main" r:embed="rId27"/>
+                <asvg:svgBlip xmlns:asvg="http://schemas.microsoft.com/office/drawing/2016/SVG/main" xmlns="" r:embed="rId27"/>
               </a:ext>
             </a:extLst>
           </a:blip>
@@ -18005,13 +18439,13 @@
           <p:nvPr/>
         </p:nvPicPr>
         <p:blipFill>
-          <a:blip r:embed="rId22">
+          <a:blip r:embed="rId28" cstate="hqprint">
             <a:extLst>
               <a:ext uri="{28A0092B-C50C-407E-A947-70E740481C1C}">
                 <a14:useLocalDpi xmlns:a14="http://schemas.microsoft.com/office/drawing/2010/main" val="0"/>
               </a:ext>
               <a:ext uri="{96DAC541-7B7A-43D3-8B79-37D633B846F1}">
-                <asvg:svgBlip xmlns:asvg="http://schemas.microsoft.com/office/drawing/2016/SVG/main" r:embed="rId23"/>
+                <asvg:svgBlip xmlns:asvg="http://schemas.microsoft.com/office/drawing/2016/SVG/main" xmlns="" r:embed="rId23"/>
               </a:ext>
             </a:extLst>
           </a:blip>
@@ -18044,13 +18478,13 @@
           <p:nvPr/>
         </p:nvPicPr>
         <p:blipFill>
-          <a:blip r:embed="rId28">
+          <a:blip r:embed="rId29" cstate="hqprint">
             <a:extLst>
               <a:ext uri="{28A0092B-C50C-407E-A947-70E740481C1C}">
                 <a14:useLocalDpi xmlns:a14="http://schemas.microsoft.com/office/drawing/2010/main" val="0"/>
               </a:ext>
               <a:ext uri="{96DAC541-7B7A-43D3-8B79-37D633B846F1}">
-                <asvg:svgBlip xmlns:asvg="http://schemas.microsoft.com/office/drawing/2016/SVG/main" r:embed="rId29"/>
+                <asvg:svgBlip xmlns:asvg="http://schemas.microsoft.com/office/drawing/2016/SVG/main" xmlns="" r:embed="rId30"/>
               </a:ext>
             </a:extLst>
           </a:blip>
@@ -18545,7 +18979,7 @@
                   <a:spcPts val="600"/>
                 </a:spcAft>
               </a:pPr>
-              <a:t>2019-03-23</a:t>
+              <a:t>2019-03-25</a:t>
             </a:fld>
             <a:endParaRPr lang="ko-KR" altLang="en-US"/>
           </a:p>
@@ -18738,62 +19172,70 @@
           <a:lstStyle/>
           <a:p>
             <a:r>
-              <a:rPr lang="ko-KR" altLang="en-US" sz="2400"/>
+              <a:rPr lang="ko-KR" altLang="en-US" sz="2400" dirty="0"/>
               <a:t>웹사이트 구현</a:t>
             </a:r>
             <a:r>
-              <a:rPr lang="en-US" altLang="ko-KR" sz="2400"/>
+              <a:rPr lang="en-US" altLang="ko-KR" sz="2400" dirty="0"/>
               <a:t>: </a:t>
             </a:r>
             <a:r>
-              <a:rPr lang="ko-KR" altLang="en-US" sz="2400"/>
+              <a:rPr lang="ko-KR" altLang="en-US" sz="2400" dirty="0"/>
               <a:t>장고</a:t>
             </a:r>
             <a:r>
-              <a:rPr lang="en-US" altLang="ko-KR" sz="2400"/>
-              <a:t>(django)</a:t>
+              <a:rPr lang="en-US" altLang="ko-KR" sz="2400" dirty="0"/>
+              <a:t>(</a:t>
+            </a:r>
+            <a:r>
+              <a:rPr lang="en-US" altLang="ko-KR" sz="2400" dirty="0" err="1"/>
+              <a:t>django</a:t>
+            </a:r>
+            <a:r>
+              <a:rPr lang="en-US" altLang="ko-KR" sz="2400" dirty="0"/>
+              <a:t>)</a:t>
             </a:r>
           </a:p>
           <a:p>
             <a:r>
-              <a:rPr lang="ko-KR" altLang="en-US" sz="2400"/>
+              <a:rPr lang="ko-KR" altLang="en-US" sz="2400" dirty="0"/>
               <a:t>서버</a:t>
             </a:r>
             <a:r>
-              <a:rPr lang="en-US" altLang="ko-KR" sz="2400"/>
+              <a:rPr lang="en-US" altLang="ko-KR" sz="2400" dirty="0"/>
               <a:t>: </a:t>
             </a:r>
             <a:r>
-              <a:rPr lang="ko-KR" altLang="en-US" sz="2400"/>
+              <a:rPr lang="ko-KR" altLang="en-US" sz="2400" dirty="0"/>
               <a:t>아파치</a:t>
             </a:r>
-            <a:endParaRPr lang="en-US" altLang="ko-KR" sz="2400"/>
+            <a:endParaRPr lang="en-US" altLang="ko-KR" sz="2400" dirty="0"/>
           </a:p>
           <a:p>
             <a:r>
-              <a:rPr lang="ko-KR" altLang="en-US" sz="2400"/>
+              <a:rPr lang="ko-KR" altLang="en-US" sz="2400" dirty="0"/>
               <a:t>데이터베이스</a:t>
             </a:r>
             <a:r>
-              <a:rPr lang="en-US" altLang="ko-KR" sz="2400"/>
+              <a:rPr lang="en-US" altLang="ko-KR" sz="2400" dirty="0"/>
               <a:t>: MySQL</a:t>
             </a:r>
           </a:p>
           <a:p>
             <a:r>
-              <a:rPr lang="ko-KR" altLang="en-US" sz="2400"/>
+              <a:rPr lang="ko-KR" altLang="en-US" sz="2400" dirty="0"/>
               <a:t>알고리즘</a:t>
             </a:r>
             <a:r>
-              <a:rPr lang="en-US" altLang="ko-KR" sz="2400"/>
+              <a:rPr lang="en-US" altLang="ko-KR" sz="2400" dirty="0"/>
               <a:t>: </a:t>
             </a:r>
             <a:r>
-              <a:rPr lang="ko-KR" altLang="en-US" sz="2400"/>
+              <a:rPr lang="ko-KR" altLang="en-US" sz="2400" dirty="0" err="1"/>
               <a:t>파이썬</a:t>
             </a:r>
             <a:r>
-              <a:rPr lang="en-US" altLang="ko-KR" sz="2400"/>
+              <a:rPr lang="en-US" altLang="ko-KR" sz="2400" dirty="0"/>
               <a:t>,Google Cloud Vision API</a:t>
             </a:r>
           </a:p>
@@ -18801,42 +19243,42 @@
             <a:pPr marL="0" indent="0">
               <a:buNone/>
             </a:pPr>
-            <a:endParaRPr lang="en-US" altLang="ko-KR" sz="2400"/>
+            <a:endParaRPr lang="en-US" altLang="ko-KR" sz="2400" dirty="0"/>
           </a:p>
           <a:p>
             <a:pPr marL="0" indent="0">
               <a:buNone/>
             </a:pPr>
             <a:r>
-              <a:rPr lang="ko-KR" altLang="en-US" sz="2400"/>
+              <a:rPr lang="ko-KR" altLang="en-US" sz="2400" dirty="0"/>
               <a:t>개발 환경</a:t>
             </a:r>
             <a:r>
-              <a:rPr lang="en-US" altLang="ko-KR" sz="2400"/>
+              <a:rPr lang="en-US" altLang="ko-KR" sz="2400" dirty="0"/>
               <a:t>: </a:t>
             </a:r>
             <a:r>
-              <a:rPr lang="ko-KR" altLang="en-US" sz="2400"/>
+              <a:rPr lang="ko-KR" altLang="en-US" sz="2400" dirty="0"/>
               <a:t>아나콘다</a:t>
             </a:r>
             <a:r>
-              <a:rPr lang="en-US" altLang="ko-KR" sz="2400"/>
+              <a:rPr lang="en-US" altLang="ko-KR" sz="2400" dirty="0"/>
               <a:t>,</a:t>
             </a:r>
             <a:r>
-              <a:rPr lang="ko-KR" altLang="en-US" sz="2400"/>
+              <a:rPr lang="ko-KR" altLang="en-US" sz="2400" dirty="0"/>
               <a:t>아톰 에디터</a:t>
             </a:r>
             <a:r>
-              <a:rPr lang="en-US" altLang="ko-KR" sz="2400"/>
+              <a:rPr lang="en-US" altLang="ko-KR" sz="2400" dirty="0"/>
               <a:t>,</a:t>
             </a:r>
             <a:r>
-              <a:rPr lang="ko-KR" altLang="en-US" sz="2400"/>
+              <a:rPr lang="ko-KR" altLang="en-US" sz="2400" dirty="0" err="1"/>
               <a:t>파이참</a:t>
             </a:r>
             <a:r>
-              <a:rPr lang="en-US" altLang="ko-KR" sz="2400"/>
+              <a:rPr lang="en-US" altLang="ko-KR" sz="2400" dirty="0"/>
               <a:t>..</a:t>
             </a:r>
           </a:p>
@@ -18966,7 +19408,7 @@
                   <a:spcPts val="600"/>
                 </a:spcAft>
               </a:pPr>
-              <a:t>2019-03-23</a:t>
+              <a:t>2019-03-25</a:t>
             </a:fld>
             <a:endParaRPr lang="ko-KR" altLang="en-US" sz="1050">
               <a:solidFill>
@@ -18987,7 +19429,7 @@
                 <a16:creationId xmlns:a16="http://schemas.microsoft.com/office/drawing/2014/main" id="{59A309A7-1751-4ABE-A3C1-EEC40366AD89}"/>
               </a:ext>
               <a:ext uri="{C183D7F6-B498-43B3-948B-1728B52AA6E4}">
-                <adec:decorative xmlns:adec="http://schemas.microsoft.com/office/drawing/2017/decorative" val="1"/>
+                <adec:decorative xmlns:adec="http://schemas.microsoft.com/office/drawing/2017/decorative" xmlns="" val="1"/>
               </a:ext>
             </a:extLst>
           </p:cNvPr>
@@ -19050,7 +19492,7 @@
                 <a16:creationId xmlns:a16="http://schemas.microsoft.com/office/drawing/2014/main" id="{967D8EB6-EAE1-4F9C-B398-83321E287204}"/>
               </a:ext>
               <a:ext uri="{C183D7F6-B498-43B3-948B-1728B52AA6E4}">
-                <adec:decorative xmlns:adec="http://schemas.microsoft.com/office/drawing/2017/decorative" val="1"/>
+                <adec:decorative xmlns:adec="http://schemas.microsoft.com/office/drawing/2017/decorative" xmlns="" val="1"/>
               </a:ext>
             </a:extLst>
           </p:cNvPr>
@@ -19128,7 +19570,7 @@
                 <a14:useLocalDpi xmlns:a14="http://schemas.microsoft.com/office/drawing/2010/main" val="0"/>
               </a:ext>
               <a:ext uri="{96DAC541-7B7A-43D3-8B79-37D633B846F1}">
-                <asvg:svgBlip xmlns:asvg="http://schemas.microsoft.com/office/drawing/2016/SVG/main" r:embed="rId3"/>
+                <asvg:svgBlip xmlns:asvg="http://schemas.microsoft.com/office/drawing/2016/SVG/main" xmlns="" r:embed="rId3"/>
               </a:ext>
             </a:extLst>
           </a:blip>
@@ -19816,7 +20258,7 @@
           <a:p>
             <a:fld id="{8D67230E-3278-4540-B35D-B83F247555A9}" type="datetime1">
               <a:rPr lang="ko-KR" altLang="en-US" smtClean="0"/>
-              <a:t>2019-03-23</a:t>
+              <a:t>2019-03-25</a:t>
             </a:fld>
             <a:endParaRPr lang="ko-KR" altLang="en-US"/>
           </a:p>
@@ -20939,7 +21381,7 @@
                 <a16:creationId xmlns:a16="http://schemas.microsoft.com/office/drawing/2014/main" id="{A5711A0E-A428-4ED1-96CB-33D69FD842E4}"/>
               </a:ext>
               <a:ext uri="{C183D7F6-B498-43B3-948B-1728B52AA6E4}">
-                <adec:decorative xmlns:adec="http://schemas.microsoft.com/office/drawing/2017/decorative" val="1"/>
+                <adec:decorative xmlns:adec="http://schemas.microsoft.com/office/drawing/2017/decorative" xmlns="" val="1"/>
               </a:ext>
             </a:extLst>
           </p:cNvPr>
@@ -21073,7 +21515,7 @@
                   <a:spcPts val="600"/>
                 </a:spcAft>
               </a:pPr>
-              <a:t>2019-03-23</a:t>
+              <a:t>2019-03-25</a:t>
             </a:fld>
             <a:endParaRPr lang="ko-KR" altLang="en-US">
               <a:solidFill>

--- a/document/Capston Design Proposal_update(ppt).pptx
+++ b/document/Capston Design Proposal_update(ppt).pptx
@@ -2501,7 +2501,7 @@
 <dgm:dataModel xmlns:dgm="http://schemas.openxmlformats.org/drawingml/2006/diagram" xmlns:a="http://schemas.openxmlformats.org/drawingml/2006/main">
   <dgm:ptLst>
     <dgm:pt modelId="{E5573E26-5320-4C06-A1C6-34BFF59EE395}" type="doc">
-      <dgm:prSet loTypeId="urn:microsoft.com/office/officeart/2005/8/layout/default" loCatId="list" qsTypeId="urn:microsoft.com/office/officeart/2005/8/quickstyle/simple1" qsCatId="simple" csTypeId="urn:microsoft.com/office/officeart/2005/8/colors/accent1_2" csCatId="accent1"/>
+      <dgm:prSet loTypeId="urn:microsoft.com/office/officeart/2005/8/layout/default" loCatId="list" qsTypeId="urn:microsoft.com/office/officeart/2005/8/quickstyle/simple1" qsCatId="simple" csTypeId="urn:microsoft.com/office/officeart/2005/8/colors/accent1_2" csCatId="accent1" phldr="1"/>
       <dgm:spPr/>
       <dgm:t>
         <a:bodyPr/>
@@ -2512,17 +2512,24 @@
       </dgm:t>
     </dgm:pt>
     <dgm:pt modelId="{AC120FF6-DAF7-469F-8AF2-4411B0321B2D}">
-      <dgm:prSet/>
+      <dgm:prSet custT="1"/>
       <dgm:spPr/>
       <dgm:t>
         <a:bodyPr/>
         <a:lstStyle/>
         <a:p>
           <a:r>
-            <a:rPr lang="ko-KR"/>
+            <a:rPr lang="ko-KR" sz="2700" dirty="0"/>
             <a:t>팀 소개</a:t>
           </a:r>
-          <a:endParaRPr lang="en-US"/>
+          <a:endParaRPr lang="en-US" altLang="ko-KR" sz="2700" dirty="0"/>
+        </a:p>
+        <a:p>
+          <a:r>
+            <a:rPr lang="en-US" sz="1400" dirty="0"/>
+            <a:t>(2019.3.25)</a:t>
+          </a:r>
+          <a:endParaRPr lang="en-US" sz="2700" dirty="0"/>
         </a:p>
       </dgm:t>
     </dgm:pt>
@@ -2556,10 +2563,14 @@
         <a:lstStyle/>
         <a:p>
           <a:r>
-            <a:rPr lang="ko-KR"/>
-            <a:t>프로젝트 소개 </a:t>
+            <a:rPr lang="ko-KR" altLang="en-US" dirty="0"/>
+            <a:t>패션 웹사이트</a:t>
           </a:r>
-          <a:endParaRPr lang="en-US"/>
+          <a:r>
+            <a:rPr lang="ko-KR" dirty="0"/>
+            <a:t> 소개 </a:t>
+          </a:r>
+          <a:endParaRPr lang="en-US" dirty="0"/>
         </a:p>
       </dgm:t>
     </dgm:pt>
@@ -2593,13 +2604,10 @@
         <a:lstStyle/>
         <a:p>
           <a:r>
-            <a:rPr lang="ko-KR"/>
-            <a:t>무엇을 만들 것 인가</a:t>
+            <a:rPr lang="ko-KR" altLang="en-US" dirty="0"/>
+            <a:t>패션 웹 구현 목표</a:t>
           </a:r>
-          <a:r>
-            <a:rPr lang="en-US"/>
-            <a:t>?</a:t>
-          </a:r>
+          <a:endParaRPr lang="en-US" dirty="0"/>
         </a:p>
       </dgm:t>
     </dgm:pt>
@@ -2633,13 +2641,10 @@
         <a:lstStyle/>
         <a:p>
           <a:r>
-            <a:rPr lang="ko-KR"/>
-            <a:t>어떻게 만들 것 인가</a:t>
+            <a:rPr lang="ko-KR" altLang="en-US" dirty="0"/>
+            <a:t>패션 웹 구현 방법</a:t>
           </a:r>
-          <a:r>
-            <a:rPr lang="en-US"/>
-            <a:t>?</a:t>
-          </a:r>
+          <a:endParaRPr lang="en-US" dirty="0"/>
         </a:p>
       </dgm:t>
     </dgm:pt>
@@ -2673,10 +2678,18 @@
         <a:lstStyle/>
         <a:p>
           <a:r>
-            <a:rPr lang="ko-KR"/>
-            <a:t>개발일정</a:t>
+            <a:rPr lang="ko-KR" dirty="0"/>
+            <a:t>개발</a:t>
           </a:r>
-          <a:endParaRPr lang="en-US"/>
+          <a:r>
+            <a:rPr lang="en-US" altLang="ko-KR" dirty="0"/>
+            <a:t> </a:t>
+          </a:r>
+          <a:r>
+            <a:rPr lang="ko-KR" dirty="0"/>
+            <a:t>일정</a:t>
+          </a:r>
+          <a:endParaRPr lang="en-US" dirty="0"/>
         </a:p>
       </dgm:t>
     </dgm:pt>
@@ -2746,14 +2759,6 @@
         </dgm:presLayoutVars>
       </dgm:prSet>
       <dgm:spPr/>
-      <dgm:t>
-        <a:bodyPr/>
-        <a:lstStyle/>
-        <a:p>
-          <a:pPr latinLnBrk="1"/>
-          <a:endParaRPr lang="ko-KR" altLang="en-US"/>
-        </a:p>
-      </dgm:t>
     </dgm:pt>
     <dgm:pt modelId="{49C24EBE-CB27-48F5-9749-33D2C5E1FF8B}" type="pres">
       <dgm:prSet presAssocID="{AC120FF6-DAF7-469F-8AF2-4411B0321B2D}" presName="node" presStyleLbl="node1" presStyleIdx="0" presStyleCnt="6">
@@ -2762,14 +2767,6 @@
         </dgm:presLayoutVars>
       </dgm:prSet>
       <dgm:spPr/>
-      <dgm:t>
-        <a:bodyPr/>
-        <a:lstStyle/>
-        <a:p>
-          <a:pPr latinLnBrk="1"/>
-          <a:endParaRPr lang="ko-KR" altLang="en-US"/>
-        </a:p>
-      </dgm:t>
     </dgm:pt>
     <dgm:pt modelId="{58A7B869-2662-48B2-8EE9-732FE4F5FCF7}" type="pres">
       <dgm:prSet presAssocID="{731035E3-EE06-42D6-ADE8-70C9662F5686}" presName="sibTrans" presStyleCnt="0"/>
@@ -2782,14 +2779,6 @@
         </dgm:presLayoutVars>
       </dgm:prSet>
       <dgm:spPr/>
-      <dgm:t>
-        <a:bodyPr/>
-        <a:lstStyle/>
-        <a:p>
-          <a:pPr latinLnBrk="1"/>
-          <a:endParaRPr lang="ko-KR" altLang="en-US"/>
-        </a:p>
-      </dgm:t>
     </dgm:pt>
     <dgm:pt modelId="{2FAF5B92-0926-49E5-8F5D-0EDB9D041ED6}" type="pres">
       <dgm:prSet presAssocID="{F8ACF93D-6AF2-47A8-B735-CFE0C75967D1}" presName="sibTrans" presStyleCnt="0"/>
@@ -2802,14 +2791,6 @@
         </dgm:presLayoutVars>
       </dgm:prSet>
       <dgm:spPr/>
-      <dgm:t>
-        <a:bodyPr/>
-        <a:lstStyle/>
-        <a:p>
-          <a:pPr latinLnBrk="1"/>
-          <a:endParaRPr lang="ko-KR" altLang="en-US"/>
-        </a:p>
-      </dgm:t>
     </dgm:pt>
     <dgm:pt modelId="{7F9EA6EC-3C3D-40A5-9ACF-E563A22123C5}" type="pres">
       <dgm:prSet presAssocID="{4567A599-3950-4901-A0DD-1C6291C0630C}" presName="sibTrans" presStyleCnt="0"/>
@@ -2822,14 +2803,6 @@
         </dgm:presLayoutVars>
       </dgm:prSet>
       <dgm:spPr/>
-      <dgm:t>
-        <a:bodyPr/>
-        <a:lstStyle/>
-        <a:p>
-          <a:pPr latinLnBrk="1"/>
-          <a:endParaRPr lang="ko-KR" altLang="en-US"/>
-        </a:p>
-      </dgm:t>
     </dgm:pt>
     <dgm:pt modelId="{9428D014-91F4-477D-B126-84FB96A5D4BF}" type="pres">
       <dgm:prSet presAssocID="{63CC7A01-AE53-4F87-B78D-4449CBF95735}" presName="sibTrans" presStyleCnt="0"/>
@@ -2842,14 +2815,6 @@
         </dgm:presLayoutVars>
       </dgm:prSet>
       <dgm:spPr/>
-      <dgm:t>
-        <a:bodyPr/>
-        <a:lstStyle/>
-        <a:p>
-          <a:pPr latinLnBrk="1"/>
-          <a:endParaRPr lang="ko-KR" altLang="en-US"/>
-        </a:p>
-      </dgm:t>
     </dgm:pt>
     <dgm:pt modelId="{15EFBB9D-B382-4B45-8B5A-4B7D800B4D68}" type="pres">
       <dgm:prSet presAssocID="{8167520B-8981-40A6-AA78-AC33AAB50BBD}" presName="sibTrans" presStyleCnt="0"/>
@@ -2862,30 +2827,22 @@
         </dgm:presLayoutVars>
       </dgm:prSet>
       <dgm:spPr/>
-      <dgm:t>
-        <a:bodyPr/>
-        <a:lstStyle/>
-        <a:p>
-          <a:pPr latinLnBrk="1"/>
-          <a:endParaRPr lang="ko-KR" altLang="en-US"/>
-        </a:p>
-      </dgm:t>
     </dgm:pt>
   </dgm:ptLst>
   <dgm:cxnLst>
+    <dgm:cxn modelId="{1FD3F824-A737-4430-96C0-FEB8109D7ED0}" type="presOf" srcId="{75AEDC82-662E-4CA0-8791-46B787CEC2BA}" destId="{6D8975A5-4CA5-4D9A-AAD3-009B6A89EC74}" srcOrd="0" destOrd="0" presId="urn:microsoft.com/office/officeart/2005/8/layout/default"/>
+    <dgm:cxn modelId="{C8E8E032-A540-44AF-A8AA-BE29D931FB3D}" srcId="{E5573E26-5320-4C06-A1C6-34BFF59EE395}" destId="{781240F8-30C2-4885-AACB-502B688D7BD1}" srcOrd="4" destOrd="0" parTransId="{6E24BE20-45C4-4963-910E-27B96FF506D9}" sibTransId="{8167520B-8981-40A6-AA78-AC33AAB50BBD}"/>
+    <dgm:cxn modelId="{DDB4D35F-D9D1-44D3-9741-6383647B3BB3}" srcId="{E5573E26-5320-4C06-A1C6-34BFF59EE395}" destId="{C862ABB5-E0CE-4222-B3C1-074A5559CBB3}" srcOrd="5" destOrd="0" parTransId="{69E17A25-D73F-4A25-BC73-BDECBB213691}" sibTransId="{1CECC7B5-DFDC-42B7-BD35-417F86611FDD}"/>
+    <dgm:cxn modelId="{B2812A64-2263-4883-9D4A-B386D5685CAE}" type="presOf" srcId="{E5573E26-5320-4C06-A1C6-34BFF59EE395}" destId="{8D08D1E1-1FC7-4118-B0A2-75C9683FDA13}" srcOrd="0" destOrd="0" presId="urn:microsoft.com/office/officeart/2005/8/layout/default"/>
+    <dgm:cxn modelId="{33BD456D-1BEF-499B-AEF1-367474EBDCD0}" srcId="{E5573E26-5320-4C06-A1C6-34BFF59EE395}" destId="{AC120FF6-DAF7-469F-8AF2-4411B0321B2D}" srcOrd="0" destOrd="0" parTransId="{4DF3CD87-1EC2-40FD-BA97-6F8CD6710D53}" sibTransId="{731035E3-EE06-42D6-ADE8-70C9662F5686}"/>
+    <dgm:cxn modelId="{30013A8A-955F-4244-8B39-EDE33B91873F}" type="presOf" srcId="{C862ABB5-E0CE-4222-B3C1-074A5559CBB3}" destId="{276308A6-4ED6-4A7B-A1C6-AC9BA8640E31}" srcOrd="0" destOrd="0" presId="urn:microsoft.com/office/officeart/2005/8/layout/default"/>
     <dgm:cxn modelId="{76809C9B-CB8E-44FC-8910-0B8B81A56272}" type="presOf" srcId="{872A1C71-6FAF-47B5-90CE-99510E9D6C7A}" destId="{DFBBB5F9-2C55-408E-9280-009E298A8B8D}" srcOrd="0" destOrd="0" presId="urn:microsoft.com/office/officeart/2005/8/layout/default"/>
-    <dgm:cxn modelId="{30013A8A-955F-4244-8B39-EDE33B91873F}" type="presOf" srcId="{C862ABB5-E0CE-4222-B3C1-074A5559CBB3}" destId="{276308A6-4ED6-4A7B-A1C6-AC9BA8640E31}" srcOrd="0" destOrd="0" presId="urn:microsoft.com/office/officeart/2005/8/layout/default"/>
+    <dgm:cxn modelId="{9BF432A9-CB93-47D3-96C5-534B99A56DC6}" srcId="{E5573E26-5320-4C06-A1C6-34BFF59EE395}" destId="{FEDEC8FE-FC4F-487F-8DA3-3BB49F90D490}" srcOrd="2" destOrd="0" parTransId="{3330DB75-9EEC-46B0-9A9B-C1B2B57512CB}" sibTransId="{4567A599-3950-4901-A0DD-1C6291C0630C}"/>
+    <dgm:cxn modelId="{F7AB96AE-4D93-42EB-AD0D-4EA467CFCE9E}" type="presOf" srcId="{AC120FF6-DAF7-469F-8AF2-4411B0321B2D}" destId="{49C24EBE-CB27-48F5-9749-33D2C5E1FF8B}" srcOrd="0" destOrd="0" presId="urn:microsoft.com/office/officeart/2005/8/layout/default"/>
     <dgm:cxn modelId="{608A1CBA-EA59-4606-98C9-8B2D5EF971AE}" srcId="{E5573E26-5320-4C06-A1C6-34BFF59EE395}" destId="{75AEDC82-662E-4CA0-8791-46B787CEC2BA}" srcOrd="3" destOrd="0" parTransId="{45001C0D-8138-4314-98C2-38547DF2515B}" sibTransId="{63CC7A01-AE53-4F87-B78D-4449CBF95735}"/>
-    <dgm:cxn modelId="{DDB4D35F-D9D1-44D3-9741-6383647B3BB3}" srcId="{E5573E26-5320-4C06-A1C6-34BFF59EE395}" destId="{C862ABB5-E0CE-4222-B3C1-074A5559CBB3}" srcOrd="5" destOrd="0" parTransId="{69E17A25-D73F-4A25-BC73-BDECBB213691}" sibTransId="{1CECC7B5-DFDC-42B7-BD35-417F86611FDD}"/>
+    <dgm:cxn modelId="{383D9ACE-7757-421D-8720-9548C5E6C0A0}" type="presOf" srcId="{781240F8-30C2-4885-AACB-502B688D7BD1}" destId="{12140423-47E9-464F-8454-57709CFA86FE}" srcOrd="0" destOrd="0" presId="urn:microsoft.com/office/officeart/2005/8/layout/default"/>
+    <dgm:cxn modelId="{231B73DA-00D4-45F1-A53D-A3E9DFB5FFA7}" srcId="{E5573E26-5320-4C06-A1C6-34BFF59EE395}" destId="{872A1C71-6FAF-47B5-90CE-99510E9D6C7A}" srcOrd="1" destOrd="0" parTransId="{52BAC1D1-796E-42C5-A541-DF764E5F800B}" sibTransId="{F8ACF93D-6AF2-47A8-B735-CFE0C75967D1}"/>
     <dgm:cxn modelId="{EBFB84EE-4DC1-4F53-962A-75F55AB75B64}" type="presOf" srcId="{FEDEC8FE-FC4F-487F-8DA3-3BB49F90D490}" destId="{700CAF28-027B-4574-B0E5-B965C0EAD4B7}" srcOrd="0" destOrd="0" presId="urn:microsoft.com/office/officeart/2005/8/layout/default"/>
-    <dgm:cxn modelId="{231B73DA-00D4-45F1-A53D-A3E9DFB5FFA7}" srcId="{E5573E26-5320-4C06-A1C6-34BFF59EE395}" destId="{872A1C71-6FAF-47B5-90CE-99510E9D6C7A}" srcOrd="1" destOrd="0" parTransId="{52BAC1D1-796E-42C5-A541-DF764E5F800B}" sibTransId="{F8ACF93D-6AF2-47A8-B735-CFE0C75967D1}"/>
-    <dgm:cxn modelId="{C8E8E032-A540-44AF-A8AA-BE29D931FB3D}" srcId="{E5573E26-5320-4C06-A1C6-34BFF59EE395}" destId="{781240F8-30C2-4885-AACB-502B688D7BD1}" srcOrd="4" destOrd="0" parTransId="{6E24BE20-45C4-4963-910E-27B96FF506D9}" sibTransId="{8167520B-8981-40A6-AA78-AC33AAB50BBD}"/>
-    <dgm:cxn modelId="{B2812A64-2263-4883-9D4A-B386D5685CAE}" type="presOf" srcId="{E5573E26-5320-4C06-A1C6-34BFF59EE395}" destId="{8D08D1E1-1FC7-4118-B0A2-75C9683FDA13}" srcOrd="0" destOrd="0" presId="urn:microsoft.com/office/officeart/2005/8/layout/default"/>
-    <dgm:cxn modelId="{9BF432A9-CB93-47D3-96C5-534B99A56DC6}" srcId="{E5573E26-5320-4C06-A1C6-34BFF59EE395}" destId="{FEDEC8FE-FC4F-487F-8DA3-3BB49F90D490}" srcOrd="2" destOrd="0" parTransId="{3330DB75-9EEC-46B0-9A9B-C1B2B57512CB}" sibTransId="{4567A599-3950-4901-A0DD-1C6291C0630C}"/>
-    <dgm:cxn modelId="{1FD3F824-A737-4430-96C0-FEB8109D7ED0}" type="presOf" srcId="{75AEDC82-662E-4CA0-8791-46B787CEC2BA}" destId="{6D8975A5-4CA5-4D9A-AAD3-009B6A89EC74}" srcOrd="0" destOrd="0" presId="urn:microsoft.com/office/officeart/2005/8/layout/default"/>
-    <dgm:cxn modelId="{383D9ACE-7757-421D-8720-9548C5E6C0A0}" type="presOf" srcId="{781240F8-30C2-4885-AACB-502B688D7BD1}" destId="{12140423-47E9-464F-8454-57709CFA86FE}" srcOrd="0" destOrd="0" presId="urn:microsoft.com/office/officeart/2005/8/layout/default"/>
-    <dgm:cxn modelId="{33BD456D-1BEF-499B-AEF1-367474EBDCD0}" srcId="{E5573E26-5320-4C06-A1C6-34BFF59EE395}" destId="{AC120FF6-DAF7-469F-8AF2-4411B0321B2D}" srcOrd="0" destOrd="0" parTransId="{4DF3CD87-1EC2-40FD-BA97-6F8CD6710D53}" sibTransId="{731035E3-EE06-42D6-ADE8-70C9662F5686}"/>
-    <dgm:cxn modelId="{F7AB96AE-4D93-42EB-AD0D-4EA467CFCE9E}" type="presOf" srcId="{AC120FF6-DAF7-469F-8AF2-4411B0321B2D}" destId="{49C24EBE-CB27-48F5-9749-33D2C5E1FF8B}" srcOrd="0" destOrd="0" presId="urn:microsoft.com/office/officeart/2005/8/layout/default"/>
     <dgm:cxn modelId="{A0D9EFA4-D1F6-40BC-8D77-63E7F0789857}" type="presParOf" srcId="{8D08D1E1-1FC7-4118-B0A2-75C9683FDA13}" destId="{49C24EBE-CB27-48F5-9749-33D2C5E1FF8B}" srcOrd="0" destOrd="0" presId="urn:microsoft.com/office/officeart/2005/8/layout/default"/>
     <dgm:cxn modelId="{4A062177-6014-4942-93C7-D36AFA80EF7C}" type="presParOf" srcId="{8D08D1E1-1FC7-4118-B0A2-75C9683FDA13}" destId="{58A7B869-2662-48B2-8EE9-732FE4F5FCF7}" srcOrd="1" destOrd="0" presId="urn:microsoft.com/office/officeart/2005/8/layout/default"/>
     <dgm:cxn modelId="{9D65C942-988C-4EC5-A608-DB998A0E03D7}" type="presParOf" srcId="{8D08D1E1-1FC7-4118-B0A2-75C9683FDA13}" destId="{DFBBB5F9-2C55-408E-9280-009E298A8B8D}" srcOrd="2" destOrd="0" presId="urn:microsoft.com/office/officeart/2005/8/layout/default"/>
@@ -3079,14 +3036,6 @@
         </dgm:presLayoutVars>
       </dgm:prSet>
       <dgm:spPr/>
-      <dgm:t>
-        <a:bodyPr/>
-        <a:lstStyle/>
-        <a:p>
-          <a:pPr latinLnBrk="1"/>
-          <a:endParaRPr lang="ko-KR" altLang="en-US"/>
-        </a:p>
-      </dgm:t>
     </dgm:pt>
     <dgm:pt modelId="{2911B45A-3CCC-483F-9ADA-DB1E85926FFB}" type="pres">
       <dgm:prSet presAssocID="{970AE1EE-095D-4A1B-8E3E-70F8687160B3}" presName="parentLin" presStyleCnt="0"/>
@@ -3095,14 +3044,6 @@
     <dgm:pt modelId="{00A32535-E342-454F-A479-56C1AD7B8BDB}" type="pres">
       <dgm:prSet presAssocID="{970AE1EE-095D-4A1B-8E3E-70F8687160B3}" presName="parentLeftMargin" presStyleLbl="node1" presStyleIdx="0" presStyleCnt="4"/>
       <dgm:spPr/>
-      <dgm:t>
-        <a:bodyPr/>
-        <a:lstStyle/>
-        <a:p>
-          <a:pPr latinLnBrk="1"/>
-          <a:endParaRPr lang="ko-KR" altLang="en-US"/>
-        </a:p>
-      </dgm:t>
     </dgm:pt>
     <dgm:pt modelId="{6C84D589-3D29-46E5-B894-C7B3B54157B3}" type="pres">
       <dgm:prSet presAssocID="{970AE1EE-095D-4A1B-8E3E-70F8687160B3}" presName="parentText" presStyleLbl="node1" presStyleIdx="0" presStyleCnt="4">
@@ -3112,14 +3053,6 @@
         </dgm:presLayoutVars>
       </dgm:prSet>
       <dgm:spPr/>
-      <dgm:t>
-        <a:bodyPr/>
-        <a:lstStyle/>
-        <a:p>
-          <a:pPr latinLnBrk="1"/>
-          <a:endParaRPr lang="ko-KR" altLang="en-US"/>
-        </a:p>
-      </dgm:t>
     </dgm:pt>
     <dgm:pt modelId="{9A4D4C5D-CD2F-48E2-BC9A-184E00AFFA50}" type="pres">
       <dgm:prSet presAssocID="{970AE1EE-095D-4A1B-8E3E-70F8687160B3}" presName="negativeSpace" presStyleCnt="0"/>
@@ -3144,14 +3077,6 @@
     <dgm:pt modelId="{DD07B286-739B-4FC4-9FB3-F2B2226C8F35}" type="pres">
       <dgm:prSet presAssocID="{635C6A86-88D8-4D96-A4BE-F883D00D75C1}" presName="parentLeftMargin" presStyleLbl="node1" presStyleIdx="0" presStyleCnt="4"/>
       <dgm:spPr/>
-      <dgm:t>
-        <a:bodyPr/>
-        <a:lstStyle/>
-        <a:p>
-          <a:pPr latinLnBrk="1"/>
-          <a:endParaRPr lang="ko-KR" altLang="en-US"/>
-        </a:p>
-      </dgm:t>
     </dgm:pt>
     <dgm:pt modelId="{371CDEB1-CE61-4976-A21C-9AF5455CFE16}" type="pres">
       <dgm:prSet presAssocID="{635C6A86-88D8-4D96-A4BE-F883D00D75C1}" presName="parentText" presStyleLbl="node1" presStyleIdx="1" presStyleCnt="4">
@@ -3161,14 +3086,6 @@
         </dgm:presLayoutVars>
       </dgm:prSet>
       <dgm:spPr/>
-      <dgm:t>
-        <a:bodyPr/>
-        <a:lstStyle/>
-        <a:p>
-          <a:pPr latinLnBrk="1"/>
-          <a:endParaRPr lang="ko-KR" altLang="en-US"/>
-        </a:p>
-      </dgm:t>
     </dgm:pt>
     <dgm:pt modelId="{035278F8-B317-4709-BD9B-539EE91B8AAB}" type="pres">
       <dgm:prSet presAssocID="{635C6A86-88D8-4D96-A4BE-F883D00D75C1}" presName="negativeSpace" presStyleCnt="0"/>
@@ -3193,14 +3110,6 @@
     <dgm:pt modelId="{5D329693-7AE5-4340-8872-8396BFC77CE1}" type="pres">
       <dgm:prSet presAssocID="{3B4EF65B-C061-4211-8523-5EB114DEF8DA}" presName="parentLeftMargin" presStyleLbl="node1" presStyleIdx="1" presStyleCnt="4"/>
       <dgm:spPr/>
-      <dgm:t>
-        <a:bodyPr/>
-        <a:lstStyle/>
-        <a:p>
-          <a:pPr latinLnBrk="1"/>
-          <a:endParaRPr lang="ko-KR" altLang="en-US"/>
-        </a:p>
-      </dgm:t>
     </dgm:pt>
     <dgm:pt modelId="{F2938FFC-A66E-44AB-8534-000F10FE1399}" type="pres">
       <dgm:prSet presAssocID="{3B4EF65B-C061-4211-8523-5EB114DEF8DA}" presName="parentText" presStyleLbl="node1" presStyleIdx="2" presStyleCnt="4">
@@ -3210,14 +3119,6 @@
         </dgm:presLayoutVars>
       </dgm:prSet>
       <dgm:spPr/>
-      <dgm:t>
-        <a:bodyPr/>
-        <a:lstStyle/>
-        <a:p>
-          <a:pPr latinLnBrk="1"/>
-          <a:endParaRPr lang="ko-KR" altLang="en-US"/>
-        </a:p>
-      </dgm:t>
     </dgm:pt>
     <dgm:pt modelId="{B01E03C9-246D-4070-9847-6EE622A71B92}" type="pres">
       <dgm:prSet presAssocID="{3B4EF65B-C061-4211-8523-5EB114DEF8DA}" presName="negativeSpace" presStyleCnt="0"/>
@@ -3242,14 +3143,6 @@
     <dgm:pt modelId="{0E56E9A4-8578-466F-8039-38220F711BDF}" type="pres">
       <dgm:prSet presAssocID="{A945D5C9-239F-4D6F-BD58-63FCD5D4A6B8}" presName="parentLeftMargin" presStyleLbl="node1" presStyleIdx="2" presStyleCnt="4"/>
       <dgm:spPr/>
-      <dgm:t>
-        <a:bodyPr/>
-        <a:lstStyle/>
-        <a:p>
-          <a:pPr latinLnBrk="1"/>
-          <a:endParaRPr lang="ko-KR" altLang="en-US"/>
-        </a:p>
-      </dgm:t>
     </dgm:pt>
     <dgm:pt modelId="{3A66D4E6-0BA2-4B54-B9D5-DA3271D1221B}" type="pres">
       <dgm:prSet presAssocID="{A945D5C9-239F-4D6F-BD58-63FCD5D4A6B8}" presName="parentText" presStyleLbl="node1" presStyleIdx="3" presStyleCnt="4">
@@ -3259,14 +3152,6 @@
         </dgm:presLayoutVars>
       </dgm:prSet>
       <dgm:spPr/>
-      <dgm:t>
-        <a:bodyPr/>
-        <a:lstStyle/>
-        <a:p>
-          <a:pPr latinLnBrk="1"/>
-          <a:endParaRPr lang="ko-KR" altLang="en-US"/>
-        </a:p>
-      </dgm:t>
     </dgm:pt>
     <dgm:pt modelId="{75B00F65-927B-4C16-AAFE-B68016D07B31}" type="pres">
       <dgm:prSet presAssocID="{A945D5C9-239F-4D6F-BD58-63FCD5D4A6B8}" presName="negativeSpace" presStyleCnt="0"/>
@@ -3282,19 +3167,19 @@
     </dgm:pt>
   </dgm:ptLst>
   <dgm:cxnLst>
+    <dgm:cxn modelId="{F00BD609-833E-4C93-B848-DD468C9F9EA2}" srcId="{5F01EE99-217E-4059-B04C-D020BC9A7E56}" destId="{3B4EF65B-C061-4211-8523-5EB114DEF8DA}" srcOrd="2" destOrd="0" parTransId="{C5ACA7C2-9445-4F60-8AAD-EF66BE7A8C45}" sibTransId="{17ED7902-3440-4A49-B265-AFD8F95564E3}"/>
+    <dgm:cxn modelId="{E04C271C-9E7A-4DA6-917E-31D2DC62C557}" type="presOf" srcId="{3B4EF65B-C061-4211-8523-5EB114DEF8DA}" destId="{5D329693-7AE5-4340-8872-8396BFC77CE1}" srcOrd="0" destOrd="0" presId="urn:microsoft.com/office/officeart/2005/8/layout/list1"/>
+    <dgm:cxn modelId="{C8197564-BE45-43C3-96FE-CFA076AEADE1}" type="presOf" srcId="{5F01EE99-217E-4059-B04C-D020BC9A7E56}" destId="{9E8E45D5-EA20-463F-93E3-71C8FA002F11}" srcOrd="0" destOrd="0" presId="urn:microsoft.com/office/officeart/2005/8/layout/list1"/>
+    <dgm:cxn modelId="{15258065-D6D6-42BC-BA3C-E155416682DC}" type="presOf" srcId="{A945D5C9-239F-4D6F-BD58-63FCD5D4A6B8}" destId="{3A66D4E6-0BA2-4B54-B9D5-DA3271D1221B}" srcOrd="1" destOrd="0" presId="urn:microsoft.com/office/officeart/2005/8/layout/list1"/>
+    <dgm:cxn modelId="{83894E48-71BC-4209-839A-5A48E2D66171}" srcId="{5F01EE99-217E-4059-B04C-D020BC9A7E56}" destId="{A945D5C9-239F-4D6F-BD58-63FCD5D4A6B8}" srcOrd="3" destOrd="0" parTransId="{102F65DD-D85C-4003-9AF9-F8C2264EBA00}" sibTransId="{B1B3B683-4B32-444A-B45A-E916F55F66EF}"/>
+    <dgm:cxn modelId="{401F906F-7943-4DBE-8AA1-B0B05129B21D}" type="presOf" srcId="{A945D5C9-239F-4D6F-BD58-63FCD5D4A6B8}" destId="{0E56E9A4-8578-466F-8039-38220F711BDF}" srcOrd="0" destOrd="0" presId="urn:microsoft.com/office/officeart/2005/8/layout/list1"/>
+    <dgm:cxn modelId="{7C5A1B79-1871-4443-B2B0-96BD3046AAD3}" srcId="{5F01EE99-217E-4059-B04C-D020BC9A7E56}" destId="{635C6A86-88D8-4D96-A4BE-F883D00D75C1}" srcOrd="1" destOrd="0" parTransId="{459D4F25-A238-40A3-B2CA-B18FD4B6EB37}" sibTransId="{EA1A34D2-5497-46AC-8ECB-6C7CC570DABE}"/>
+    <dgm:cxn modelId="{AAC0D179-38F6-4A1D-97FE-8807AE6001E7}" type="presOf" srcId="{970AE1EE-095D-4A1B-8E3E-70F8687160B3}" destId="{00A32535-E342-454F-A479-56C1AD7B8BDB}" srcOrd="0" destOrd="0" presId="urn:microsoft.com/office/officeart/2005/8/layout/list1"/>
+    <dgm:cxn modelId="{3BED5B7F-D277-497E-BC75-E536F8318DF3}" type="presOf" srcId="{635C6A86-88D8-4D96-A4BE-F883D00D75C1}" destId="{371CDEB1-CE61-4976-A21C-9AF5455CFE16}" srcOrd="1" destOrd="0" presId="urn:microsoft.com/office/officeart/2005/8/layout/list1"/>
+    <dgm:cxn modelId="{AA8D729A-8E51-441D-A9E2-8279CC26F2F6}" type="presOf" srcId="{635C6A86-88D8-4D96-A4BE-F883D00D75C1}" destId="{DD07B286-739B-4FC4-9FB3-F2B2226C8F35}" srcOrd="0" destOrd="0" presId="urn:microsoft.com/office/officeart/2005/8/layout/list1"/>
     <dgm:cxn modelId="{E52A819F-0072-46EB-A0F6-2F9EC3AABDC0}" type="presOf" srcId="{3B4EF65B-C061-4211-8523-5EB114DEF8DA}" destId="{F2938FFC-A66E-44AB-8534-000F10FE1399}" srcOrd="1" destOrd="0" presId="urn:microsoft.com/office/officeart/2005/8/layout/list1"/>
-    <dgm:cxn modelId="{C8197564-BE45-43C3-96FE-CFA076AEADE1}" type="presOf" srcId="{5F01EE99-217E-4059-B04C-D020BC9A7E56}" destId="{9E8E45D5-EA20-463F-93E3-71C8FA002F11}" srcOrd="0" destOrd="0" presId="urn:microsoft.com/office/officeart/2005/8/layout/list1"/>
-    <dgm:cxn modelId="{E04C271C-9E7A-4DA6-917E-31D2DC62C557}" type="presOf" srcId="{3B4EF65B-C061-4211-8523-5EB114DEF8DA}" destId="{5D329693-7AE5-4340-8872-8396BFC77CE1}" srcOrd="0" destOrd="0" presId="urn:microsoft.com/office/officeart/2005/8/layout/list1"/>
-    <dgm:cxn modelId="{AAC0D179-38F6-4A1D-97FE-8807AE6001E7}" type="presOf" srcId="{970AE1EE-095D-4A1B-8E3E-70F8687160B3}" destId="{00A32535-E342-454F-A479-56C1AD7B8BDB}" srcOrd="0" destOrd="0" presId="urn:microsoft.com/office/officeart/2005/8/layout/list1"/>
-    <dgm:cxn modelId="{83894E48-71BC-4209-839A-5A48E2D66171}" srcId="{5F01EE99-217E-4059-B04C-D020BC9A7E56}" destId="{A945D5C9-239F-4D6F-BD58-63FCD5D4A6B8}" srcOrd="3" destOrd="0" parTransId="{102F65DD-D85C-4003-9AF9-F8C2264EBA00}" sibTransId="{B1B3B683-4B32-444A-B45A-E916F55F66EF}"/>
-    <dgm:cxn modelId="{F00BD609-833E-4C93-B848-DD468C9F9EA2}" srcId="{5F01EE99-217E-4059-B04C-D020BC9A7E56}" destId="{3B4EF65B-C061-4211-8523-5EB114DEF8DA}" srcOrd="2" destOrd="0" parTransId="{C5ACA7C2-9445-4F60-8AAD-EF66BE7A8C45}" sibTransId="{17ED7902-3440-4A49-B265-AFD8F95564E3}"/>
     <dgm:cxn modelId="{A8A149BD-D78A-4FAE-8CD5-AC80FA1180AA}" type="presOf" srcId="{970AE1EE-095D-4A1B-8E3E-70F8687160B3}" destId="{6C84D589-3D29-46E5-B894-C7B3B54157B3}" srcOrd="1" destOrd="0" presId="urn:microsoft.com/office/officeart/2005/8/layout/list1"/>
     <dgm:cxn modelId="{767219E2-1E15-4E0C-8CA9-1B61A600ACA3}" srcId="{5F01EE99-217E-4059-B04C-D020BC9A7E56}" destId="{970AE1EE-095D-4A1B-8E3E-70F8687160B3}" srcOrd="0" destOrd="0" parTransId="{D8DCFAA6-1B59-49AC-83F5-1BC7DFA482C7}" sibTransId="{38A947A2-A53C-472E-96A5-43FE12E66526}"/>
-    <dgm:cxn modelId="{AA8D729A-8E51-441D-A9E2-8279CC26F2F6}" type="presOf" srcId="{635C6A86-88D8-4D96-A4BE-F883D00D75C1}" destId="{DD07B286-739B-4FC4-9FB3-F2B2226C8F35}" srcOrd="0" destOrd="0" presId="urn:microsoft.com/office/officeart/2005/8/layout/list1"/>
-    <dgm:cxn modelId="{3BED5B7F-D277-497E-BC75-E536F8318DF3}" type="presOf" srcId="{635C6A86-88D8-4D96-A4BE-F883D00D75C1}" destId="{371CDEB1-CE61-4976-A21C-9AF5455CFE16}" srcOrd="1" destOrd="0" presId="urn:microsoft.com/office/officeart/2005/8/layout/list1"/>
-    <dgm:cxn modelId="{7C5A1B79-1871-4443-B2B0-96BD3046AAD3}" srcId="{5F01EE99-217E-4059-B04C-D020BC9A7E56}" destId="{635C6A86-88D8-4D96-A4BE-F883D00D75C1}" srcOrd="1" destOrd="0" parTransId="{459D4F25-A238-40A3-B2CA-B18FD4B6EB37}" sibTransId="{EA1A34D2-5497-46AC-8ECB-6C7CC570DABE}"/>
-    <dgm:cxn modelId="{401F906F-7943-4DBE-8AA1-B0B05129B21D}" type="presOf" srcId="{A945D5C9-239F-4D6F-BD58-63FCD5D4A6B8}" destId="{0E56E9A4-8578-466F-8039-38220F711BDF}" srcOrd="0" destOrd="0" presId="urn:microsoft.com/office/officeart/2005/8/layout/list1"/>
-    <dgm:cxn modelId="{15258065-D6D6-42BC-BA3C-E155416682DC}" type="presOf" srcId="{A945D5C9-239F-4D6F-BD58-63FCD5D4A6B8}" destId="{3A66D4E6-0BA2-4B54-B9D5-DA3271D1221B}" srcOrd="1" destOrd="0" presId="urn:microsoft.com/office/officeart/2005/8/layout/list1"/>
     <dgm:cxn modelId="{03406FAE-8984-4CD8-B185-574FE4D246A6}" type="presParOf" srcId="{9E8E45D5-EA20-463F-93E3-71C8FA002F11}" destId="{2911B45A-3CCC-483F-9ADA-DB1E85926FFB}" srcOrd="0" destOrd="0" presId="urn:microsoft.com/office/officeart/2005/8/layout/list1"/>
     <dgm:cxn modelId="{94860C11-1E18-4C31-8B0E-8A8388265F65}" type="presParOf" srcId="{2911B45A-3CCC-483F-9ADA-DB1E85926FFB}" destId="{00A32535-E342-454F-A479-56C1AD7B8BDB}" srcOrd="0" destOrd="0" presId="urn:microsoft.com/office/officeart/2005/8/layout/list1"/>
     <dgm:cxn modelId="{6E576978-B3FD-4C1B-809F-54C977E97E3B}" type="presParOf" srcId="{2911B45A-3CCC-483F-9ADA-DB1E85926FFB}" destId="{6C84D589-3D29-46E5-B894-C7B3B54157B3}" srcOrd="1" destOrd="0" presId="urn:microsoft.com/office/officeart/2005/8/layout/list1"/>
@@ -3593,14 +3478,6 @@
         </dgm:presLayoutVars>
       </dgm:prSet>
       <dgm:spPr/>
-      <dgm:t>
-        <a:bodyPr/>
-        <a:lstStyle/>
-        <a:p>
-          <a:pPr latinLnBrk="1"/>
-          <a:endParaRPr lang="ko-KR" altLang="en-US"/>
-        </a:p>
-      </dgm:t>
     </dgm:pt>
     <dgm:pt modelId="{53DEC29D-B12A-46F6-98C1-1ED1B7E4DDFC}" type="pres">
       <dgm:prSet presAssocID="{AA1B0DE3-3EAB-4C5F-B81A-F9FC9FE4E3F9}" presName="linNode" presStyleCnt="0"/>
@@ -3614,14 +3491,6 @@
         </dgm:presLayoutVars>
       </dgm:prSet>
       <dgm:spPr/>
-      <dgm:t>
-        <a:bodyPr/>
-        <a:lstStyle/>
-        <a:p>
-          <a:pPr latinLnBrk="1"/>
-          <a:endParaRPr lang="ko-KR" altLang="en-US"/>
-        </a:p>
-      </dgm:t>
     </dgm:pt>
     <dgm:pt modelId="{A5F42C7E-7083-4421-9BF2-84491EE80078}" type="pres">
       <dgm:prSet presAssocID="{C44FF18F-145A-4E5D-AFBD-4C21F5423E75}" presName="sp" presStyleCnt="0"/>
@@ -3639,14 +3508,6 @@
         </dgm:presLayoutVars>
       </dgm:prSet>
       <dgm:spPr/>
-      <dgm:t>
-        <a:bodyPr/>
-        <a:lstStyle/>
-        <a:p>
-          <a:pPr latinLnBrk="1"/>
-          <a:endParaRPr lang="ko-KR" altLang="en-US"/>
-        </a:p>
-      </dgm:t>
     </dgm:pt>
     <dgm:pt modelId="{34B6A839-A20F-4CF7-B00A-063DD17D8D31}" type="pres">
       <dgm:prSet presAssocID="{518BF665-9809-4829-ADF6-6CB766C9F3ED}" presName="sp" presStyleCnt="0"/>
@@ -3664,14 +3525,6 @@
         </dgm:presLayoutVars>
       </dgm:prSet>
       <dgm:spPr/>
-      <dgm:t>
-        <a:bodyPr/>
-        <a:lstStyle/>
-        <a:p>
-          <a:pPr latinLnBrk="1"/>
-          <a:endParaRPr lang="ko-KR" altLang="en-US"/>
-        </a:p>
-      </dgm:t>
     </dgm:pt>
     <dgm:pt modelId="{EE97343B-7FF8-441C-84EC-F80623F4E7E1}" type="pres">
       <dgm:prSet presAssocID="{874F9B05-E128-4333-8546-0488834F6139}" presName="sp" presStyleCnt="0"/>
@@ -3689,14 +3542,6 @@
         </dgm:presLayoutVars>
       </dgm:prSet>
       <dgm:spPr/>
-      <dgm:t>
-        <a:bodyPr/>
-        <a:lstStyle/>
-        <a:p>
-          <a:pPr latinLnBrk="1"/>
-          <a:endParaRPr lang="ko-KR" altLang="en-US"/>
-        </a:p>
-      </dgm:t>
     </dgm:pt>
     <dgm:pt modelId="{F41A272F-614F-4495-8D7D-C981AF13CDF5}" type="pres">
       <dgm:prSet presAssocID="{036985E7-9B90-47B6-80DF-2DDD6429BC8C}" presName="sp" presStyleCnt="0"/>
@@ -3714,28 +3559,20 @@
         </dgm:presLayoutVars>
       </dgm:prSet>
       <dgm:spPr/>
-      <dgm:t>
-        <a:bodyPr/>
-        <a:lstStyle/>
-        <a:p>
-          <a:pPr latinLnBrk="1"/>
-          <a:endParaRPr lang="ko-KR" altLang="en-US"/>
-        </a:p>
-      </dgm:t>
     </dgm:pt>
   </dgm:ptLst>
   <dgm:cxnLst>
-    <dgm:cxn modelId="{473496BD-9C17-484F-9A32-6363EA53E15C}" srcId="{76225835-10C8-4734-A61F-DA67874C2778}" destId="{AA1B0DE3-3EAB-4C5F-B81A-F9FC9FE4E3F9}" srcOrd="0" destOrd="0" parTransId="{D5014A0B-8516-4734-AE23-901E4540CEE7}" sibTransId="{C44FF18F-145A-4E5D-AFBD-4C21F5423E75}"/>
-    <dgm:cxn modelId="{48346AA0-C8E1-4CCC-B53C-B38B2918F276}" type="presOf" srcId="{A3344EC7-D3A8-4352-8931-81B626DA081F}" destId="{6661ABF9-144D-4F90-8701-E37781515813}" srcOrd="0" destOrd="0" presId="urn:microsoft.com/office/officeart/2005/8/layout/vList5"/>
     <dgm:cxn modelId="{8276E303-A8C6-4597-B5B8-053C703FA182}" type="presOf" srcId="{76225835-10C8-4734-A61F-DA67874C2778}" destId="{56B488B9-BE1D-4D58-8C92-582187D96D42}" srcOrd="0" destOrd="0" presId="urn:microsoft.com/office/officeart/2005/8/layout/vList5"/>
-    <dgm:cxn modelId="{7D94EEFD-2D41-4F61-B791-8A4193FC32A9}" type="presOf" srcId="{CB942C7C-29CC-4D89-89A8-68F39A7F914C}" destId="{FC3B6A81-12AC-40E6-B9F1-BDFAA4D18571}" srcOrd="0" destOrd="0" presId="urn:microsoft.com/office/officeart/2005/8/layout/vList5"/>
+    <dgm:cxn modelId="{88C6B223-6688-44F8-85D2-51CBB2007B6E}" srcId="{76225835-10C8-4734-A61F-DA67874C2778}" destId="{36E7A554-83C8-4BE5-A8A2-7802FCFCFBF1}" srcOrd="2" destOrd="0" parTransId="{F487037A-F271-42D0-A915-508DBB988071}" sibTransId="{874F9B05-E128-4333-8546-0488834F6139}"/>
     <dgm:cxn modelId="{E4F8574F-0EE2-4160-8D41-D65CB212698B}" srcId="{76225835-10C8-4734-A61F-DA67874C2778}" destId="{CB942C7C-29CC-4D89-89A8-68F39A7F914C}" srcOrd="1" destOrd="0" parTransId="{A1DF2706-1A82-46EF-A4B1-00CFCB347659}" sibTransId="{518BF665-9809-4829-ADF6-6CB766C9F3ED}"/>
-    <dgm:cxn modelId="{88C6B223-6688-44F8-85D2-51CBB2007B6E}" srcId="{76225835-10C8-4734-A61F-DA67874C2778}" destId="{36E7A554-83C8-4BE5-A8A2-7802FCFCFBF1}" srcOrd="2" destOrd="0" parTransId="{F487037A-F271-42D0-A915-508DBB988071}" sibTransId="{874F9B05-E128-4333-8546-0488834F6139}"/>
-    <dgm:cxn modelId="{255AF8CD-F1A2-4E2D-A2DA-C694867C5563}" srcId="{76225835-10C8-4734-A61F-DA67874C2778}" destId="{CC4C83C0-57C0-478B-8420-363260E96CD3}" srcOrd="3" destOrd="0" parTransId="{3B8543D2-9603-4427-ABD4-49E0EC313EFF}" sibTransId="{036985E7-9B90-47B6-80DF-2DDD6429BC8C}"/>
-    <dgm:cxn modelId="{80A577CC-A4B9-436B-9D82-DB8D02C8E061}" type="presOf" srcId="{CC4C83C0-57C0-478B-8420-363260E96CD3}" destId="{4C3C772D-098E-4025-900B-D819C1264B42}" srcOrd="0" destOrd="0" presId="urn:microsoft.com/office/officeart/2005/8/layout/vList5"/>
     <dgm:cxn modelId="{C1858C7A-516F-4A62-B569-967A18BC1BBA}" type="presOf" srcId="{36E7A554-83C8-4BE5-A8A2-7802FCFCFBF1}" destId="{1452C410-7FAB-4A11-AA19-D5451CBC7AB5}" srcOrd="0" destOrd="0" presId="urn:microsoft.com/office/officeart/2005/8/layout/vList5"/>
     <dgm:cxn modelId="{9A26478D-27A1-496C-AE7E-727E867526E4}" type="presOf" srcId="{AA1B0DE3-3EAB-4C5F-B81A-F9FC9FE4E3F9}" destId="{FFD4CD8E-AF59-465D-9B6F-59DC9609942F}" srcOrd="0" destOrd="0" presId="urn:microsoft.com/office/officeart/2005/8/layout/vList5"/>
+    <dgm:cxn modelId="{48346AA0-C8E1-4CCC-B53C-B38B2918F276}" type="presOf" srcId="{A3344EC7-D3A8-4352-8931-81B626DA081F}" destId="{6661ABF9-144D-4F90-8701-E37781515813}" srcOrd="0" destOrd="0" presId="urn:microsoft.com/office/officeart/2005/8/layout/vList5"/>
     <dgm:cxn modelId="{C64E26B6-2797-48A3-9E32-75C6C7B87131}" srcId="{76225835-10C8-4734-A61F-DA67874C2778}" destId="{A3344EC7-D3A8-4352-8931-81B626DA081F}" srcOrd="4" destOrd="0" parTransId="{0606901E-982F-4ADA-AF6A-6D6ABB9B4389}" sibTransId="{0C1BCA35-E344-4A80-BE6C-0DEE1C1CD975}"/>
+    <dgm:cxn modelId="{473496BD-9C17-484F-9A32-6363EA53E15C}" srcId="{76225835-10C8-4734-A61F-DA67874C2778}" destId="{AA1B0DE3-3EAB-4C5F-B81A-F9FC9FE4E3F9}" srcOrd="0" destOrd="0" parTransId="{D5014A0B-8516-4734-AE23-901E4540CEE7}" sibTransId="{C44FF18F-145A-4E5D-AFBD-4C21F5423E75}"/>
+    <dgm:cxn modelId="{80A577CC-A4B9-436B-9D82-DB8D02C8E061}" type="presOf" srcId="{CC4C83C0-57C0-478B-8420-363260E96CD3}" destId="{4C3C772D-098E-4025-900B-D819C1264B42}" srcOrd="0" destOrd="0" presId="urn:microsoft.com/office/officeart/2005/8/layout/vList5"/>
+    <dgm:cxn modelId="{255AF8CD-F1A2-4E2D-A2DA-C694867C5563}" srcId="{76225835-10C8-4734-A61F-DA67874C2778}" destId="{CC4C83C0-57C0-478B-8420-363260E96CD3}" srcOrd="3" destOrd="0" parTransId="{3B8543D2-9603-4427-ABD4-49E0EC313EFF}" sibTransId="{036985E7-9B90-47B6-80DF-2DDD6429BC8C}"/>
+    <dgm:cxn modelId="{7D94EEFD-2D41-4F61-B791-8A4193FC32A9}" type="presOf" srcId="{CB942C7C-29CC-4D89-89A8-68F39A7F914C}" destId="{FC3B6A81-12AC-40E6-B9F1-BDFAA4D18571}" srcOrd="0" destOrd="0" presId="urn:microsoft.com/office/officeart/2005/8/layout/vList5"/>
     <dgm:cxn modelId="{A1321EA5-8B98-49A4-B262-3AE413BD2BD0}" type="presParOf" srcId="{56B488B9-BE1D-4D58-8C92-582187D96D42}" destId="{53DEC29D-B12A-46F6-98C1-1ED1B7E4DDFC}" srcOrd="0" destOrd="0" presId="urn:microsoft.com/office/officeart/2005/8/layout/vList5"/>
     <dgm:cxn modelId="{97E82C96-3634-4A35-9AE6-F4EBA7FE38EC}" type="presParOf" srcId="{53DEC29D-B12A-46F6-98C1-1ED1B7E4DDFC}" destId="{FFD4CD8E-AF59-465D-9B6F-59DC9609942F}" srcOrd="0" destOrd="0" presId="urn:microsoft.com/office/officeart/2005/8/layout/vList5"/>
     <dgm:cxn modelId="{97A4BF40-36EC-4671-B77A-D28553049E42}" type="presParOf" srcId="{56B488B9-BE1D-4D58-8C92-582187D96D42}" destId="{A5F42C7E-7083-4421-9BF2-84491EE80078}" srcOrd="1" destOrd="0" presId="urn:microsoft.com/office/officeart/2005/8/layout/vList5"/>
@@ -3819,12 +3656,12 @@
         </a:fontRef>
       </dsp:style>
       <dsp:txBody>
-        <a:bodyPr spcFirstLastPara="0" vert="horz" wrap="square" lIns="121920" tIns="121920" rIns="121920" bIns="121920" numCol="1" spcCol="1270" anchor="ctr" anchorCtr="0">
+        <a:bodyPr spcFirstLastPara="0" vert="horz" wrap="square" lIns="102870" tIns="102870" rIns="102870" bIns="102870" numCol="1" spcCol="1270" anchor="ctr" anchorCtr="0">
           <a:noAutofit/>
         </a:bodyPr>
         <a:lstStyle/>
         <a:p>
-          <a:pPr lvl="0" algn="ctr" defTabSz="1422400">
+          <a:pPr marL="0" lvl="0" indent="0" algn="ctr" defTabSz="1200150">
             <a:lnSpc>
               <a:spcPct val="90000"/>
             </a:lnSpc>
@@ -3834,12 +3671,32 @@
             <a:spcAft>
               <a:spcPct val="35000"/>
             </a:spcAft>
+            <a:buNone/>
           </a:pPr>
           <a:r>
-            <a:rPr lang="ko-KR" sz="3200" kern="1200"/>
+            <a:rPr lang="ko-KR" sz="2700" kern="1200" dirty="0"/>
             <a:t>팀 소개</a:t>
           </a:r>
-          <a:endParaRPr lang="en-US" sz="3200" kern="1200"/>
+          <a:endParaRPr lang="en-US" altLang="ko-KR" sz="2700" kern="1200" dirty="0"/>
+        </a:p>
+        <a:p>
+          <a:pPr marL="0" lvl="0" indent="0" algn="ctr" defTabSz="1200150">
+            <a:lnSpc>
+              <a:spcPct val="90000"/>
+            </a:lnSpc>
+            <a:spcBef>
+              <a:spcPct val="0"/>
+            </a:spcBef>
+            <a:spcAft>
+              <a:spcPct val="35000"/>
+            </a:spcAft>
+            <a:buNone/>
+          </a:pPr>
+          <a:r>
+            <a:rPr lang="en-US" sz="1400" kern="1200" dirty="0"/>
+            <a:t>(2019.3.25)</a:t>
+          </a:r>
+          <a:endParaRPr lang="en-US" sz="2700" kern="1200" dirty="0"/>
         </a:p>
       </dsp:txBody>
       <dsp:txXfrm>
@@ -3897,12 +3754,12 @@
         </a:fontRef>
       </dsp:style>
       <dsp:txBody>
-        <a:bodyPr spcFirstLastPara="0" vert="horz" wrap="square" lIns="121920" tIns="121920" rIns="121920" bIns="121920" numCol="1" spcCol="1270" anchor="ctr" anchorCtr="0">
+        <a:bodyPr spcFirstLastPara="0" vert="horz" wrap="square" lIns="106680" tIns="106680" rIns="106680" bIns="106680" numCol="1" spcCol="1270" anchor="ctr" anchorCtr="0">
           <a:noAutofit/>
         </a:bodyPr>
         <a:lstStyle/>
         <a:p>
-          <a:pPr lvl="0" algn="ctr" defTabSz="1422400">
+          <a:pPr marL="0" lvl="0" indent="0" algn="ctr" defTabSz="1244600">
             <a:lnSpc>
               <a:spcPct val="90000"/>
             </a:lnSpc>
@@ -3912,12 +3769,17 @@
             <a:spcAft>
               <a:spcPct val="35000"/>
             </a:spcAft>
+            <a:buNone/>
           </a:pPr>
           <a:r>
-            <a:rPr lang="ko-KR" sz="3200" kern="1200"/>
-            <a:t>프로젝트 소개 </a:t>
+            <a:rPr lang="ko-KR" altLang="en-US" sz="2800" kern="1200" dirty="0"/>
+            <a:t>패션 웹사이트</a:t>
           </a:r>
-          <a:endParaRPr lang="en-US" sz="3200" kern="1200"/>
+          <a:r>
+            <a:rPr lang="ko-KR" sz="2800" kern="1200" dirty="0"/>
+            <a:t> 소개 </a:t>
+          </a:r>
+          <a:endParaRPr lang="en-US" sz="2800" kern="1200" dirty="0"/>
         </a:p>
       </dsp:txBody>
       <dsp:txXfrm>
@@ -3975,12 +3837,12 @@
         </a:fontRef>
       </dsp:style>
       <dsp:txBody>
-        <a:bodyPr spcFirstLastPara="0" vert="horz" wrap="square" lIns="121920" tIns="121920" rIns="121920" bIns="121920" numCol="1" spcCol="1270" anchor="ctr" anchorCtr="0">
+        <a:bodyPr spcFirstLastPara="0" vert="horz" wrap="square" lIns="106680" tIns="106680" rIns="106680" bIns="106680" numCol="1" spcCol="1270" anchor="ctr" anchorCtr="0">
           <a:noAutofit/>
         </a:bodyPr>
         <a:lstStyle/>
         <a:p>
-          <a:pPr lvl="0" algn="ctr" defTabSz="1422400">
+          <a:pPr marL="0" lvl="0" indent="0" algn="ctr" defTabSz="1244600">
             <a:lnSpc>
               <a:spcPct val="90000"/>
             </a:lnSpc>
@@ -3990,15 +3852,13 @@
             <a:spcAft>
               <a:spcPct val="35000"/>
             </a:spcAft>
+            <a:buNone/>
           </a:pPr>
           <a:r>
-            <a:rPr lang="ko-KR" sz="3200" kern="1200"/>
-            <a:t>무엇을 만들 것 인가</a:t>
+            <a:rPr lang="ko-KR" altLang="en-US" sz="2800" kern="1200" dirty="0"/>
+            <a:t>패션 웹 구현 목표</a:t>
           </a:r>
-          <a:r>
-            <a:rPr lang="en-US" sz="3200" kern="1200"/>
-            <a:t>?</a:t>
-          </a:r>
+          <a:endParaRPr lang="en-US" sz="2800" kern="1200" dirty="0"/>
         </a:p>
       </dsp:txBody>
       <dsp:txXfrm>
@@ -4056,12 +3916,12 @@
         </a:fontRef>
       </dsp:style>
       <dsp:txBody>
-        <a:bodyPr spcFirstLastPara="0" vert="horz" wrap="square" lIns="121920" tIns="121920" rIns="121920" bIns="121920" numCol="1" spcCol="1270" anchor="ctr" anchorCtr="0">
+        <a:bodyPr spcFirstLastPara="0" vert="horz" wrap="square" lIns="106680" tIns="106680" rIns="106680" bIns="106680" numCol="1" spcCol="1270" anchor="ctr" anchorCtr="0">
           <a:noAutofit/>
         </a:bodyPr>
         <a:lstStyle/>
         <a:p>
-          <a:pPr lvl="0" algn="ctr" defTabSz="1422400">
+          <a:pPr marL="0" lvl="0" indent="0" algn="ctr" defTabSz="1244600">
             <a:lnSpc>
               <a:spcPct val="90000"/>
             </a:lnSpc>
@@ -4071,15 +3931,13 @@
             <a:spcAft>
               <a:spcPct val="35000"/>
             </a:spcAft>
+            <a:buNone/>
           </a:pPr>
           <a:r>
-            <a:rPr lang="ko-KR" sz="3200" kern="1200"/>
-            <a:t>어떻게 만들 것 인가</a:t>
+            <a:rPr lang="ko-KR" altLang="en-US" sz="2800" kern="1200" dirty="0"/>
+            <a:t>패션 웹 구현 방법</a:t>
           </a:r>
-          <a:r>
-            <a:rPr lang="en-US" sz="3200" kern="1200"/>
-            <a:t>?</a:t>
-          </a:r>
+          <a:endParaRPr lang="en-US" sz="2800" kern="1200" dirty="0"/>
         </a:p>
       </dsp:txBody>
       <dsp:txXfrm>
@@ -4137,12 +3995,12 @@
         </a:fontRef>
       </dsp:style>
       <dsp:txBody>
-        <a:bodyPr spcFirstLastPara="0" vert="horz" wrap="square" lIns="121920" tIns="121920" rIns="121920" bIns="121920" numCol="1" spcCol="1270" anchor="ctr" anchorCtr="0">
+        <a:bodyPr spcFirstLastPara="0" vert="horz" wrap="square" lIns="106680" tIns="106680" rIns="106680" bIns="106680" numCol="1" spcCol="1270" anchor="ctr" anchorCtr="0">
           <a:noAutofit/>
         </a:bodyPr>
         <a:lstStyle/>
         <a:p>
-          <a:pPr lvl="0" algn="ctr" defTabSz="1422400">
+          <a:pPr marL="0" lvl="0" indent="0" algn="ctr" defTabSz="1244600">
             <a:lnSpc>
               <a:spcPct val="90000"/>
             </a:lnSpc>
@@ -4152,12 +4010,21 @@
             <a:spcAft>
               <a:spcPct val="35000"/>
             </a:spcAft>
+            <a:buNone/>
           </a:pPr>
           <a:r>
-            <a:rPr lang="ko-KR" sz="3200" kern="1200"/>
-            <a:t>개발일정</a:t>
+            <a:rPr lang="ko-KR" sz="2800" kern="1200" dirty="0"/>
+            <a:t>개발</a:t>
           </a:r>
-          <a:endParaRPr lang="en-US" sz="3200" kern="1200"/>
+          <a:r>
+            <a:rPr lang="en-US" altLang="ko-KR" sz="2800" kern="1200" dirty="0"/>
+            <a:t> </a:t>
+          </a:r>
+          <a:r>
+            <a:rPr lang="ko-KR" sz="2800" kern="1200" dirty="0"/>
+            <a:t>일정</a:t>
+          </a:r>
+          <a:endParaRPr lang="en-US" sz="2800" kern="1200" dirty="0"/>
         </a:p>
       </dsp:txBody>
       <dsp:txXfrm>
@@ -4215,12 +4082,12 @@
         </a:fontRef>
       </dsp:style>
       <dsp:txBody>
-        <a:bodyPr spcFirstLastPara="0" vert="horz" wrap="square" lIns="121920" tIns="121920" rIns="121920" bIns="121920" numCol="1" spcCol="1270" anchor="ctr" anchorCtr="0">
+        <a:bodyPr spcFirstLastPara="0" vert="horz" wrap="square" lIns="106680" tIns="106680" rIns="106680" bIns="106680" numCol="1" spcCol="1270" anchor="ctr" anchorCtr="0">
           <a:noAutofit/>
         </a:bodyPr>
         <a:lstStyle/>
         <a:p>
-          <a:pPr lvl="0" algn="ctr" defTabSz="1422400">
+          <a:pPr marL="0" lvl="0" indent="0" algn="ctr" defTabSz="1244600">
             <a:lnSpc>
               <a:spcPct val="90000"/>
             </a:lnSpc>
@@ -4230,9 +4097,10 @@
             <a:spcAft>
               <a:spcPct val="35000"/>
             </a:spcAft>
+            <a:buNone/>
           </a:pPr>
           <a:r>
-            <a:rPr lang="en-US" sz="3200" kern="1200"/>
+            <a:rPr lang="en-US" sz="2800" kern="1200"/>
             <a:t>Q&amp;A</a:t>
           </a:r>
         </a:p>
@@ -4358,7 +4226,7 @@
         </a:bodyPr>
         <a:lstStyle/>
         <a:p>
-          <a:pPr lvl="0" algn="l" defTabSz="1066800">
+          <a:pPr marL="0" lvl="0" indent="0" algn="l" defTabSz="1066800">
             <a:lnSpc>
               <a:spcPct val="90000"/>
             </a:lnSpc>
@@ -4368,6 +4236,7 @@
             <a:spcAft>
               <a:spcPct val="35000"/>
             </a:spcAft>
+            <a:buNone/>
           </a:pPr>
           <a:r>
             <a:rPr lang="ko-KR" sz="2400" b="1" kern="1200" dirty="0"/>
@@ -4485,7 +4354,7 @@
         </a:bodyPr>
         <a:lstStyle/>
         <a:p>
-          <a:pPr lvl="0" algn="l" defTabSz="1066800">
+          <a:pPr marL="0" lvl="0" indent="0" algn="l" defTabSz="1066800">
             <a:lnSpc>
               <a:spcPct val="90000"/>
             </a:lnSpc>
@@ -4495,6 +4364,7 @@
             <a:spcAft>
               <a:spcPct val="35000"/>
             </a:spcAft>
+            <a:buNone/>
           </a:pPr>
           <a:r>
             <a:rPr lang="ko-KR" sz="2400" b="1" kern="1200" dirty="0"/>
@@ -4612,7 +4482,7 @@
         </a:bodyPr>
         <a:lstStyle/>
         <a:p>
-          <a:pPr lvl="0" algn="l" defTabSz="1066800">
+          <a:pPr marL="0" lvl="0" indent="0" algn="l" defTabSz="1066800">
             <a:lnSpc>
               <a:spcPct val="90000"/>
             </a:lnSpc>
@@ -4622,6 +4492,7 @@
             <a:spcAft>
               <a:spcPct val="35000"/>
             </a:spcAft>
+            <a:buNone/>
           </a:pPr>
           <a:r>
             <a:rPr lang="ko-KR" sz="2400" b="1" kern="1200" dirty="0"/>
@@ -4739,7 +4610,7 @@
         </a:bodyPr>
         <a:lstStyle/>
         <a:p>
-          <a:pPr lvl="0" algn="l" defTabSz="1066800">
+          <a:pPr marL="0" lvl="0" indent="0" algn="l" defTabSz="1066800">
             <a:lnSpc>
               <a:spcPct val="90000"/>
             </a:lnSpc>
@@ -4749,6 +4620,7 @@
             <a:spcAft>
               <a:spcPct val="35000"/>
             </a:spcAft>
+            <a:buNone/>
           </a:pPr>
           <a:r>
             <a:rPr lang="ko-KR" sz="2400" b="1" kern="1200" dirty="0"/>
@@ -4830,7 +4702,7 @@
         </a:bodyPr>
         <a:lstStyle/>
         <a:p>
-          <a:pPr lvl="0" algn="ctr" defTabSz="622300">
+          <a:pPr marL="0" lvl="0" indent="0" algn="ctr" defTabSz="622300">
             <a:lnSpc>
               <a:spcPct val="90000"/>
             </a:lnSpc>
@@ -4840,6 +4712,7 @@
             <a:spcAft>
               <a:spcPct val="35000"/>
             </a:spcAft>
+            <a:buNone/>
           </a:pPr>
           <a:r>
             <a:rPr lang="ko-KR" sz="1400" kern="1200" dirty="0"/>
@@ -4925,7 +4798,7 @@
         </a:bodyPr>
         <a:lstStyle/>
         <a:p>
-          <a:pPr lvl="0" algn="ctr" defTabSz="622300">
+          <a:pPr marL="0" lvl="0" indent="0" algn="ctr" defTabSz="622300">
             <a:lnSpc>
               <a:spcPct val="90000"/>
             </a:lnSpc>
@@ -4935,6 +4808,7 @@
             <a:spcAft>
               <a:spcPct val="35000"/>
             </a:spcAft>
+            <a:buNone/>
           </a:pPr>
           <a:r>
             <a:rPr lang="en-US" sz="1400" kern="1200" dirty="0"/>
@@ -5032,7 +4906,7 @@
         </a:bodyPr>
         <a:lstStyle/>
         <a:p>
-          <a:pPr lvl="0" algn="ctr" defTabSz="622300">
+          <a:pPr marL="0" lvl="0" indent="0" algn="ctr" defTabSz="622300">
             <a:lnSpc>
               <a:spcPct val="90000"/>
             </a:lnSpc>
@@ -5042,6 +4916,7 @@
             <a:spcAft>
               <a:spcPct val="35000"/>
             </a:spcAft>
+            <a:buNone/>
           </a:pPr>
           <a:r>
             <a:rPr lang="ko-KR" sz="1400" kern="1200"/>
@@ -5111,7 +4986,7 @@
         </a:bodyPr>
         <a:lstStyle/>
         <a:p>
-          <a:pPr lvl="0" algn="ctr" defTabSz="622300">
+          <a:pPr marL="0" lvl="0" indent="0" algn="ctr" defTabSz="622300">
             <a:lnSpc>
               <a:spcPct val="90000"/>
             </a:lnSpc>
@@ -5121,6 +4996,7 @@
             <a:spcAft>
               <a:spcPct val="35000"/>
             </a:spcAft>
+            <a:buNone/>
           </a:pPr>
           <a:r>
             <a:rPr lang="en-US" sz="1400" kern="1200"/>
@@ -5194,7 +5070,7 @@
         </a:bodyPr>
         <a:lstStyle/>
         <a:p>
-          <a:pPr lvl="0" algn="ctr" defTabSz="622300">
+          <a:pPr marL="0" lvl="0" indent="0" algn="ctr" defTabSz="622300">
             <a:lnSpc>
               <a:spcPct val="90000"/>
             </a:lnSpc>
@@ -5204,6 +5080,7 @@
             <a:spcAft>
               <a:spcPct val="35000"/>
             </a:spcAft>
+            <a:buNone/>
           </a:pPr>
           <a:r>
             <a:rPr lang="ko-KR" sz="1400" kern="1200"/>
@@ -12833,7 +12710,7 @@
           <a:lstStyle/>
           <a:p>
             <a:r>
-              <a:rPr lang="ko-KR" altLang="en-US" dirty="0" err="1" smtClean="0"/>
+              <a:rPr lang="ko-KR" altLang="en-US" dirty="0" err="1"/>
               <a:t>팀명</a:t>
             </a:r>
             <a:r>
@@ -12841,111 +12718,54 @@
               <a:t>:</a:t>
             </a:r>
             <a:r>
-              <a:rPr lang="ko-KR" altLang="en-US" dirty="0" err="1" smtClean="0"/>
+              <a:rPr lang="ko-KR" altLang="en-US" dirty="0" err="1"/>
               <a:t>패피</a:t>
             </a:r>
             <a:r>
-              <a:rPr lang="en-US" altLang="ko-KR" dirty="0" smtClean="0"/>
+              <a:rPr lang="en-US" altLang="ko-KR" dirty="0"/>
               <a:t>(Fashion people)</a:t>
+            </a:r>
+          </a:p>
+          <a:p>
+            <a:r>
+              <a:rPr lang="ko-KR" altLang="en-US" dirty="0"/>
+              <a:t>담당교수</a:t>
+            </a:r>
+            <a:r>
+              <a:rPr lang="en-US" altLang="ko-KR" dirty="0"/>
+              <a:t>:</a:t>
+            </a:r>
+            <a:r>
+              <a:rPr lang="ko-KR" altLang="en-US" dirty="0"/>
+              <a:t>정현숙 </a:t>
             </a:r>
             <a:endParaRPr lang="en-US" altLang="ko-KR" dirty="0"/>
           </a:p>
           <a:p>
             <a:r>
               <a:rPr lang="ko-KR" altLang="en-US" dirty="0"/>
-              <a:t>담당교수</a:t>
-            </a:r>
-            <a:r>
-              <a:rPr lang="en-US" altLang="ko-KR" dirty="0"/>
-              <a:t>:</a:t>
-            </a:r>
-            <a:r>
-              <a:rPr lang="ko-KR" altLang="en-US" dirty="0"/>
-              <a:t>정현숙 </a:t>
+              <a:t>천승현★</a:t>
             </a:r>
             <a:endParaRPr lang="en-US" altLang="ko-KR" dirty="0"/>
           </a:p>
           <a:p>
             <a:r>
-              <a:rPr lang="ko-KR" altLang="en-US" dirty="0" smtClean="0"/>
-              <a:t>천승</a:t>
-            </a:r>
-            <a:r>
-              <a:rPr lang="ko-KR" altLang="en-US" dirty="0"/>
-              <a:t>현</a:t>
-            </a:r>
-            <a:r>
-              <a:rPr lang="en-US" altLang="ko-KR" dirty="0" smtClean="0"/>
-              <a:t>(</a:t>
-            </a:r>
-            <a:r>
-              <a:rPr lang="en-US" altLang="ko-KR" dirty="0" err="1" smtClean="0"/>
-              <a:t>CheonSeounghyun</a:t>
-            </a:r>
-            <a:r>
-              <a:rPr lang="en-US" altLang="ko-KR" dirty="0" smtClean="0"/>
-              <a:t>)</a:t>
-            </a:r>
-            <a:r>
-              <a:rPr lang="ko-KR" altLang="en-US" dirty="0" smtClean="0"/>
-              <a:t>★</a:t>
+              <a:rPr lang="ko-KR" altLang="en-US" dirty="0" err="1"/>
+              <a:t>이유겸</a:t>
             </a:r>
             <a:endParaRPr lang="en-US" altLang="ko-KR" dirty="0"/>
           </a:p>
           <a:p>
             <a:r>
-              <a:rPr lang="ko-KR" altLang="en-US" dirty="0" err="1" smtClean="0"/>
-              <a:t>이유겸</a:t>
-            </a:r>
-            <a:r>
-              <a:rPr lang="en-US" altLang="ko-KR" dirty="0" smtClean="0"/>
-              <a:t>(</a:t>
-            </a:r>
-            <a:r>
-              <a:rPr lang="en-US" altLang="ko-KR" dirty="0" err="1" smtClean="0"/>
-              <a:t>LeeYooKyum</a:t>
-            </a:r>
-            <a:r>
-              <a:rPr lang="en-US" altLang="ko-KR" dirty="0" smtClean="0"/>
-              <a:t>)</a:t>
+              <a:rPr lang="ko-KR" altLang="en-US" dirty="0" err="1"/>
+              <a:t>최예솜</a:t>
             </a:r>
             <a:endParaRPr lang="en-US" altLang="ko-KR" dirty="0"/>
           </a:p>
           <a:p>
             <a:r>
-              <a:rPr lang="ko-KR" altLang="en-US" dirty="0" err="1" smtClean="0"/>
-              <a:t>최예솜</a:t>
-            </a:r>
-            <a:r>
-              <a:rPr lang="en-US" altLang="ko-KR" dirty="0" smtClean="0"/>
-              <a:t>(</a:t>
-            </a:r>
-            <a:r>
-              <a:rPr lang="en-US" altLang="ko-KR" dirty="0" err="1" smtClean="0"/>
-              <a:t>choiyesom</a:t>
-            </a:r>
-            <a:r>
-              <a:rPr lang="en-US" altLang="ko-KR" dirty="0" smtClean="0"/>
-              <a:t>)</a:t>
-            </a:r>
-            <a:endParaRPr lang="en-US" altLang="ko-KR" dirty="0"/>
-          </a:p>
-          <a:p>
-            <a:r>
-              <a:rPr lang="ko-KR" altLang="en-US" dirty="0" smtClean="0"/>
+              <a:rPr lang="ko-KR" altLang="en-US" dirty="0"/>
               <a:t>박지혜</a:t>
-            </a:r>
-            <a:r>
-              <a:rPr lang="en-US" altLang="ko-KR" dirty="0" smtClean="0"/>
-              <a:t>(</a:t>
-            </a:r>
-            <a:r>
-              <a:rPr lang="en-US" altLang="ko-KR" dirty="0" err="1" smtClean="0"/>
-              <a:t>jyehh</a:t>
-            </a:r>
-            <a:r>
-              <a:rPr lang="en-US" altLang="ko-KR" dirty="0" smtClean="0"/>
-              <a:t>)</a:t>
             </a:r>
             <a:endParaRPr lang="en-US" altLang="ko-KR" dirty="0"/>
           </a:p>
@@ -13044,7 +12864,7 @@
           <a:lstStyle/>
           <a:p>
             <a:r>
-              <a:rPr lang="ko-KR" altLang="en-US" dirty="0"/>
+              <a:rPr lang="ko-KR" altLang="en-US" b="1" dirty="0"/>
               <a:t>개발일정</a:t>
             </a:r>
           </a:p>
@@ -13350,7 +13170,7 @@
           <a:lstStyle/>
           <a:p>
             <a:r>
-              <a:rPr lang="ko-KR" altLang="en-US" dirty="0"/>
+              <a:rPr lang="ko-KR" altLang="en-US" b="1" dirty="0"/>
               <a:t>개발일정표</a:t>
             </a:r>
           </a:p>
@@ -16305,7 +16125,7 @@
           <a:lstStyle/>
           <a:p>
             <a:r>
-              <a:rPr lang="ko-KR" altLang="en-US" dirty="0"/>
+              <a:rPr lang="ko-KR" altLang="en-US" b="1" dirty="0"/>
               <a:t>참조</a:t>
             </a:r>
           </a:p>
@@ -16347,6 +16167,33 @@
                 <a:hlinkClick r:id="rId2"/>
               </a:rPr>
               <a:t>https://github.com/CheonSeounghyun/Fashion-Recommend-  Website</a:t>
+            </a:r>
+            <a:endParaRPr lang="en-US" altLang="ko-KR" dirty="0"/>
+          </a:p>
+          <a:p>
+            <a:r>
+              <a:rPr lang="en-US" altLang="ko-KR" dirty="0">
+                <a:hlinkClick r:id="rId3"/>
+              </a:rPr>
+              <a:t>http://chittagongit.com/icon/clothing-icon-png-8.html</a:t>
+            </a:r>
+            <a:endParaRPr lang="en-US" altLang="ko-KR" dirty="0"/>
+          </a:p>
+          <a:p>
+            <a:r>
+              <a:rPr lang="en-US" altLang="ko-KR" dirty="0">
+                <a:hlinkClick r:id="rId4"/>
+              </a:rPr>
+              <a:t>https://duzi077.tistory.com/126</a:t>
+            </a:r>
+            <a:endParaRPr lang="en-US" altLang="ko-KR" dirty="0"/>
+          </a:p>
+          <a:p>
+            <a:r>
+              <a:rPr lang="en-US" altLang="ko-KR" dirty="0">
+                <a:hlinkClick r:id="rId5"/>
+              </a:rPr>
+              <a:t>https://cupjoo.tistory.com/category/%EC%9B%B9/Django</a:t>
             </a:r>
             <a:endParaRPr lang="en-US" altLang="ko-KR" dirty="0"/>
           </a:p>
@@ -16816,7 +16663,7 @@
             <p:ph idx="1"/>
             <p:extLst>
               <p:ext uri="{D42A27DB-BD31-4B8C-83A1-F6EECF244321}">
-                <p14:modId xmlns:p14="http://schemas.microsoft.com/office/powerpoint/2010/main" val="2927410321"/>
+                <p14:modId xmlns:p14="http://schemas.microsoft.com/office/powerpoint/2010/main" val="595270318"/>
               </p:ext>
             </p:extLst>
           </p:nvPr>
@@ -16861,6 +16708,73 @@
           <a:chExt cx="0" cy="0"/>
         </a:xfrm>
       </p:grpSpPr>
+      <p:pic>
+        <p:nvPicPr>
+          <p:cNvPr id="17" name="그림 16">
+            <a:extLst>
+              <a:ext uri="{FF2B5EF4-FFF2-40B4-BE49-F238E27FC236}">
+                <a16:creationId xmlns:a16="http://schemas.microsoft.com/office/drawing/2014/main" id="{A9E07A55-9CA4-4774-BD4A-88CEF423CB59}"/>
+              </a:ext>
+            </a:extLst>
+          </p:cNvPr>
+          <p:cNvPicPr>
+            <a:picLocks noChangeAspect="1"/>
+          </p:cNvPicPr>
+          <p:nvPr/>
+        </p:nvPicPr>
+        <p:blipFill rotWithShape="1">
+          <a:blip r:embed="rId2">
+            <a:extLst>
+              <a:ext uri="{28A0092B-C50C-407E-A947-70E740481C1C}">
+                <a14:useLocalDpi xmlns:a14="http://schemas.microsoft.com/office/drawing/2010/main" val="0"/>
+              </a:ext>
+            </a:extLst>
+          </a:blip>
+          <a:srcRect t="27572" b="12963"/>
+          <a:stretch/>
+        </p:blipFill>
+        <p:spPr>
+          <a:xfrm>
+            <a:off x="7353300" y="3748980"/>
+            <a:ext cx="3867150" cy="2299602"/>
+          </a:xfrm>
+          <a:prstGeom prst="rect">
+            <a:avLst/>
+          </a:prstGeom>
+          <a:solidFill>
+            <a:srgbClr val="FFFFFF">
+              <a:shade val="85000"/>
+            </a:srgbClr>
+          </a:solidFill>
+          <a:ln w="190500" cap="sq">
+            <a:solidFill>
+              <a:srgbClr val="FFFFFF"/>
+            </a:solidFill>
+            <a:miter lim="800000"/>
+          </a:ln>
+          <a:effectLst>
+            <a:outerShdw blurRad="65000" dist="50800" dir="12900000" kx="195000" ky="145000" algn="tl" rotWithShape="0">
+              <a:srgbClr val="000000">
+                <a:alpha val="30000"/>
+              </a:srgbClr>
+            </a:outerShdw>
+          </a:effectLst>
+          <a:scene3d>
+            <a:camera prst="orthographicFront">
+              <a:rot lat="0" lon="0" rev="360000"/>
+            </a:camera>
+            <a:lightRig rig="twoPt" dir="t">
+              <a:rot lat="0" lon="0" rev="7200000"/>
+            </a:lightRig>
+          </a:scene3d>
+          <a:sp3d contourW="12700">
+            <a:bevelT w="25400" h="19050"/>
+            <a:contourClr>
+              <a:srgbClr val="969696"/>
+            </a:contourClr>
+          </a:sp3d>
+        </p:spPr>
+      </p:pic>
       <p:sp>
         <p:nvSpPr>
           <p:cNvPr id="2" name="제목 1">
@@ -16879,11 +16793,13 @@
         </p:nvSpPr>
         <p:spPr/>
         <p:txBody>
-          <a:bodyPr/>
+          <a:bodyPr>
+            <a:normAutofit/>
+          </a:bodyPr>
           <a:lstStyle/>
           <a:p>
             <a:r>
-              <a:rPr lang="ko-KR" altLang="en-US" dirty="0"/>
+              <a:rPr lang="ko-KR" altLang="en-US" sz="5400" b="1" dirty="0"/>
               <a:t>팀 소개</a:t>
             </a:r>
           </a:p>
@@ -16964,7 +16880,7 @@
           <p:nvPr/>
         </p:nvPicPr>
         <p:blipFill rotWithShape="1">
-          <a:blip r:embed="rId2"/>
+          <a:blip r:embed="rId3"/>
           <a:srcRect l="11848" t="-809" r="188" b="1425"/>
           <a:stretch/>
         </p:blipFill>
@@ -16976,6 +16892,16 @@
           <a:prstGeom prst="rect">
             <a:avLst/>
           </a:prstGeom>
+          <a:ln>
+            <a:noFill/>
+          </a:ln>
+          <a:effectLst>
+            <a:outerShdw blurRad="292100" dist="139700" dir="2700000" algn="tl" rotWithShape="0">
+              <a:srgbClr val="333333">
+                <a:alpha val="65000"/>
+              </a:srgbClr>
+            </a:outerShdw>
+          </a:effectLst>
         </p:spPr>
       </p:pic>
       <p:sp>
@@ -16986,7 +16912,7 @@
         </p:nvSpPr>
         <p:spPr>
           <a:xfrm>
-            <a:off x="8522918" y="2161604"/>
+            <a:off x="9039225" y="1418802"/>
             <a:ext cx="2830882" cy="923330"/>
           </a:xfrm>
           <a:prstGeom prst="rect">
@@ -17001,7 +16927,10 @@
           <a:lstStyle/>
           <a:p>
             <a:r>
-              <a:rPr lang="ko-KR" altLang="en-US" dirty="0"/>
+              <a:rPr lang="ko-KR" altLang="en-US" b="1" dirty="0">
+                <a:latin typeface="휴먼엑스포" panose="02030504000101010101" pitchFamily="18" charset="-127"/>
+                <a:ea typeface="휴먼엑스포" panose="02030504000101010101" pitchFamily="18" charset="-127"/>
+              </a:rPr>
               <a:t>천승현</a:t>
             </a:r>
             <a:r>
@@ -17016,14 +16945,13 @@
               <a:rPr lang="en-US" altLang="ko-KR" dirty="0"/>
               <a:t>) </a:t>
             </a:r>
-            <a:endParaRPr lang="en-US" altLang="ko-KR" dirty="0" smtClean="0"/>
           </a:p>
           <a:p>
             <a:r>
-              <a:rPr lang="ko-KR" altLang="en-US" dirty="0" smtClean="0"/>
+              <a:rPr lang="ko-KR" altLang="en-US" dirty="0"/>
               <a:t>알고리즘 구현</a:t>
             </a:r>
-            <a:endParaRPr lang="en-US" altLang="ko-KR" dirty="0" smtClean="0"/>
+            <a:endParaRPr lang="en-US" altLang="ko-KR" dirty="0"/>
           </a:p>
         </p:txBody>
       </p:sp>
@@ -17035,7 +16963,7 @@
         </p:nvSpPr>
         <p:spPr>
           <a:xfrm>
-            <a:off x="3896686" y="947576"/>
+            <a:off x="5808423" y="680138"/>
             <a:ext cx="2855934" cy="1200329"/>
           </a:xfrm>
           <a:prstGeom prst="rect">
@@ -17050,14 +16978,20 @@
           <a:lstStyle/>
           <a:p>
             <a:r>
-              <a:rPr lang="ko-KR" altLang="en-US" dirty="0" err="1" smtClean="0"/>
+              <a:rPr lang="ko-KR" altLang="en-US" b="1" dirty="0" err="1">
+                <a:latin typeface="휴먼엑스포" panose="02030504000101010101" pitchFamily="18" charset="-127"/>
+                <a:ea typeface="휴먼엑스포" panose="02030504000101010101" pitchFamily="18" charset="-127"/>
+              </a:rPr>
               <a:t>이유겸</a:t>
             </a:r>
-            <a:endParaRPr lang="en-US" altLang="ko-KR" dirty="0" smtClean="0"/>
+            <a:endParaRPr lang="en-US" altLang="ko-KR" b="1" dirty="0">
+              <a:latin typeface="휴먼엑스포" panose="02030504000101010101" pitchFamily="18" charset="-127"/>
+              <a:ea typeface="휴먼엑스포" panose="02030504000101010101" pitchFamily="18" charset="-127"/>
+            </a:endParaRPr>
           </a:p>
           <a:p>
             <a:r>
-              <a:rPr lang="en-US" altLang="ko-KR" dirty="0" smtClean="0"/>
+              <a:rPr lang="en-US" altLang="ko-KR" dirty="0"/>
               <a:t>(</a:t>
             </a:r>
             <a:r>
@@ -17065,13 +16999,13 @@
               <a:t>LeeYooKyum</a:t>
             </a:r>
             <a:r>
-              <a:rPr lang="en-US" altLang="ko-KR" dirty="0" smtClean="0"/>
+              <a:rPr lang="en-US" altLang="ko-KR" dirty="0"/>
               <a:t>)</a:t>
             </a:r>
           </a:p>
           <a:p>
             <a:r>
-              <a:rPr lang="ko-KR" altLang="en-US" dirty="0" smtClean="0"/>
+              <a:rPr lang="ko-KR" altLang="en-US" dirty="0"/>
               <a:t>보고서 작성 및 검토</a:t>
             </a:r>
             <a:endParaRPr lang="en-US" altLang="ko-KR" dirty="0"/>
@@ -17089,7 +17023,7 @@
         </p:nvSpPr>
         <p:spPr>
           <a:xfrm>
-            <a:off x="638827" y="3081230"/>
+            <a:off x="567805" y="3821760"/>
             <a:ext cx="2181712" cy="1200329"/>
           </a:xfrm>
           <a:prstGeom prst="rect">
@@ -17104,14 +17038,20 @@
           <a:lstStyle/>
           <a:p>
             <a:r>
-              <a:rPr lang="ko-KR" altLang="en-US" dirty="0" err="1" smtClean="0"/>
+              <a:rPr lang="ko-KR" altLang="en-US" b="1" dirty="0" err="1">
+                <a:latin typeface="휴먼엑스포" panose="02030504000101010101" pitchFamily="18" charset="-127"/>
+                <a:ea typeface="휴먼엑스포" panose="02030504000101010101" pitchFamily="18" charset="-127"/>
+              </a:rPr>
               <a:t>최예솜</a:t>
             </a:r>
-            <a:endParaRPr lang="en-US" altLang="ko-KR" dirty="0" smtClean="0"/>
+            <a:endParaRPr lang="en-US" altLang="ko-KR" b="1" dirty="0">
+              <a:latin typeface="휴먼엑스포" panose="02030504000101010101" pitchFamily="18" charset="-127"/>
+              <a:ea typeface="휴먼엑스포" panose="02030504000101010101" pitchFamily="18" charset="-127"/>
+            </a:endParaRPr>
           </a:p>
           <a:p>
             <a:r>
-              <a:rPr lang="en-US" altLang="ko-KR" dirty="0" smtClean="0"/>
+              <a:rPr lang="en-US" altLang="ko-KR" dirty="0"/>
               <a:t>(</a:t>
             </a:r>
             <a:r>
@@ -17119,13 +17059,13 @@
               <a:t>choiyesom</a:t>
             </a:r>
             <a:r>
-              <a:rPr lang="en-US" altLang="ko-KR" dirty="0" smtClean="0"/>
+              <a:rPr lang="en-US" altLang="ko-KR" dirty="0"/>
               <a:t>)</a:t>
             </a:r>
           </a:p>
           <a:p>
             <a:r>
-              <a:rPr lang="ko-KR" altLang="en-US" dirty="0" smtClean="0"/>
+              <a:rPr lang="ko-KR" altLang="en-US" dirty="0"/>
               <a:t>웹 사이트 구축</a:t>
             </a:r>
             <a:endParaRPr lang="en-US" altLang="ko-KR" dirty="0"/>
@@ -17143,7 +17083,7 @@
         </p:nvSpPr>
         <p:spPr>
           <a:xfrm>
-            <a:off x="4389329" y="5156021"/>
+            <a:off x="2749517" y="5276348"/>
             <a:ext cx="2838189" cy="1200329"/>
           </a:xfrm>
           <a:prstGeom prst="rect">
@@ -17158,32 +17098,38 @@
           <a:lstStyle/>
           <a:p>
             <a:r>
-              <a:rPr lang="ko-KR" altLang="en-US" dirty="0" smtClean="0"/>
+              <a:rPr lang="ko-KR" altLang="en-US" b="1" dirty="0">
+                <a:latin typeface="휴먼엑스포" panose="02030504000101010101" pitchFamily="18" charset="-127"/>
+                <a:ea typeface="휴먼엑스포" panose="02030504000101010101" pitchFamily="18" charset="-127"/>
+              </a:rPr>
               <a:t>박지혜</a:t>
             </a:r>
-            <a:endParaRPr lang="en-US" altLang="ko-KR" dirty="0" smtClean="0"/>
+            <a:endParaRPr lang="en-US" altLang="ko-KR" b="1" dirty="0">
+              <a:latin typeface="휴먼엑스포" panose="02030504000101010101" pitchFamily="18" charset="-127"/>
+              <a:ea typeface="휴먼엑스포" panose="02030504000101010101" pitchFamily="18" charset="-127"/>
+            </a:endParaRPr>
           </a:p>
           <a:p>
             <a:r>
-              <a:rPr lang="en-US" altLang="ko-KR" dirty="0" smtClean="0"/>
+              <a:rPr lang="en-US" altLang="ko-KR" dirty="0"/>
               <a:t>(</a:t>
             </a:r>
             <a:r>
-              <a:rPr lang="en-US" altLang="ko-KR" dirty="0" err="1" smtClean="0"/>
+              <a:rPr lang="en-US" altLang="ko-KR" dirty="0" err="1"/>
               <a:t>Parkjihye</a:t>
             </a:r>
             <a:r>
-              <a:rPr lang="en-US" altLang="ko-KR" dirty="0" smtClean="0"/>
+              <a:rPr lang="en-US" altLang="ko-KR" dirty="0"/>
               <a:t>)</a:t>
             </a:r>
           </a:p>
           <a:p>
             <a:r>
-              <a:rPr lang="en-US" altLang="ko-KR" dirty="0" smtClean="0"/>
+              <a:rPr lang="en-US" altLang="ko-KR" dirty="0"/>
               <a:t>DB </a:t>
             </a:r>
             <a:r>
-              <a:rPr lang="ko-KR" altLang="en-US" dirty="0" smtClean="0"/>
+              <a:rPr lang="ko-KR" altLang="en-US" dirty="0"/>
               <a:t>구현</a:t>
             </a:r>
             <a:endParaRPr lang="en-US" altLang="ko-KR" dirty="0"/>
@@ -17193,6 +17139,162 @@
           </a:p>
         </p:txBody>
       </p:sp>
+      <p:pic>
+        <p:nvPicPr>
+          <p:cNvPr id="7" name="그래픽 6" descr="시계 방향으로 굽은 줄 화살표">
+            <a:extLst>
+              <a:ext uri="{FF2B5EF4-FFF2-40B4-BE49-F238E27FC236}">
+                <a16:creationId xmlns:a16="http://schemas.microsoft.com/office/drawing/2014/main" id="{1C37A65D-CDE2-4891-854C-40156960FD79}"/>
+              </a:ext>
+            </a:extLst>
+          </p:cNvPr>
+          <p:cNvPicPr>
+            <a:picLocks noChangeAspect="1"/>
+          </p:cNvPicPr>
+          <p:nvPr/>
+        </p:nvPicPr>
+        <p:blipFill>
+          <a:blip r:embed="rId4">
+            <a:extLst>
+              <a:ext uri="{28A0092B-C50C-407E-A947-70E740481C1C}">
+                <a14:useLocalDpi xmlns:a14="http://schemas.microsoft.com/office/drawing/2010/main" val="0"/>
+              </a:ext>
+              <a:ext uri="{96DAC541-7B7A-43D3-8B79-37D633B846F1}">
+                <asvg:svgBlip xmlns:asvg="http://schemas.microsoft.com/office/drawing/2016/SVG/main" r:embed="rId5"/>
+              </a:ext>
+            </a:extLst>
+          </a:blip>
+          <a:stretch>
+            <a:fillRect/>
+          </a:stretch>
+        </p:blipFill>
+        <p:spPr>
+          <a:xfrm rot="4011166">
+            <a:off x="5038682" y="1005711"/>
+            <a:ext cx="914400" cy="914400"/>
+          </a:xfrm>
+          <a:prstGeom prst="rect">
+            <a:avLst/>
+          </a:prstGeom>
+        </p:spPr>
+      </p:pic>
+      <p:pic>
+        <p:nvPicPr>
+          <p:cNvPr id="9" name="그래픽 8" descr="반시계 방향 곡선 줄 화살표">
+            <a:extLst>
+              <a:ext uri="{FF2B5EF4-FFF2-40B4-BE49-F238E27FC236}">
+                <a16:creationId xmlns:a16="http://schemas.microsoft.com/office/drawing/2014/main" id="{5638C881-0DAC-4719-B862-644F6ABD96FD}"/>
+              </a:ext>
+            </a:extLst>
+          </p:cNvPr>
+          <p:cNvPicPr>
+            <a:picLocks noChangeAspect="1"/>
+          </p:cNvPicPr>
+          <p:nvPr/>
+        </p:nvPicPr>
+        <p:blipFill>
+          <a:blip r:embed="rId6">
+            <a:extLst>
+              <a:ext uri="{28A0092B-C50C-407E-A947-70E740481C1C}">
+                <a14:useLocalDpi xmlns:a14="http://schemas.microsoft.com/office/drawing/2010/main" val="0"/>
+              </a:ext>
+              <a:ext uri="{96DAC541-7B7A-43D3-8B79-37D633B846F1}">
+                <asvg:svgBlip xmlns:asvg="http://schemas.microsoft.com/office/drawing/2016/SVG/main" r:embed="rId7"/>
+              </a:ext>
+            </a:extLst>
+          </a:blip>
+          <a:stretch>
+            <a:fillRect/>
+          </a:stretch>
+        </p:blipFill>
+        <p:spPr>
+          <a:xfrm rot="16200000">
+            <a:off x="1230674" y="2842634"/>
+            <a:ext cx="914400" cy="914400"/>
+          </a:xfrm>
+          <a:prstGeom prst="rect">
+            <a:avLst/>
+          </a:prstGeom>
+        </p:spPr>
+      </p:pic>
+      <p:pic>
+        <p:nvPicPr>
+          <p:cNvPr id="15" name="그래픽 14" descr="반시계 방향 곡선 줄 화살표">
+            <a:extLst>
+              <a:ext uri="{FF2B5EF4-FFF2-40B4-BE49-F238E27FC236}">
+                <a16:creationId xmlns:a16="http://schemas.microsoft.com/office/drawing/2014/main" id="{CB2A17A4-0E46-4F88-9A12-AE98DD2A3AB7}"/>
+              </a:ext>
+            </a:extLst>
+          </p:cNvPr>
+          <p:cNvPicPr>
+            <a:picLocks noChangeAspect="1"/>
+          </p:cNvPicPr>
+          <p:nvPr/>
+        </p:nvPicPr>
+        <p:blipFill>
+          <a:blip r:embed="rId6">
+            <a:extLst>
+              <a:ext uri="{28A0092B-C50C-407E-A947-70E740481C1C}">
+                <a14:useLocalDpi xmlns:a14="http://schemas.microsoft.com/office/drawing/2010/main" val="0"/>
+              </a:ext>
+              <a:ext uri="{96DAC541-7B7A-43D3-8B79-37D633B846F1}">
+                <asvg:svgBlip xmlns:asvg="http://schemas.microsoft.com/office/drawing/2016/SVG/main" r:embed="rId7"/>
+              </a:ext>
+            </a:extLst>
+          </a:blip>
+          <a:stretch>
+            <a:fillRect/>
+          </a:stretch>
+        </p:blipFill>
+        <p:spPr>
+          <a:xfrm rot="4329446">
+            <a:off x="4043899" y="5030019"/>
+            <a:ext cx="914400" cy="914400"/>
+          </a:xfrm>
+          <a:prstGeom prst="rect">
+            <a:avLst/>
+          </a:prstGeom>
+        </p:spPr>
+      </p:pic>
+      <p:pic>
+        <p:nvPicPr>
+          <p:cNvPr id="16" name="그래픽 15" descr="시계 방향으로 굽은 줄 화살표">
+            <a:extLst>
+              <a:ext uri="{FF2B5EF4-FFF2-40B4-BE49-F238E27FC236}">
+                <a16:creationId xmlns:a16="http://schemas.microsoft.com/office/drawing/2014/main" id="{558A4B80-9E7F-4104-A178-F891D2ED4474}"/>
+              </a:ext>
+            </a:extLst>
+          </p:cNvPr>
+          <p:cNvPicPr>
+            <a:picLocks noChangeAspect="1"/>
+          </p:cNvPicPr>
+          <p:nvPr/>
+        </p:nvPicPr>
+        <p:blipFill>
+          <a:blip r:embed="rId4">
+            <a:extLst>
+              <a:ext uri="{28A0092B-C50C-407E-A947-70E740481C1C}">
+                <a14:useLocalDpi xmlns:a14="http://schemas.microsoft.com/office/drawing/2010/main" val="0"/>
+              </a:ext>
+              <a:ext uri="{96DAC541-7B7A-43D3-8B79-37D633B846F1}">
+                <asvg:svgBlip xmlns:asvg="http://schemas.microsoft.com/office/drawing/2016/SVG/main" r:embed="rId5"/>
+              </a:ext>
+            </a:extLst>
+          </a:blip>
+          <a:stretch>
+            <a:fillRect/>
+          </a:stretch>
+        </p:blipFill>
+        <p:spPr>
+          <a:xfrm rot="15547448">
+            <a:off x="8720098" y="2403356"/>
+            <a:ext cx="914400" cy="914400"/>
+          </a:xfrm>
+          <a:prstGeom prst="rect">
+            <a:avLst/>
+          </a:prstGeom>
+        </p:spPr>
+      </p:pic>
     </p:spTree>
     <p:extLst>
       <p:ext uri="{BB962C8B-B14F-4D97-AF65-F5344CB8AC3E}">
@@ -17260,7 +17362,7 @@
           <a:lstStyle/>
           <a:p>
             <a:r>
-              <a:rPr lang="ko-KR" altLang="en-US" sz="4000" dirty="0"/>
+              <a:rPr lang="ko-KR" altLang="en-US" sz="4000" b="1" dirty="0"/>
               <a:t>프로젝트 소개 </a:t>
             </a:r>
           </a:p>
@@ -17274,7 +17376,7 @@
                 <a16:creationId xmlns:a16="http://schemas.microsoft.com/office/drawing/2014/main" id="{F859BA1E-EA13-4234-801C-4CFA3F10AC9B}"/>
               </a:ext>
               <a:ext uri="{C183D7F6-B498-43B3-948B-1728B52AA6E4}">
-                <adec:decorative xmlns:adec="http://schemas.microsoft.com/office/drawing/2017/decorative" xmlns="" val="1"/>
+                <adec:decorative xmlns:adec="http://schemas.microsoft.com/office/drawing/2017/decorative" val="1"/>
               </a:ext>
             </a:extLst>
           </p:cNvPr>
@@ -17768,7 +17870,7 @@
           <a:lstStyle/>
           <a:p>
             <a:r>
-              <a:rPr lang="ko-KR" altLang="en-US" sz="3600" dirty="0"/>
+              <a:rPr lang="ko-KR" altLang="en-US" sz="3600" b="1" dirty="0"/>
               <a:t>동작 흐름도</a:t>
             </a:r>
           </a:p>
@@ -17797,7 +17899,7 @@
                 <a14:useLocalDpi xmlns:a14="http://schemas.microsoft.com/office/drawing/2010/main" val="0"/>
               </a:ext>
               <a:ext uri="{96DAC541-7B7A-43D3-8B79-37D633B846F1}">
-                <asvg:svgBlip xmlns:asvg="http://schemas.microsoft.com/office/drawing/2016/SVG/main" xmlns="" r:embed="rId3"/>
+                <asvg:svgBlip xmlns:asvg="http://schemas.microsoft.com/office/drawing/2016/SVG/main" r:embed="rId3"/>
               </a:ext>
             </a:extLst>
           </a:blip>
@@ -17899,7 +18001,7 @@
                 <a14:useLocalDpi xmlns:a14="http://schemas.microsoft.com/office/drawing/2010/main" val="0"/>
               </a:ext>
               <a:ext uri="{96DAC541-7B7A-43D3-8B79-37D633B846F1}">
-                <asvg:svgBlip xmlns:asvg="http://schemas.microsoft.com/office/drawing/2016/SVG/main" xmlns="" r:embed="rId5"/>
+                <asvg:svgBlip xmlns:asvg="http://schemas.microsoft.com/office/drawing/2016/SVG/main" r:embed="rId5"/>
               </a:ext>
             </a:extLst>
           </a:blip>
@@ -17938,7 +18040,7 @@
                 <a14:useLocalDpi xmlns:a14="http://schemas.microsoft.com/office/drawing/2010/main" val="0"/>
               </a:ext>
               <a:ext uri="{96DAC541-7B7A-43D3-8B79-37D633B846F1}">
-                <asvg:svgBlip xmlns:asvg="http://schemas.microsoft.com/office/drawing/2016/SVG/main" xmlns="" r:embed="rId7"/>
+                <asvg:svgBlip xmlns:asvg="http://schemas.microsoft.com/office/drawing/2016/SVG/main" r:embed="rId7"/>
               </a:ext>
             </a:extLst>
           </a:blip>
@@ -17977,7 +18079,7 @@
                 <a14:useLocalDpi xmlns:a14="http://schemas.microsoft.com/office/drawing/2010/main" val="0"/>
               </a:ext>
               <a:ext uri="{96DAC541-7B7A-43D3-8B79-37D633B846F1}">
-                <asvg:svgBlip xmlns:asvg="http://schemas.microsoft.com/office/drawing/2016/SVG/main" xmlns="" r:embed="rId9"/>
+                <asvg:svgBlip xmlns:asvg="http://schemas.microsoft.com/office/drawing/2016/SVG/main" r:embed="rId9"/>
               </a:ext>
             </a:extLst>
           </a:blip>
@@ -18016,7 +18118,7 @@
                 <a14:useLocalDpi xmlns:a14="http://schemas.microsoft.com/office/drawing/2010/main" val="0"/>
               </a:ext>
               <a:ext uri="{96DAC541-7B7A-43D3-8B79-37D633B846F1}">
-                <asvg:svgBlip xmlns:asvg="http://schemas.microsoft.com/office/drawing/2016/SVG/main" xmlns="" r:embed="rId11"/>
+                <asvg:svgBlip xmlns:asvg="http://schemas.microsoft.com/office/drawing/2016/SVG/main" r:embed="rId11"/>
               </a:ext>
             </a:extLst>
           </a:blip>
@@ -18055,7 +18157,7 @@
                 <a14:useLocalDpi xmlns:a14="http://schemas.microsoft.com/office/drawing/2010/main" val="0"/>
               </a:ext>
               <a:ext uri="{96DAC541-7B7A-43D3-8B79-37D633B846F1}">
-                <asvg:svgBlip xmlns:asvg="http://schemas.microsoft.com/office/drawing/2016/SVG/main" xmlns="" r:embed="rId3"/>
+                <asvg:svgBlip xmlns:asvg="http://schemas.microsoft.com/office/drawing/2016/SVG/main" r:embed="rId3"/>
               </a:ext>
             </a:extLst>
           </a:blip>
@@ -18094,7 +18196,7 @@
                 <a14:useLocalDpi xmlns:a14="http://schemas.microsoft.com/office/drawing/2010/main" val="0"/>
               </a:ext>
               <a:ext uri="{96DAC541-7B7A-43D3-8B79-37D633B846F1}">
-                <asvg:svgBlip xmlns:asvg="http://schemas.microsoft.com/office/drawing/2016/SVG/main" xmlns="" r:embed="rId13"/>
+                <asvg:svgBlip xmlns:asvg="http://schemas.microsoft.com/office/drawing/2016/SVG/main" r:embed="rId13"/>
               </a:ext>
             </a:extLst>
           </a:blip>
@@ -18133,7 +18235,7 @@
                 <a14:useLocalDpi xmlns:a14="http://schemas.microsoft.com/office/drawing/2010/main" val="0"/>
               </a:ext>
               <a:ext uri="{96DAC541-7B7A-43D3-8B79-37D633B846F1}">
-                <asvg:svgBlip xmlns:asvg="http://schemas.microsoft.com/office/drawing/2016/SVG/main" xmlns="" r:embed="rId15"/>
+                <asvg:svgBlip xmlns:asvg="http://schemas.microsoft.com/office/drawing/2016/SVG/main" r:embed="rId15"/>
               </a:ext>
             </a:extLst>
           </a:blip>
@@ -18172,7 +18274,7 @@
                 <a14:useLocalDpi xmlns:a14="http://schemas.microsoft.com/office/drawing/2010/main" val="0"/>
               </a:ext>
               <a:ext uri="{96DAC541-7B7A-43D3-8B79-37D633B846F1}">
-                <asvg:svgBlip xmlns:asvg="http://schemas.microsoft.com/office/drawing/2016/SVG/main" xmlns="" r:embed="rId17"/>
+                <asvg:svgBlip xmlns:asvg="http://schemas.microsoft.com/office/drawing/2016/SVG/main" r:embed="rId17"/>
               </a:ext>
             </a:extLst>
           </a:blip>
@@ -18211,7 +18313,7 @@
                 <a14:useLocalDpi xmlns:a14="http://schemas.microsoft.com/office/drawing/2010/main" val="0"/>
               </a:ext>
               <a:ext uri="{96DAC541-7B7A-43D3-8B79-37D633B846F1}">
-                <asvg:svgBlip xmlns:asvg="http://schemas.microsoft.com/office/drawing/2016/SVG/main" xmlns="" r:embed="rId19"/>
+                <asvg:svgBlip xmlns:asvg="http://schemas.microsoft.com/office/drawing/2016/SVG/main" r:embed="rId19"/>
               </a:ext>
             </a:extLst>
           </a:blip>
@@ -18250,7 +18352,7 @@
                 <a14:useLocalDpi xmlns:a14="http://schemas.microsoft.com/office/drawing/2010/main" val="0"/>
               </a:ext>
               <a:ext uri="{96DAC541-7B7A-43D3-8B79-37D633B846F1}">
-                <asvg:svgBlip xmlns:asvg="http://schemas.microsoft.com/office/drawing/2016/SVG/main" xmlns="" r:embed="rId21"/>
+                <asvg:svgBlip xmlns:asvg="http://schemas.microsoft.com/office/drawing/2016/SVG/main" r:embed="rId21"/>
               </a:ext>
             </a:extLst>
           </a:blip>
@@ -18289,7 +18391,7 @@
                 <a14:useLocalDpi xmlns:a14="http://schemas.microsoft.com/office/drawing/2010/main" val="0"/>
               </a:ext>
               <a:ext uri="{96DAC541-7B7A-43D3-8B79-37D633B846F1}">
-                <asvg:svgBlip xmlns:asvg="http://schemas.microsoft.com/office/drawing/2016/SVG/main" xmlns="" r:embed="rId5"/>
+                <asvg:svgBlip xmlns:asvg="http://schemas.microsoft.com/office/drawing/2016/SVG/main" r:embed="rId5"/>
               </a:ext>
             </a:extLst>
           </a:blip>
@@ -18328,7 +18430,7 @@
                 <a14:useLocalDpi xmlns:a14="http://schemas.microsoft.com/office/drawing/2010/main" val="0"/>
               </a:ext>
               <a:ext uri="{96DAC541-7B7A-43D3-8B79-37D633B846F1}">
-                <asvg:svgBlip xmlns:asvg="http://schemas.microsoft.com/office/drawing/2016/SVG/main" xmlns="" r:embed="rId23"/>
+                <asvg:svgBlip xmlns:asvg="http://schemas.microsoft.com/office/drawing/2016/SVG/main" r:embed="rId23"/>
               </a:ext>
             </a:extLst>
           </a:blip>
@@ -18367,7 +18469,7 @@
                 <a14:useLocalDpi xmlns:a14="http://schemas.microsoft.com/office/drawing/2010/main" val="0"/>
               </a:ext>
               <a:ext uri="{96DAC541-7B7A-43D3-8B79-37D633B846F1}">
-                <asvg:svgBlip xmlns:asvg="http://schemas.microsoft.com/office/drawing/2016/SVG/main" xmlns="" r:embed="rId25"/>
+                <asvg:svgBlip xmlns:asvg="http://schemas.microsoft.com/office/drawing/2016/SVG/main" r:embed="rId25"/>
               </a:ext>
             </a:extLst>
           </a:blip>
@@ -18406,7 +18508,7 @@
                 <a14:useLocalDpi xmlns:a14="http://schemas.microsoft.com/office/drawing/2010/main" val="0"/>
               </a:ext>
               <a:ext uri="{96DAC541-7B7A-43D3-8B79-37D633B846F1}">
-                <asvg:svgBlip xmlns:asvg="http://schemas.microsoft.com/office/drawing/2016/SVG/main" xmlns="" r:embed="rId27"/>
+                <asvg:svgBlip xmlns:asvg="http://schemas.microsoft.com/office/drawing/2016/SVG/main" r:embed="rId27"/>
               </a:ext>
             </a:extLst>
           </a:blip>
@@ -18445,7 +18547,7 @@
                 <a14:useLocalDpi xmlns:a14="http://schemas.microsoft.com/office/drawing/2010/main" val="0"/>
               </a:ext>
               <a:ext uri="{96DAC541-7B7A-43D3-8B79-37D633B846F1}">
-                <asvg:svgBlip xmlns:asvg="http://schemas.microsoft.com/office/drawing/2016/SVG/main" xmlns="" r:embed="rId23"/>
+                <asvg:svgBlip xmlns:asvg="http://schemas.microsoft.com/office/drawing/2016/SVG/main" r:embed="rId23"/>
               </a:ext>
             </a:extLst>
           </a:blip>
@@ -18484,7 +18586,7 @@
                 <a14:useLocalDpi xmlns:a14="http://schemas.microsoft.com/office/drawing/2010/main" val="0"/>
               </a:ext>
               <a:ext uri="{96DAC541-7B7A-43D3-8B79-37D633B846F1}">
-                <asvg:svgBlip xmlns:asvg="http://schemas.microsoft.com/office/drawing/2016/SVG/main" xmlns="" r:embed="rId30"/>
+                <asvg:svgBlip xmlns:asvg="http://schemas.microsoft.com/office/drawing/2016/SVG/main" r:embed="rId30"/>
               </a:ext>
             </a:extLst>
           </a:blip>
@@ -19429,7 +19531,7 @@
                 <a16:creationId xmlns:a16="http://schemas.microsoft.com/office/drawing/2014/main" id="{59A309A7-1751-4ABE-A3C1-EEC40366AD89}"/>
               </a:ext>
               <a:ext uri="{C183D7F6-B498-43B3-948B-1728B52AA6E4}">
-                <adec:decorative xmlns:adec="http://schemas.microsoft.com/office/drawing/2017/decorative" xmlns="" val="1"/>
+                <adec:decorative xmlns:adec="http://schemas.microsoft.com/office/drawing/2017/decorative" val="1"/>
               </a:ext>
             </a:extLst>
           </p:cNvPr>
@@ -19492,7 +19594,7 @@
                 <a16:creationId xmlns:a16="http://schemas.microsoft.com/office/drawing/2014/main" id="{967D8EB6-EAE1-4F9C-B398-83321E287204}"/>
               </a:ext>
               <a:ext uri="{C183D7F6-B498-43B3-948B-1728B52AA6E4}">
-                <adec:decorative xmlns:adec="http://schemas.microsoft.com/office/drawing/2017/decorative" xmlns="" val="1"/>
+                <adec:decorative xmlns:adec="http://schemas.microsoft.com/office/drawing/2017/decorative" val="1"/>
               </a:ext>
             </a:extLst>
           </p:cNvPr>
@@ -19570,7 +19672,7 @@
                 <a14:useLocalDpi xmlns:a14="http://schemas.microsoft.com/office/drawing/2010/main" val="0"/>
               </a:ext>
               <a:ext uri="{96DAC541-7B7A-43D3-8B79-37D633B846F1}">
-                <asvg:svgBlip xmlns:asvg="http://schemas.microsoft.com/office/drawing/2016/SVG/main" xmlns="" r:embed="rId3"/>
+                <asvg:svgBlip xmlns:asvg="http://schemas.microsoft.com/office/drawing/2016/SVG/main" r:embed="rId3"/>
               </a:ext>
             </a:extLst>
           </a:blip>
@@ -19640,7 +19742,7 @@
           <a:lstStyle/>
           <a:p>
             <a:r>
-              <a:rPr lang="ko-KR" altLang="en-US" dirty="0"/>
+              <a:rPr lang="ko-KR" altLang="en-US" b="1" dirty="0"/>
               <a:t>소프트웨어 플랫폼 버전 </a:t>
             </a:r>
           </a:p>
@@ -21367,7 +21469,7 @@
           <a:lstStyle/>
           <a:p>
             <a:r>
-              <a:rPr lang="ko-KR" altLang="en-US" dirty="0"/>
+              <a:rPr lang="ko-KR" altLang="en-US" b="1" dirty="0"/>
               <a:t>웹페이지 동작 순서 </a:t>
             </a:r>
           </a:p>
@@ -21381,7 +21483,7 @@
                 <a16:creationId xmlns:a16="http://schemas.microsoft.com/office/drawing/2014/main" id="{A5711A0E-A428-4ED1-96CB-33D69FD842E4}"/>
               </a:ext>
               <a:ext uri="{C183D7F6-B498-43B3-948B-1728B52AA6E4}">
-                <adec:decorative xmlns:adec="http://schemas.microsoft.com/office/drawing/2017/decorative" xmlns="" val="1"/>
+                <adec:decorative xmlns:adec="http://schemas.microsoft.com/office/drawing/2017/decorative" val="1"/>
               </a:ext>
             </a:extLst>
           </p:cNvPr>

--- a/document/Capston Design Proposal_update(ppt).pptx
+++ b/document/Capston Design Proposal_update(ppt).pptx
@@ -1265,19 +1265,19 @@
     </dgm:pt>
   </dgm:ptLst>
   <dgm:cxnLst>
+    <dgm:cxn modelId="{76809C9B-CB8E-44FC-8910-0B8B81A56272}" type="presOf" srcId="{872A1C71-6FAF-47B5-90CE-99510E9D6C7A}" destId="{DFBBB5F9-2C55-408E-9280-009E298A8B8D}" srcOrd="0" destOrd="0" presId="urn:microsoft.com/office/officeart/2005/8/layout/default"/>
+    <dgm:cxn modelId="{30013A8A-955F-4244-8B39-EDE33B91873F}" type="presOf" srcId="{C862ABB5-E0CE-4222-B3C1-074A5559CBB3}" destId="{276308A6-4ED6-4A7B-A1C6-AC9BA8640E31}" srcOrd="0" destOrd="0" presId="urn:microsoft.com/office/officeart/2005/8/layout/default"/>
     <dgm:cxn modelId="{608A1CBA-EA59-4606-98C9-8B2D5EF971AE}" srcId="{E5573E26-5320-4C06-A1C6-34BFF59EE395}" destId="{75AEDC82-662E-4CA0-8791-46B787CEC2BA}" srcOrd="3" destOrd="0" parTransId="{45001C0D-8138-4314-98C2-38547DF2515B}" sibTransId="{63CC7A01-AE53-4F87-B78D-4449CBF95735}"/>
     <dgm:cxn modelId="{DDB4D35F-D9D1-44D3-9741-6383647B3BB3}" srcId="{E5573E26-5320-4C06-A1C6-34BFF59EE395}" destId="{C862ABB5-E0CE-4222-B3C1-074A5559CBB3}" srcOrd="5" destOrd="0" parTransId="{69E17A25-D73F-4A25-BC73-BDECBB213691}" sibTransId="{1CECC7B5-DFDC-42B7-BD35-417F86611FDD}"/>
+    <dgm:cxn modelId="{EBFB84EE-4DC1-4F53-962A-75F55AB75B64}" type="presOf" srcId="{FEDEC8FE-FC4F-487F-8DA3-3BB49F90D490}" destId="{700CAF28-027B-4574-B0E5-B965C0EAD4B7}" srcOrd="0" destOrd="0" presId="urn:microsoft.com/office/officeart/2005/8/layout/default"/>
+    <dgm:cxn modelId="{231B73DA-00D4-45F1-A53D-A3E9DFB5FFA7}" srcId="{E5573E26-5320-4C06-A1C6-34BFF59EE395}" destId="{872A1C71-6FAF-47B5-90CE-99510E9D6C7A}" srcOrd="1" destOrd="0" parTransId="{52BAC1D1-796E-42C5-A541-DF764E5F800B}" sibTransId="{F8ACF93D-6AF2-47A8-B735-CFE0C75967D1}"/>
+    <dgm:cxn modelId="{C8E8E032-A540-44AF-A8AA-BE29D931FB3D}" srcId="{E5573E26-5320-4C06-A1C6-34BFF59EE395}" destId="{781240F8-30C2-4885-AACB-502B688D7BD1}" srcOrd="4" destOrd="0" parTransId="{6E24BE20-45C4-4963-910E-27B96FF506D9}" sibTransId="{8167520B-8981-40A6-AA78-AC33AAB50BBD}"/>
+    <dgm:cxn modelId="{B2812A64-2263-4883-9D4A-B386D5685CAE}" type="presOf" srcId="{E5573E26-5320-4C06-A1C6-34BFF59EE395}" destId="{8D08D1E1-1FC7-4118-B0A2-75C9683FDA13}" srcOrd="0" destOrd="0" presId="urn:microsoft.com/office/officeart/2005/8/layout/default"/>
+    <dgm:cxn modelId="{9BF432A9-CB93-47D3-96C5-534B99A56DC6}" srcId="{E5573E26-5320-4C06-A1C6-34BFF59EE395}" destId="{FEDEC8FE-FC4F-487F-8DA3-3BB49F90D490}" srcOrd="2" destOrd="0" parTransId="{3330DB75-9EEC-46B0-9A9B-C1B2B57512CB}" sibTransId="{4567A599-3950-4901-A0DD-1C6291C0630C}"/>
+    <dgm:cxn modelId="{1FD3F824-A737-4430-96C0-FEB8109D7ED0}" type="presOf" srcId="{75AEDC82-662E-4CA0-8791-46B787CEC2BA}" destId="{6D8975A5-4CA5-4D9A-AAD3-009B6A89EC74}" srcOrd="0" destOrd="0" presId="urn:microsoft.com/office/officeart/2005/8/layout/default"/>
+    <dgm:cxn modelId="{383D9ACE-7757-421D-8720-9548C5E6C0A0}" type="presOf" srcId="{781240F8-30C2-4885-AACB-502B688D7BD1}" destId="{12140423-47E9-464F-8454-57709CFA86FE}" srcOrd="0" destOrd="0" presId="urn:microsoft.com/office/officeart/2005/8/layout/default"/>
+    <dgm:cxn modelId="{33BD456D-1BEF-499B-AEF1-367474EBDCD0}" srcId="{E5573E26-5320-4C06-A1C6-34BFF59EE395}" destId="{AC120FF6-DAF7-469F-8AF2-4411B0321B2D}" srcOrd="0" destOrd="0" parTransId="{4DF3CD87-1EC2-40FD-BA97-6F8CD6710D53}" sibTransId="{731035E3-EE06-42D6-ADE8-70C9662F5686}"/>
     <dgm:cxn modelId="{F7AB96AE-4D93-42EB-AD0D-4EA467CFCE9E}" type="presOf" srcId="{AC120FF6-DAF7-469F-8AF2-4411B0321B2D}" destId="{49C24EBE-CB27-48F5-9749-33D2C5E1FF8B}" srcOrd="0" destOrd="0" presId="urn:microsoft.com/office/officeart/2005/8/layout/default"/>
-    <dgm:cxn modelId="{EBFB84EE-4DC1-4F53-962A-75F55AB75B64}" type="presOf" srcId="{FEDEC8FE-FC4F-487F-8DA3-3BB49F90D490}" destId="{700CAF28-027B-4574-B0E5-B965C0EAD4B7}" srcOrd="0" destOrd="0" presId="urn:microsoft.com/office/officeart/2005/8/layout/default"/>
-    <dgm:cxn modelId="{C8E8E032-A540-44AF-A8AA-BE29D931FB3D}" srcId="{E5573E26-5320-4C06-A1C6-34BFF59EE395}" destId="{781240F8-30C2-4885-AACB-502B688D7BD1}" srcOrd="4" destOrd="0" parTransId="{6E24BE20-45C4-4963-910E-27B96FF506D9}" sibTransId="{8167520B-8981-40A6-AA78-AC33AAB50BBD}"/>
-    <dgm:cxn modelId="{1FD3F824-A737-4430-96C0-FEB8109D7ED0}" type="presOf" srcId="{75AEDC82-662E-4CA0-8791-46B787CEC2BA}" destId="{6D8975A5-4CA5-4D9A-AAD3-009B6A89EC74}" srcOrd="0" destOrd="0" presId="urn:microsoft.com/office/officeart/2005/8/layout/default"/>
-    <dgm:cxn modelId="{B2812A64-2263-4883-9D4A-B386D5685CAE}" type="presOf" srcId="{E5573E26-5320-4C06-A1C6-34BFF59EE395}" destId="{8D08D1E1-1FC7-4118-B0A2-75C9683FDA13}" srcOrd="0" destOrd="0" presId="urn:microsoft.com/office/officeart/2005/8/layout/default"/>
-    <dgm:cxn modelId="{76809C9B-CB8E-44FC-8910-0B8B81A56272}" type="presOf" srcId="{872A1C71-6FAF-47B5-90CE-99510E9D6C7A}" destId="{DFBBB5F9-2C55-408E-9280-009E298A8B8D}" srcOrd="0" destOrd="0" presId="urn:microsoft.com/office/officeart/2005/8/layout/default"/>
-    <dgm:cxn modelId="{33BD456D-1BEF-499B-AEF1-367474EBDCD0}" srcId="{E5573E26-5320-4C06-A1C6-34BFF59EE395}" destId="{AC120FF6-DAF7-469F-8AF2-4411B0321B2D}" srcOrd="0" destOrd="0" parTransId="{4DF3CD87-1EC2-40FD-BA97-6F8CD6710D53}" sibTransId="{731035E3-EE06-42D6-ADE8-70C9662F5686}"/>
-    <dgm:cxn modelId="{9BF432A9-CB93-47D3-96C5-534B99A56DC6}" srcId="{E5573E26-5320-4C06-A1C6-34BFF59EE395}" destId="{FEDEC8FE-FC4F-487F-8DA3-3BB49F90D490}" srcOrd="2" destOrd="0" parTransId="{3330DB75-9EEC-46B0-9A9B-C1B2B57512CB}" sibTransId="{4567A599-3950-4901-A0DD-1C6291C0630C}"/>
-    <dgm:cxn modelId="{30013A8A-955F-4244-8B39-EDE33B91873F}" type="presOf" srcId="{C862ABB5-E0CE-4222-B3C1-074A5559CBB3}" destId="{276308A6-4ED6-4A7B-A1C6-AC9BA8640E31}" srcOrd="0" destOrd="0" presId="urn:microsoft.com/office/officeart/2005/8/layout/default"/>
-    <dgm:cxn modelId="{231B73DA-00D4-45F1-A53D-A3E9DFB5FFA7}" srcId="{E5573E26-5320-4C06-A1C6-34BFF59EE395}" destId="{872A1C71-6FAF-47B5-90CE-99510E9D6C7A}" srcOrd="1" destOrd="0" parTransId="{52BAC1D1-796E-42C5-A541-DF764E5F800B}" sibTransId="{F8ACF93D-6AF2-47A8-B735-CFE0C75967D1}"/>
-    <dgm:cxn modelId="{383D9ACE-7757-421D-8720-9548C5E6C0A0}" type="presOf" srcId="{781240F8-30C2-4885-AACB-502B688D7BD1}" destId="{12140423-47E9-464F-8454-57709CFA86FE}" srcOrd="0" destOrd="0" presId="urn:microsoft.com/office/officeart/2005/8/layout/default"/>
     <dgm:cxn modelId="{A0D9EFA4-D1F6-40BC-8D77-63E7F0789857}" type="presParOf" srcId="{8D08D1E1-1FC7-4118-B0A2-75C9683FDA13}" destId="{49C24EBE-CB27-48F5-9749-33D2C5E1FF8B}" srcOrd="0" destOrd="0" presId="urn:microsoft.com/office/officeart/2005/8/layout/default"/>
     <dgm:cxn modelId="{4A062177-6014-4942-93C7-D36AFA80EF7C}" type="presParOf" srcId="{8D08D1E1-1FC7-4118-B0A2-75C9683FDA13}" destId="{58A7B869-2662-48B2-8EE9-732FE4F5FCF7}" srcOrd="1" destOrd="0" presId="urn:microsoft.com/office/officeart/2005/8/layout/default"/>
     <dgm:cxn modelId="{9D65C942-988C-4EC5-A608-DB998A0E03D7}" type="presParOf" srcId="{8D08D1E1-1FC7-4118-B0A2-75C9683FDA13}" destId="{DFBBB5F9-2C55-408E-9280-009E298A8B8D}" srcOrd="2" destOrd="0" presId="urn:microsoft.com/office/officeart/2005/8/layout/default"/>
@@ -12704,7 +12704,7 @@
         <p:spPr>
           <a:xfrm>
             <a:off x="4982570" y="1308579"/>
-            <a:ext cx="5216507" cy="646331"/>
+            <a:ext cx="6289167" cy="646331"/>
           </a:xfrm>
           <a:prstGeom prst="rect">
             <a:avLst/>
@@ -12784,7 +12784,7 @@
         <p:spPr>
           <a:xfrm>
             <a:off x="4982570" y="3391750"/>
-            <a:ext cx="6895838" cy="369332"/>
+            <a:ext cx="6895838" cy="646331"/>
           </a:xfrm>
           <a:prstGeom prst="rect">
             <a:avLst/>
@@ -12803,15 +12803,26 @@
             </a:r>
             <a:r>
               <a:rPr lang="ko-KR" altLang="en-US" dirty="0" smtClean="0"/>
-              <a:t>웹사이트 접속 시 디폴트 값으로</a:t>
+              <a:t>웹사이트 접속 시 디폴트 </a:t>
+            </a:r>
+            <a:r>
+              <a:rPr lang="ko-KR" altLang="en-US" dirty="0" smtClean="0"/>
+              <a:t>값</a:t>
+            </a:r>
+            <a:endParaRPr lang="en-US" altLang="ko-KR" dirty="0" smtClean="0"/>
+          </a:p>
+          <a:p>
+            <a:r>
+              <a:rPr lang="en-US" altLang="ko-KR" dirty="0"/>
+              <a:t> </a:t>
             </a:r>
             <a:r>
               <a:rPr lang="en-US" altLang="ko-KR" dirty="0" smtClean="0"/>
-              <a:t>, view</a:t>
+              <a:t>view</a:t>
             </a:r>
             <a:r>
               <a:rPr lang="ko-KR" altLang="en-US" dirty="0" smtClean="0"/>
-              <a:t>의 </a:t>
+              <a:t>파일의 </a:t>
             </a:r>
             <a:r>
               <a:rPr lang="en-US" altLang="ko-KR" dirty="0" smtClean="0"/>
@@ -12819,7 +12830,15 @@
             </a:r>
             <a:r>
               <a:rPr lang="ko-KR" altLang="en-US" dirty="0" smtClean="0"/>
-              <a:t>로 실행</a:t>
+              <a:t>함수</a:t>
+            </a:r>
+            <a:r>
+              <a:rPr lang="ko-KR" altLang="en-US" dirty="0" smtClean="0"/>
+              <a:t> </a:t>
+            </a:r>
+            <a:r>
+              <a:rPr lang="ko-KR" altLang="en-US" dirty="0" smtClean="0"/>
+              <a:t>실행</a:t>
             </a:r>
             <a:r>
               <a:rPr lang="en-US" altLang="ko-KR" dirty="0" smtClean="0"/>
@@ -12853,7 +12872,11 @@
           <a:p>
             <a:r>
               <a:rPr lang="en-US" altLang="ko-KR" dirty="0" smtClean="0"/>
-              <a:t>View class – </a:t>
+              <a:t>View </a:t>
+            </a:r>
+            <a:r>
+              <a:rPr lang="en-US" altLang="ko-KR" dirty="0" smtClean="0"/>
+              <a:t>– </a:t>
             </a:r>
             <a:r>
               <a:rPr lang="en-US" altLang="ko-KR" dirty="0" err="1" smtClean="0"/>
@@ -13088,7 +13111,7 @@
         <p:spPr>
           <a:xfrm>
             <a:off x="4486192" y="3438786"/>
-            <a:ext cx="496378" cy="137630"/>
+            <a:ext cx="496378" cy="276130"/>
           </a:xfrm>
           <a:prstGeom prst="bentConnector3">
             <a:avLst/>
@@ -17783,7 +17806,7 @@
                 <a14:useLocalDpi xmlns:a14="http://schemas.microsoft.com/office/drawing/2010/main" val="0"/>
               </a:ext>
               <a:ext uri="{96DAC541-7B7A-43D3-8B79-37D633B846F1}">
-                <asvg:svgBlip xmlns="" xmlns:asvg="http://schemas.microsoft.com/office/drawing/2016/SVG/main" r:embed="rId5"/>
+                <asvg:svgBlip xmlns:asvg="http://schemas.microsoft.com/office/drawing/2016/SVG/main" xmlns="" r:embed="rId5"/>
               </a:ext>
             </a:extLst>
           </a:blip>
@@ -17822,7 +17845,7 @@
                 <a14:useLocalDpi xmlns:a14="http://schemas.microsoft.com/office/drawing/2010/main" val="0"/>
               </a:ext>
               <a:ext uri="{96DAC541-7B7A-43D3-8B79-37D633B846F1}">
-                <asvg:svgBlip xmlns="" xmlns:asvg="http://schemas.microsoft.com/office/drawing/2016/SVG/main" r:embed="rId7"/>
+                <asvg:svgBlip xmlns:asvg="http://schemas.microsoft.com/office/drawing/2016/SVG/main" xmlns="" r:embed="rId7"/>
               </a:ext>
             </a:extLst>
           </a:blip>
@@ -17861,7 +17884,7 @@
                 <a14:useLocalDpi xmlns:a14="http://schemas.microsoft.com/office/drawing/2010/main" val="0"/>
               </a:ext>
               <a:ext uri="{96DAC541-7B7A-43D3-8B79-37D633B846F1}">
-                <asvg:svgBlip xmlns="" xmlns:asvg="http://schemas.microsoft.com/office/drawing/2016/SVG/main" r:embed="rId7"/>
+                <asvg:svgBlip xmlns:asvg="http://schemas.microsoft.com/office/drawing/2016/SVG/main" xmlns="" r:embed="rId7"/>
               </a:ext>
             </a:extLst>
           </a:blip>
@@ -17900,7 +17923,7 @@
                 <a14:useLocalDpi xmlns:a14="http://schemas.microsoft.com/office/drawing/2010/main" val="0"/>
               </a:ext>
               <a:ext uri="{96DAC541-7B7A-43D3-8B79-37D633B846F1}">
-                <asvg:svgBlip xmlns="" xmlns:asvg="http://schemas.microsoft.com/office/drawing/2016/SVG/main" r:embed="rId5"/>
+                <asvg:svgBlip xmlns:asvg="http://schemas.microsoft.com/office/drawing/2016/SVG/main" xmlns="" r:embed="rId5"/>
               </a:ext>
             </a:extLst>
           </a:blip>
@@ -18059,7 +18082,7 @@
                 <a16:creationId xmlns:a16="http://schemas.microsoft.com/office/drawing/2014/main" id="{F859BA1E-EA13-4234-801C-4CFA3F10AC9B}"/>
               </a:ext>
               <a:ext uri="{C183D7F6-B498-43B3-948B-1728B52AA6E4}">
-                <adec:decorative xmlns="" xmlns:adec="http://schemas.microsoft.com/office/drawing/2017/decorative" val="1"/>
+                <adec:decorative xmlns:adec="http://schemas.microsoft.com/office/drawing/2017/decorative" xmlns="" val="1"/>
               </a:ext>
             </a:extLst>
           </p:cNvPr>
@@ -18810,7 +18833,7 @@
                 <a16:creationId xmlns:a16="http://schemas.microsoft.com/office/drawing/2014/main" id="{59A309A7-1751-4ABE-A3C1-EEC40366AD89}"/>
               </a:ext>
               <a:ext uri="{C183D7F6-B498-43B3-948B-1728B52AA6E4}">
-                <adec:decorative xmlns="" xmlns:adec="http://schemas.microsoft.com/office/drawing/2017/decorative" val="1"/>
+                <adec:decorative xmlns:adec="http://schemas.microsoft.com/office/drawing/2017/decorative" xmlns="" val="1"/>
               </a:ext>
             </a:extLst>
           </p:cNvPr>
@@ -18873,7 +18896,7 @@
                 <a16:creationId xmlns:a16="http://schemas.microsoft.com/office/drawing/2014/main" id="{967D8EB6-EAE1-4F9C-B398-83321E287204}"/>
               </a:ext>
               <a:ext uri="{C183D7F6-B498-43B3-948B-1728B52AA6E4}">
-                <adec:decorative xmlns="" xmlns:adec="http://schemas.microsoft.com/office/drawing/2017/decorative" val="1"/>
+                <adec:decorative xmlns:adec="http://schemas.microsoft.com/office/drawing/2017/decorative" xmlns="" val="1"/>
               </a:ext>
             </a:extLst>
           </p:cNvPr>
@@ -18951,7 +18974,7 @@
                 <a14:useLocalDpi xmlns:a14="http://schemas.microsoft.com/office/drawing/2010/main" val="0"/>
               </a:ext>
               <a:ext uri="{96DAC541-7B7A-43D3-8B79-37D633B846F1}">
-                <asvg:svgBlip xmlns="" xmlns:asvg="http://schemas.microsoft.com/office/drawing/2016/SVG/main" r:embed="rId3"/>
+                <asvg:svgBlip xmlns:asvg="http://schemas.microsoft.com/office/drawing/2016/SVG/main" xmlns="" r:embed="rId3"/>
               </a:ext>
             </a:extLst>
           </a:blip>
@@ -21511,7 +21534,7 @@
                 <a14:useLocalDpi xmlns:a14="http://schemas.microsoft.com/office/drawing/2010/main" val="0"/>
               </a:ext>
               <a:ext uri="{96DAC541-7B7A-43D3-8B79-37D633B846F1}">
-                <asvg:svgBlip xmlns:asvg="http://schemas.microsoft.com/office/drawing/2016/SVG/main" xmlns="" r:embed="rId3"/>
+                <asvg:svgBlip xmlns="" xmlns:asvg="http://schemas.microsoft.com/office/drawing/2016/SVG/main" r:embed="rId3"/>
               </a:ext>
             </a:extLst>
           </a:blip>
@@ -21550,7 +21573,7 @@
                 <a14:useLocalDpi xmlns:a14="http://schemas.microsoft.com/office/drawing/2010/main" val="0"/>
               </a:ext>
               <a:ext uri="{96DAC541-7B7A-43D3-8B79-37D633B846F1}">
-                <asvg:svgBlip xmlns:asvg="http://schemas.microsoft.com/office/drawing/2016/SVG/main" xmlns="" r:embed="rId5"/>
+                <asvg:svgBlip xmlns="" xmlns:asvg="http://schemas.microsoft.com/office/drawing/2016/SVG/main" r:embed="rId5"/>
               </a:ext>
             </a:extLst>
           </a:blip>
@@ -21589,7 +21612,7 @@
                 <a14:useLocalDpi xmlns:a14="http://schemas.microsoft.com/office/drawing/2010/main" val="0"/>
               </a:ext>
               <a:ext uri="{96DAC541-7B7A-43D3-8B79-37D633B846F1}">
-                <asvg:svgBlip xmlns:asvg="http://schemas.microsoft.com/office/drawing/2016/SVG/main" xmlns="" r:embed="rId7"/>
+                <asvg:svgBlip xmlns="" xmlns:asvg="http://schemas.microsoft.com/office/drawing/2016/SVG/main" r:embed="rId7"/>
               </a:ext>
             </a:extLst>
           </a:blip>
@@ -21628,7 +21651,7 @@
                 <a14:useLocalDpi xmlns:a14="http://schemas.microsoft.com/office/drawing/2010/main" val="0"/>
               </a:ext>
               <a:ext uri="{96DAC541-7B7A-43D3-8B79-37D633B846F1}">
-                <asvg:svgBlip xmlns:asvg="http://schemas.microsoft.com/office/drawing/2016/SVG/main" xmlns="" r:embed="rId9"/>
+                <asvg:svgBlip xmlns="" xmlns:asvg="http://schemas.microsoft.com/office/drawing/2016/SVG/main" r:embed="rId9"/>
               </a:ext>
             </a:extLst>
           </a:blip>
@@ -21759,7 +21782,7 @@
                 <a14:useLocalDpi xmlns:a14="http://schemas.microsoft.com/office/drawing/2010/main" val="0"/>
               </a:ext>
               <a:ext uri="{96DAC541-7B7A-43D3-8B79-37D633B846F1}">
-                <asvg:svgBlip xmlns:asvg="http://schemas.microsoft.com/office/drawing/2016/SVG/main" xmlns="" r:embed="rId9"/>
+                <asvg:svgBlip xmlns="" xmlns:asvg="http://schemas.microsoft.com/office/drawing/2016/SVG/main" r:embed="rId9"/>
               </a:ext>
             </a:extLst>
           </a:blip>
@@ -21798,7 +21821,7 @@
                 <a14:useLocalDpi xmlns:a14="http://schemas.microsoft.com/office/drawing/2010/main" val="0"/>
               </a:ext>
               <a:ext uri="{96DAC541-7B7A-43D3-8B79-37D633B846F1}">
-                <asvg:svgBlip xmlns:asvg="http://schemas.microsoft.com/office/drawing/2016/SVG/main" xmlns="" r:embed="rId7"/>
+                <asvg:svgBlip xmlns="" xmlns:asvg="http://schemas.microsoft.com/office/drawing/2016/SVG/main" r:embed="rId7"/>
               </a:ext>
             </a:extLst>
           </a:blip>
@@ -24835,7 +24858,7 @@
         <p:spPr>
           <a:xfrm>
             <a:off x="570868" y="4050627"/>
-            <a:ext cx="2682286" cy="2305723"/>
+            <a:ext cx="4106640" cy="2305723"/>
           </a:xfrm>
           <a:prstGeom prst="rect">
             <a:avLst/>
@@ -25074,21 +25097,59 @@
             </a:r>
             <a:r>
               <a:rPr lang="ko-KR" altLang="en-US" dirty="0" smtClean="0"/>
-              <a:t>주차 </a:t>
-            </a:r>
-            <a:r>
-              <a:rPr lang="ko-KR" altLang="en-US" dirty="0" smtClean="0"/>
-              <a:t>개발 현황</a:t>
+              <a:t>주차 개발 현황</a:t>
             </a:r>
             <a:r>
               <a:rPr lang="en-US" altLang="ko-KR" dirty="0" smtClean="0"/>
-              <a:t>(</a:t>
-            </a:r>
-            <a:r>
-              <a:rPr lang="en-US" altLang="ko-KR" dirty="0" smtClean="0"/>
-              <a:t>3/29~4/4)</a:t>
+              <a:t>(3/29~4/4)</a:t>
             </a:r>
             <a:endParaRPr lang="ko-KR" altLang="en-US" dirty="0"/>
+          </a:p>
+        </p:txBody>
+      </p:sp>
+      <p:sp>
+        <p:nvSpPr>
+          <p:cNvPr id="9" name="직사각형 8"/>
+          <p:cNvSpPr/>
+          <p:nvPr/>
+        </p:nvSpPr>
+        <p:spPr>
+          <a:xfrm>
+            <a:off x="970085" y="4465158"/>
+            <a:ext cx="1421423" cy="247519"/>
+          </a:xfrm>
+          <a:prstGeom prst="rect">
+            <a:avLst/>
+          </a:prstGeom>
+          <a:noFill/>
+          <a:ln w="57150">
+            <a:solidFill>
+              <a:srgbClr val="FF0000"/>
+            </a:solidFill>
+          </a:ln>
+        </p:spPr>
+        <p:style>
+          <a:lnRef idx="2">
+            <a:schemeClr val="accent1">
+              <a:shade val="50000"/>
+            </a:schemeClr>
+          </a:lnRef>
+          <a:fillRef idx="1">
+            <a:schemeClr val="accent1"/>
+          </a:fillRef>
+          <a:effectRef idx="0">
+            <a:schemeClr val="accent1"/>
+          </a:effectRef>
+          <a:fontRef idx="minor">
+            <a:schemeClr val="lt1"/>
+          </a:fontRef>
+        </p:style>
+        <p:txBody>
+          <a:bodyPr rtlCol="0" anchor="ctr"/>
+          <a:lstStyle/>
+          <a:p>
+            <a:pPr algn="ctr"/>
+            <a:endParaRPr lang="ko-KR" altLang="en-US"/>
           </a:p>
         </p:txBody>
       </p:sp>

--- a/document/Capston Design Proposal_update(ppt).pptx
+++ b/document/Capston Design Proposal_update(ppt).pptx
@@ -15,8 +15,8 @@
     <p:sldId id="259" r:id="rId6"/>
     <p:sldId id="262" r:id="rId7"/>
     <p:sldId id="270" r:id="rId8"/>
-    <p:sldId id="278" r:id="rId9"/>
-    <p:sldId id="272" r:id="rId10"/>
+    <p:sldId id="272" r:id="rId9"/>
+    <p:sldId id="278" r:id="rId10"/>
     <p:sldId id="274" r:id="rId11"/>
     <p:sldId id="276" r:id="rId12"/>
     <p:sldId id="275" r:id="rId13"/>
@@ -1138,14 +1138,6 @@
         </dgm:presLayoutVars>
       </dgm:prSet>
       <dgm:spPr/>
-      <dgm:t>
-        <a:bodyPr/>
-        <a:lstStyle/>
-        <a:p>
-          <a:pPr latinLnBrk="1"/>
-          <a:endParaRPr lang="ko-KR" altLang="en-US"/>
-        </a:p>
-      </dgm:t>
     </dgm:pt>
     <dgm:pt modelId="{49C24EBE-CB27-48F5-9749-33D2C5E1FF8B}" type="pres">
       <dgm:prSet presAssocID="{AC120FF6-DAF7-469F-8AF2-4411B0321B2D}" presName="node" presStyleLbl="node1" presStyleIdx="0" presStyleCnt="6">
@@ -1154,14 +1146,6 @@
         </dgm:presLayoutVars>
       </dgm:prSet>
       <dgm:spPr/>
-      <dgm:t>
-        <a:bodyPr/>
-        <a:lstStyle/>
-        <a:p>
-          <a:pPr latinLnBrk="1"/>
-          <a:endParaRPr lang="ko-KR" altLang="en-US"/>
-        </a:p>
-      </dgm:t>
     </dgm:pt>
     <dgm:pt modelId="{58A7B869-2662-48B2-8EE9-732FE4F5FCF7}" type="pres">
       <dgm:prSet presAssocID="{731035E3-EE06-42D6-ADE8-70C9662F5686}" presName="sibTrans" presStyleCnt="0"/>
@@ -1174,14 +1158,6 @@
         </dgm:presLayoutVars>
       </dgm:prSet>
       <dgm:spPr/>
-      <dgm:t>
-        <a:bodyPr/>
-        <a:lstStyle/>
-        <a:p>
-          <a:pPr latinLnBrk="1"/>
-          <a:endParaRPr lang="ko-KR" altLang="en-US"/>
-        </a:p>
-      </dgm:t>
     </dgm:pt>
     <dgm:pt modelId="{2FAF5B92-0926-49E5-8F5D-0EDB9D041ED6}" type="pres">
       <dgm:prSet presAssocID="{F8ACF93D-6AF2-47A8-B735-CFE0C75967D1}" presName="sibTrans" presStyleCnt="0"/>
@@ -1194,14 +1170,6 @@
         </dgm:presLayoutVars>
       </dgm:prSet>
       <dgm:spPr/>
-      <dgm:t>
-        <a:bodyPr/>
-        <a:lstStyle/>
-        <a:p>
-          <a:pPr latinLnBrk="1"/>
-          <a:endParaRPr lang="ko-KR" altLang="en-US"/>
-        </a:p>
-      </dgm:t>
     </dgm:pt>
     <dgm:pt modelId="{7F9EA6EC-3C3D-40A5-9ACF-E563A22123C5}" type="pres">
       <dgm:prSet presAssocID="{4567A599-3950-4901-A0DD-1C6291C0630C}" presName="sibTrans" presStyleCnt="0"/>
@@ -1214,14 +1182,6 @@
         </dgm:presLayoutVars>
       </dgm:prSet>
       <dgm:spPr/>
-      <dgm:t>
-        <a:bodyPr/>
-        <a:lstStyle/>
-        <a:p>
-          <a:pPr latinLnBrk="1"/>
-          <a:endParaRPr lang="ko-KR" altLang="en-US"/>
-        </a:p>
-      </dgm:t>
     </dgm:pt>
     <dgm:pt modelId="{9428D014-91F4-477D-B126-84FB96A5D4BF}" type="pres">
       <dgm:prSet presAssocID="{63CC7A01-AE53-4F87-B78D-4449CBF95735}" presName="sibTrans" presStyleCnt="0"/>
@@ -1234,14 +1194,6 @@
         </dgm:presLayoutVars>
       </dgm:prSet>
       <dgm:spPr/>
-      <dgm:t>
-        <a:bodyPr/>
-        <a:lstStyle/>
-        <a:p>
-          <a:pPr latinLnBrk="1"/>
-          <a:endParaRPr lang="ko-KR" altLang="en-US"/>
-        </a:p>
-      </dgm:t>
     </dgm:pt>
     <dgm:pt modelId="{15EFBB9D-B382-4B45-8B5A-4B7D800B4D68}" type="pres">
       <dgm:prSet presAssocID="{8167520B-8981-40A6-AA78-AC33AAB50BBD}" presName="sibTrans" presStyleCnt="0"/>
@@ -1254,30 +1206,22 @@
         </dgm:presLayoutVars>
       </dgm:prSet>
       <dgm:spPr/>
-      <dgm:t>
-        <a:bodyPr/>
-        <a:lstStyle/>
-        <a:p>
-          <a:pPr latinLnBrk="1"/>
-          <a:endParaRPr lang="ko-KR" altLang="en-US"/>
-        </a:p>
-      </dgm:t>
     </dgm:pt>
   </dgm:ptLst>
   <dgm:cxnLst>
+    <dgm:cxn modelId="{1FD3F824-A737-4430-96C0-FEB8109D7ED0}" type="presOf" srcId="{75AEDC82-662E-4CA0-8791-46B787CEC2BA}" destId="{6D8975A5-4CA5-4D9A-AAD3-009B6A89EC74}" srcOrd="0" destOrd="0" presId="urn:microsoft.com/office/officeart/2005/8/layout/default"/>
+    <dgm:cxn modelId="{C8E8E032-A540-44AF-A8AA-BE29D931FB3D}" srcId="{E5573E26-5320-4C06-A1C6-34BFF59EE395}" destId="{781240F8-30C2-4885-AACB-502B688D7BD1}" srcOrd="4" destOrd="0" parTransId="{6E24BE20-45C4-4963-910E-27B96FF506D9}" sibTransId="{8167520B-8981-40A6-AA78-AC33AAB50BBD}"/>
+    <dgm:cxn modelId="{DDB4D35F-D9D1-44D3-9741-6383647B3BB3}" srcId="{E5573E26-5320-4C06-A1C6-34BFF59EE395}" destId="{C862ABB5-E0CE-4222-B3C1-074A5559CBB3}" srcOrd="5" destOrd="0" parTransId="{69E17A25-D73F-4A25-BC73-BDECBB213691}" sibTransId="{1CECC7B5-DFDC-42B7-BD35-417F86611FDD}"/>
+    <dgm:cxn modelId="{B2812A64-2263-4883-9D4A-B386D5685CAE}" type="presOf" srcId="{E5573E26-5320-4C06-A1C6-34BFF59EE395}" destId="{8D08D1E1-1FC7-4118-B0A2-75C9683FDA13}" srcOrd="0" destOrd="0" presId="urn:microsoft.com/office/officeart/2005/8/layout/default"/>
+    <dgm:cxn modelId="{33BD456D-1BEF-499B-AEF1-367474EBDCD0}" srcId="{E5573E26-5320-4C06-A1C6-34BFF59EE395}" destId="{AC120FF6-DAF7-469F-8AF2-4411B0321B2D}" srcOrd="0" destOrd="0" parTransId="{4DF3CD87-1EC2-40FD-BA97-6F8CD6710D53}" sibTransId="{731035E3-EE06-42D6-ADE8-70C9662F5686}"/>
+    <dgm:cxn modelId="{30013A8A-955F-4244-8B39-EDE33B91873F}" type="presOf" srcId="{C862ABB5-E0CE-4222-B3C1-074A5559CBB3}" destId="{276308A6-4ED6-4A7B-A1C6-AC9BA8640E31}" srcOrd="0" destOrd="0" presId="urn:microsoft.com/office/officeart/2005/8/layout/default"/>
     <dgm:cxn modelId="{76809C9B-CB8E-44FC-8910-0B8B81A56272}" type="presOf" srcId="{872A1C71-6FAF-47B5-90CE-99510E9D6C7A}" destId="{DFBBB5F9-2C55-408E-9280-009E298A8B8D}" srcOrd="0" destOrd="0" presId="urn:microsoft.com/office/officeart/2005/8/layout/default"/>
-    <dgm:cxn modelId="{30013A8A-955F-4244-8B39-EDE33B91873F}" type="presOf" srcId="{C862ABB5-E0CE-4222-B3C1-074A5559CBB3}" destId="{276308A6-4ED6-4A7B-A1C6-AC9BA8640E31}" srcOrd="0" destOrd="0" presId="urn:microsoft.com/office/officeart/2005/8/layout/default"/>
+    <dgm:cxn modelId="{9BF432A9-CB93-47D3-96C5-534B99A56DC6}" srcId="{E5573E26-5320-4C06-A1C6-34BFF59EE395}" destId="{FEDEC8FE-FC4F-487F-8DA3-3BB49F90D490}" srcOrd="2" destOrd="0" parTransId="{3330DB75-9EEC-46B0-9A9B-C1B2B57512CB}" sibTransId="{4567A599-3950-4901-A0DD-1C6291C0630C}"/>
+    <dgm:cxn modelId="{F7AB96AE-4D93-42EB-AD0D-4EA467CFCE9E}" type="presOf" srcId="{AC120FF6-DAF7-469F-8AF2-4411B0321B2D}" destId="{49C24EBE-CB27-48F5-9749-33D2C5E1FF8B}" srcOrd="0" destOrd="0" presId="urn:microsoft.com/office/officeart/2005/8/layout/default"/>
     <dgm:cxn modelId="{608A1CBA-EA59-4606-98C9-8B2D5EF971AE}" srcId="{E5573E26-5320-4C06-A1C6-34BFF59EE395}" destId="{75AEDC82-662E-4CA0-8791-46B787CEC2BA}" srcOrd="3" destOrd="0" parTransId="{45001C0D-8138-4314-98C2-38547DF2515B}" sibTransId="{63CC7A01-AE53-4F87-B78D-4449CBF95735}"/>
-    <dgm:cxn modelId="{DDB4D35F-D9D1-44D3-9741-6383647B3BB3}" srcId="{E5573E26-5320-4C06-A1C6-34BFF59EE395}" destId="{C862ABB5-E0CE-4222-B3C1-074A5559CBB3}" srcOrd="5" destOrd="0" parTransId="{69E17A25-D73F-4A25-BC73-BDECBB213691}" sibTransId="{1CECC7B5-DFDC-42B7-BD35-417F86611FDD}"/>
+    <dgm:cxn modelId="{383D9ACE-7757-421D-8720-9548C5E6C0A0}" type="presOf" srcId="{781240F8-30C2-4885-AACB-502B688D7BD1}" destId="{12140423-47E9-464F-8454-57709CFA86FE}" srcOrd="0" destOrd="0" presId="urn:microsoft.com/office/officeart/2005/8/layout/default"/>
+    <dgm:cxn modelId="{231B73DA-00D4-45F1-A53D-A3E9DFB5FFA7}" srcId="{E5573E26-5320-4C06-A1C6-34BFF59EE395}" destId="{872A1C71-6FAF-47B5-90CE-99510E9D6C7A}" srcOrd="1" destOrd="0" parTransId="{52BAC1D1-796E-42C5-A541-DF764E5F800B}" sibTransId="{F8ACF93D-6AF2-47A8-B735-CFE0C75967D1}"/>
     <dgm:cxn modelId="{EBFB84EE-4DC1-4F53-962A-75F55AB75B64}" type="presOf" srcId="{FEDEC8FE-FC4F-487F-8DA3-3BB49F90D490}" destId="{700CAF28-027B-4574-B0E5-B965C0EAD4B7}" srcOrd="0" destOrd="0" presId="urn:microsoft.com/office/officeart/2005/8/layout/default"/>
-    <dgm:cxn modelId="{231B73DA-00D4-45F1-A53D-A3E9DFB5FFA7}" srcId="{E5573E26-5320-4C06-A1C6-34BFF59EE395}" destId="{872A1C71-6FAF-47B5-90CE-99510E9D6C7A}" srcOrd="1" destOrd="0" parTransId="{52BAC1D1-796E-42C5-A541-DF764E5F800B}" sibTransId="{F8ACF93D-6AF2-47A8-B735-CFE0C75967D1}"/>
-    <dgm:cxn modelId="{C8E8E032-A540-44AF-A8AA-BE29D931FB3D}" srcId="{E5573E26-5320-4C06-A1C6-34BFF59EE395}" destId="{781240F8-30C2-4885-AACB-502B688D7BD1}" srcOrd="4" destOrd="0" parTransId="{6E24BE20-45C4-4963-910E-27B96FF506D9}" sibTransId="{8167520B-8981-40A6-AA78-AC33AAB50BBD}"/>
-    <dgm:cxn modelId="{B2812A64-2263-4883-9D4A-B386D5685CAE}" type="presOf" srcId="{E5573E26-5320-4C06-A1C6-34BFF59EE395}" destId="{8D08D1E1-1FC7-4118-B0A2-75C9683FDA13}" srcOrd="0" destOrd="0" presId="urn:microsoft.com/office/officeart/2005/8/layout/default"/>
-    <dgm:cxn modelId="{9BF432A9-CB93-47D3-96C5-534B99A56DC6}" srcId="{E5573E26-5320-4C06-A1C6-34BFF59EE395}" destId="{FEDEC8FE-FC4F-487F-8DA3-3BB49F90D490}" srcOrd="2" destOrd="0" parTransId="{3330DB75-9EEC-46B0-9A9B-C1B2B57512CB}" sibTransId="{4567A599-3950-4901-A0DD-1C6291C0630C}"/>
-    <dgm:cxn modelId="{1FD3F824-A737-4430-96C0-FEB8109D7ED0}" type="presOf" srcId="{75AEDC82-662E-4CA0-8791-46B787CEC2BA}" destId="{6D8975A5-4CA5-4D9A-AAD3-009B6A89EC74}" srcOrd="0" destOrd="0" presId="urn:microsoft.com/office/officeart/2005/8/layout/default"/>
-    <dgm:cxn modelId="{383D9ACE-7757-421D-8720-9548C5E6C0A0}" type="presOf" srcId="{781240F8-30C2-4885-AACB-502B688D7BD1}" destId="{12140423-47E9-464F-8454-57709CFA86FE}" srcOrd="0" destOrd="0" presId="urn:microsoft.com/office/officeart/2005/8/layout/default"/>
-    <dgm:cxn modelId="{33BD456D-1BEF-499B-AEF1-367474EBDCD0}" srcId="{E5573E26-5320-4C06-A1C6-34BFF59EE395}" destId="{AC120FF6-DAF7-469F-8AF2-4411B0321B2D}" srcOrd="0" destOrd="0" parTransId="{4DF3CD87-1EC2-40FD-BA97-6F8CD6710D53}" sibTransId="{731035E3-EE06-42D6-ADE8-70C9662F5686}"/>
-    <dgm:cxn modelId="{F7AB96AE-4D93-42EB-AD0D-4EA467CFCE9E}" type="presOf" srcId="{AC120FF6-DAF7-469F-8AF2-4411B0321B2D}" destId="{49C24EBE-CB27-48F5-9749-33D2C5E1FF8B}" srcOrd="0" destOrd="0" presId="urn:microsoft.com/office/officeart/2005/8/layout/default"/>
     <dgm:cxn modelId="{A0D9EFA4-D1F6-40BC-8D77-63E7F0789857}" type="presParOf" srcId="{8D08D1E1-1FC7-4118-B0A2-75C9683FDA13}" destId="{49C24EBE-CB27-48F5-9749-33D2C5E1FF8B}" srcOrd="0" destOrd="0" presId="urn:microsoft.com/office/officeart/2005/8/layout/default"/>
     <dgm:cxn modelId="{4A062177-6014-4942-93C7-D36AFA80EF7C}" type="presParOf" srcId="{8D08D1E1-1FC7-4118-B0A2-75C9683FDA13}" destId="{58A7B869-2662-48B2-8EE9-732FE4F5FCF7}" srcOrd="1" destOrd="0" presId="urn:microsoft.com/office/officeart/2005/8/layout/default"/>
     <dgm:cxn modelId="{9D65C942-988C-4EC5-A608-DB998A0E03D7}" type="presParOf" srcId="{8D08D1E1-1FC7-4118-B0A2-75C9683FDA13}" destId="{DFBBB5F9-2C55-408E-9280-009E298A8B8D}" srcOrd="2" destOrd="0" presId="urn:microsoft.com/office/officeart/2005/8/layout/default"/>
@@ -1363,7 +1307,7 @@
         </a:bodyPr>
         <a:lstStyle/>
         <a:p>
-          <a:pPr lvl="0" algn="ctr" defTabSz="1200150">
+          <a:pPr marL="0" lvl="0" indent="0" algn="ctr" defTabSz="1200150">
             <a:lnSpc>
               <a:spcPct val="90000"/>
             </a:lnSpc>
@@ -1373,6 +1317,7 @@
             <a:spcAft>
               <a:spcPct val="35000"/>
             </a:spcAft>
+            <a:buNone/>
           </a:pPr>
           <a:r>
             <a:rPr lang="ko-KR" sz="2700" kern="1200" dirty="0"/>
@@ -1381,7 +1326,7 @@
           <a:endParaRPr lang="en-US" altLang="ko-KR" sz="2700" kern="1200" dirty="0"/>
         </a:p>
         <a:p>
-          <a:pPr lvl="0" algn="ctr" defTabSz="1200150">
+          <a:pPr marL="0" lvl="0" indent="0" algn="ctr" defTabSz="1200150">
             <a:lnSpc>
               <a:spcPct val="90000"/>
             </a:lnSpc>
@@ -1391,6 +1336,7 @@
             <a:spcAft>
               <a:spcPct val="35000"/>
             </a:spcAft>
+            <a:buNone/>
           </a:pPr>
           <a:r>
             <a:rPr lang="en-US" sz="1400" kern="1200" dirty="0"/>
@@ -1459,7 +1405,7 @@
         </a:bodyPr>
         <a:lstStyle/>
         <a:p>
-          <a:pPr lvl="0" algn="ctr" defTabSz="1244600">
+          <a:pPr marL="0" lvl="0" indent="0" algn="ctr" defTabSz="1244600">
             <a:lnSpc>
               <a:spcPct val="90000"/>
             </a:lnSpc>
@@ -1469,6 +1415,7 @@
             <a:spcAft>
               <a:spcPct val="35000"/>
             </a:spcAft>
+            <a:buNone/>
           </a:pPr>
           <a:r>
             <a:rPr lang="ko-KR" altLang="en-US" sz="2800" kern="1200" dirty="0"/>
@@ -1541,7 +1488,7 @@
         </a:bodyPr>
         <a:lstStyle/>
         <a:p>
-          <a:pPr lvl="0" algn="ctr" defTabSz="1244600">
+          <a:pPr marL="0" lvl="0" indent="0" algn="ctr" defTabSz="1244600">
             <a:lnSpc>
               <a:spcPct val="90000"/>
             </a:lnSpc>
@@ -1551,6 +1498,7 @@
             <a:spcAft>
               <a:spcPct val="35000"/>
             </a:spcAft>
+            <a:buNone/>
           </a:pPr>
           <a:r>
             <a:rPr lang="ko-KR" altLang="en-US" sz="2800" kern="1200" dirty="0"/>
@@ -1619,7 +1567,7 @@
         </a:bodyPr>
         <a:lstStyle/>
         <a:p>
-          <a:pPr lvl="0" algn="ctr" defTabSz="1244600">
+          <a:pPr marL="0" lvl="0" indent="0" algn="ctr" defTabSz="1244600">
             <a:lnSpc>
               <a:spcPct val="90000"/>
             </a:lnSpc>
@@ -1629,6 +1577,7 @@
             <a:spcAft>
               <a:spcPct val="35000"/>
             </a:spcAft>
+            <a:buNone/>
           </a:pPr>
           <a:r>
             <a:rPr lang="ko-KR" altLang="en-US" sz="2800" kern="1200" dirty="0"/>
@@ -1697,7 +1646,7 @@
         </a:bodyPr>
         <a:lstStyle/>
         <a:p>
-          <a:pPr lvl="0" algn="ctr" defTabSz="1244600">
+          <a:pPr marL="0" lvl="0" indent="0" algn="ctr" defTabSz="1244600">
             <a:lnSpc>
               <a:spcPct val="90000"/>
             </a:lnSpc>
@@ -1707,6 +1656,7 @@
             <a:spcAft>
               <a:spcPct val="35000"/>
             </a:spcAft>
+            <a:buNone/>
           </a:pPr>
           <a:r>
             <a:rPr lang="ko-KR" sz="2800" kern="1200" dirty="0"/>
@@ -1783,7 +1733,7 @@
         </a:bodyPr>
         <a:lstStyle/>
         <a:p>
-          <a:pPr lvl="0" algn="ctr" defTabSz="1244600">
+          <a:pPr marL="0" lvl="0" indent="0" algn="ctr" defTabSz="1244600">
             <a:lnSpc>
               <a:spcPct val="90000"/>
             </a:lnSpc>
@@ -1793,6 +1743,7 @@
             <a:spcAft>
               <a:spcPct val="35000"/>
             </a:spcAft>
+            <a:buNone/>
           </a:pPr>
           <a:r>
             <a:rPr lang="en-US" sz="2800" kern="1200"/>
@@ -3072,7 +3023,7 @@
           <a:p>
             <a:fld id="{F683DB2D-529F-409D-A907-CD8ABA8978D5}" type="datetimeFigureOut">
               <a:rPr lang="ko-KR" altLang="en-US" smtClean="0"/>
-              <a:t>2019-04-01</a:t>
+              <a:t>2019-04-03</a:t>
             </a:fld>
             <a:endParaRPr lang="ko-KR" altLang="en-US"/>
           </a:p>
@@ -3486,7 +3437,7 @@
           <a:p>
             <a:fld id="{9354ACCB-19CD-4E0C-B13F-224D0CFDD2F0}" type="datetime1">
               <a:rPr lang="ko-KR" altLang="en-US" smtClean="0"/>
-              <a:t>2019-04-01</a:t>
+              <a:t>2019-04-03</a:t>
             </a:fld>
             <a:endParaRPr lang="ko-KR" altLang="en-US"/>
           </a:p>
@@ -3696,7 +3647,7 @@
           <a:p>
             <a:fld id="{4FAEBFAA-9591-4E85-B3A4-2C29A1A90972}" type="datetime1">
               <a:rPr lang="ko-KR" altLang="en-US" smtClean="0"/>
-              <a:t>2019-04-01</a:t>
+              <a:t>2019-04-03</a:t>
             </a:fld>
             <a:endParaRPr lang="ko-KR" altLang="en-US"/>
           </a:p>
@@ -3916,7 +3867,7 @@
           <a:p>
             <a:fld id="{79C822B0-3F10-4E7B-A9DD-FA2AB3A3BE8E}" type="datetime1">
               <a:rPr lang="ko-KR" altLang="en-US" smtClean="0"/>
-              <a:t>2019-04-01</a:t>
+              <a:t>2019-04-03</a:t>
             </a:fld>
             <a:endParaRPr lang="ko-KR" altLang="en-US"/>
           </a:p>
@@ -4197,7 +4148,7 @@
                 <a:tabLst/>
                 <a:defRPr/>
               </a:pPr>
-              <a:t>2019-04-01</a:t>
+              <a:t>2019-04-03</a:t>
             </a:fld>
             <a:endParaRPr kumimoji="0" lang="ko-KR" altLang="en-US" sz="1200" b="0" i="0" u="none" strike="noStrike" kern="1200" cap="none" spc="0" normalizeH="0" baseline="0" noProof="0">
               <a:ln>
@@ -4577,7 +4528,7 @@
                 <a:tabLst/>
                 <a:defRPr/>
               </a:pPr>
-              <a:t>2019-04-01</a:t>
+              <a:t>2019-04-03</a:t>
             </a:fld>
             <a:endParaRPr kumimoji="0" lang="ko-KR" altLang="en-US" sz="1200" b="0" i="0" u="none" strike="noStrike" kern="1200" cap="none" spc="0" normalizeH="0" baseline="0" noProof="0">
               <a:ln>
@@ -5034,7 +4985,7 @@
                 <a:tabLst/>
                 <a:defRPr/>
               </a:pPr>
-              <a:t>2019-04-01</a:t>
+              <a:t>2019-04-03</a:t>
             </a:fld>
             <a:endParaRPr kumimoji="0" lang="ko-KR" altLang="en-US" sz="1200" b="0" i="0" u="none" strike="noStrike" kern="1200" cap="none" spc="0" normalizeH="0" baseline="0" noProof="0">
               <a:ln>
@@ -5481,7 +5432,7 @@
                 <a:tabLst/>
                 <a:defRPr/>
               </a:pPr>
-              <a:t>2019-04-01</a:t>
+              <a:t>2019-04-03</a:t>
             </a:fld>
             <a:endParaRPr kumimoji="0" lang="ko-KR" altLang="en-US" sz="1200" b="0" i="0" u="none" strike="noStrike" kern="1200" cap="none" spc="0" normalizeH="0" baseline="0" noProof="0">
               <a:ln>
@@ -6075,7 +6026,7 @@
                 <a:tabLst/>
                 <a:defRPr/>
               </a:pPr>
-              <a:t>2019-04-01</a:t>
+              <a:t>2019-04-03</a:t>
             </a:fld>
             <a:endParaRPr kumimoji="0" lang="ko-KR" altLang="en-US" sz="1200" b="0" i="0" u="none" strike="noStrike" kern="1200" cap="none" spc="0" normalizeH="0" baseline="0" noProof="0">
               <a:ln>
@@ -6398,7 +6349,7 @@
                 <a:tabLst/>
                 <a:defRPr/>
               </a:pPr>
-              <a:t>2019-04-01</a:t>
+              <a:t>2019-04-03</a:t>
             </a:fld>
             <a:endParaRPr kumimoji="0" lang="ko-KR" altLang="en-US" sz="1200" b="0" i="0" u="none" strike="noStrike" kern="1200" cap="none" spc="0" normalizeH="0" baseline="0" noProof="0">
               <a:ln>
@@ -6693,7 +6644,7 @@
                 <a:tabLst/>
                 <a:defRPr/>
               </a:pPr>
-              <a:t>2019-04-01</a:t>
+              <a:t>2019-04-03</a:t>
             </a:fld>
             <a:endParaRPr kumimoji="0" lang="ko-KR" altLang="en-US" sz="1200" b="0" i="0" u="none" strike="noStrike" kern="1200" cap="none" spc="0" normalizeH="0" baseline="0" noProof="0">
               <a:ln>
@@ -7186,7 +7137,7 @@
                 <a:tabLst/>
                 <a:defRPr/>
               </a:pPr>
-              <a:t>2019-04-01</a:t>
+              <a:t>2019-04-03</a:t>
             </a:fld>
             <a:endParaRPr kumimoji="0" lang="ko-KR" altLang="en-US" sz="1200" b="0" i="0" u="none" strike="noStrike" kern="1200" cap="none" spc="0" normalizeH="0" baseline="0" noProof="0">
               <a:ln>
@@ -7517,7 +7468,7 @@
           <a:p>
             <a:fld id="{8D67230E-3278-4540-B35D-B83F247555A9}" type="datetime1">
               <a:rPr lang="ko-KR" altLang="en-US" smtClean="0"/>
-              <a:t>2019-04-01</a:t>
+              <a:t>2019-04-03</a:t>
             </a:fld>
             <a:endParaRPr lang="ko-KR" altLang="en-US"/>
           </a:p>
@@ -7866,7 +7817,7 @@
                 <a:tabLst/>
                 <a:defRPr/>
               </a:pPr>
-              <a:t>2019-04-01</a:t>
+              <a:t>2019-04-03</a:t>
             </a:fld>
             <a:endParaRPr kumimoji="0" lang="ko-KR" altLang="en-US" sz="1200" b="0" i="0" u="none" strike="noStrike" kern="1200" cap="none" spc="0" normalizeH="0" baseline="0" noProof="0">
               <a:ln>
@@ -8246,7 +8197,7 @@
                 <a:tabLst/>
                 <a:defRPr/>
               </a:pPr>
-              <a:t>2019-04-01</a:t>
+              <a:t>2019-04-03</a:t>
             </a:fld>
             <a:endParaRPr kumimoji="0" lang="ko-KR" altLang="en-US" sz="1200" b="0" i="0" u="none" strike="noStrike" kern="1200" cap="none" spc="0" normalizeH="0" baseline="0" noProof="0">
               <a:ln>
@@ -8636,7 +8587,7 @@
                 <a:tabLst/>
                 <a:defRPr/>
               </a:pPr>
-              <a:t>2019-04-01</a:t>
+              <a:t>2019-04-03</a:t>
             </a:fld>
             <a:endParaRPr kumimoji="0" lang="ko-KR" altLang="en-US" sz="1200" b="0" i="0" u="none" strike="noStrike" kern="1200" cap="none" spc="0" normalizeH="0" baseline="0" noProof="0">
               <a:ln>
@@ -9044,7 +8995,7 @@
           <a:p>
             <a:fld id="{DCE311CA-4C8B-4E49-8FF4-4BAA992A58AA}" type="datetime1">
               <a:rPr lang="ko-KR" altLang="en-US" smtClean="0"/>
-              <a:t>2019-04-01</a:t>
+              <a:t>2019-04-03</a:t>
             </a:fld>
             <a:endParaRPr lang="ko-KR" altLang="en-US"/>
           </a:p>
@@ -9321,7 +9272,7 @@
           <a:p>
             <a:fld id="{E3B1E17F-2EF5-4BBA-99D4-1DFC3AD7C7A3}" type="datetime1">
               <a:rPr lang="ko-KR" altLang="en-US" smtClean="0"/>
-              <a:t>2019-04-01</a:t>
+              <a:t>2019-04-03</a:t>
             </a:fld>
             <a:endParaRPr lang="ko-KR" altLang="en-US"/>
           </a:p>
@@ -9745,7 +9696,7 @@
           <a:p>
             <a:fld id="{F1218AA8-ACDA-41BF-A08E-CF3FDD7AACF4}" type="datetime1">
               <a:rPr lang="ko-KR" altLang="en-US" smtClean="0"/>
-              <a:t>2019-04-01</a:t>
+              <a:t>2019-04-03</a:t>
             </a:fld>
             <a:endParaRPr lang="ko-KR" altLang="en-US"/>
           </a:p>
@@ -9898,7 +9849,7 @@
           <a:p>
             <a:fld id="{B30685B6-1658-4444-8ED6-BAA8292AC35D}" type="datetime1">
               <a:rPr lang="ko-KR" altLang="en-US" smtClean="0"/>
-              <a:t>2019-04-01</a:t>
+              <a:t>2019-04-03</a:t>
             </a:fld>
             <a:endParaRPr lang="ko-KR" altLang="en-US"/>
           </a:p>
@@ -10023,7 +9974,7 @@
           <a:p>
             <a:fld id="{7E5E2344-DFDD-4A1E-A93F-38C22E0CD0F8}" type="datetime1">
               <a:rPr lang="ko-KR" altLang="en-US" smtClean="0"/>
-              <a:t>2019-04-01</a:t>
+              <a:t>2019-04-03</a:t>
             </a:fld>
             <a:endParaRPr lang="ko-KR" altLang="en-US"/>
           </a:p>
@@ -10346,7 +10297,7 @@
           <a:p>
             <a:fld id="{57A99550-E1AF-4BE9-8F2E-AF08BA774043}" type="datetime1">
               <a:rPr lang="ko-KR" altLang="en-US" smtClean="0"/>
-              <a:t>2019-04-01</a:t>
+              <a:t>2019-04-03</a:t>
             </a:fld>
             <a:endParaRPr lang="ko-KR" altLang="en-US"/>
           </a:p>
@@ -10646,7 +10597,7 @@
           <a:p>
             <a:fld id="{F69D0EBF-C32C-4496-9510-DE15F631A736}" type="datetime1">
               <a:rPr lang="ko-KR" altLang="en-US" smtClean="0"/>
-              <a:t>2019-04-01</a:t>
+              <a:t>2019-04-03</a:t>
             </a:fld>
             <a:endParaRPr lang="ko-KR" altLang="en-US"/>
           </a:p>
@@ -10899,7 +10850,7 @@
           <a:p>
             <a:fld id="{6CCC5169-5AF7-43F4-B17C-CDCE201A5D04}" type="datetime1">
               <a:rPr lang="ko-KR" altLang="en-US" smtClean="0"/>
-              <a:t>2019-04-01</a:t>
+              <a:t>2019-04-03</a:t>
             </a:fld>
             <a:endParaRPr lang="ko-KR" altLang="en-US"/>
           </a:p>
@@ -11529,7 +11480,7 @@
                 <a:tabLst/>
                 <a:defRPr/>
               </a:pPr>
-              <a:t>2019-04-01</a:t>
+              <a:t>2019-04-03</a:t>
             </a:fld>
             <a:endParaRPr kumimoji="0" lang="ko-KR" altLang="en-US" sz="1200" b="0" i="0" u="none" strike="noStrike" kern="1200" cap="none" spc="0" normalizeH="0" baseline="0" noProof="0">
               <a:ln>
@@ -12117,25 +12068,25 @@
               <a:t> </a:t>
             </a:r>
             <a:r>
-              <a:rPr lang="en-US" altLang="ko-KR" b="1" dirty="0" err="1" smtClean="0"/>
+              <a:rPr lang="en-US" altLang="ko-KR" b="1" dirty="0" err="1"/>
               <a:t>coordy</a:t>
             </a:r>
             <a:r>
-              <a:rPr lang="en-US" altLang="ko-KR" b="1" dirty="0" smtClean="0"/>
+              <a:rPr lang="en-US" altLang="ko-KR" b="1" dirty="0"/>
               <a:t> </a:t>
             </a:r>
             <a:br>
-              <a:rPr lang="en-US" altLang="ko-KR" b="1" dirty="0" smtClean="0"/>
+              <a:rPr lang="en-US" altLang="ko-KR" b="1" dirty="0"/>
             </a:br>
             <a:r>
-              <a:rPr lang="en-US" altLang="ko-KR" b="1" dirty="0" smtClean="0"/>
+              <a:rPr lang="en-US" altLang="ko-KR" b="1" dirty="0"/>
               <a:t>for 20’s man &amp; woman </a:t>
             </a:r>
             <a:br>
-              <a:rPr lang="en-US" altLang="ko-KR" b="1" dirty="0" smtClean="0"/>
+              <a:rPr lang="en-US" altLang="ko-KR" b="1" dirty="0"/>
             </a:br>
             <a:r>
-              <a:rPr lang="en-US" altLang="ko-KR" b="1" dirty="0" smtClean="0"/>
+              <a:rPr lang="en-US" altLang="ko-KR" b="1" dirty="0"/>
               <a:t>in Website</a:t>
             </a:r>
             <a:endParaRPr lang="ko-KR" altLang="en-US" b="1" dirty="0"/>
@@ -12178,15 +12129,7 @@
             </a:r>
             <a:r>
               <a:rPr lang="ko-KR" altLang="en-US" dirty="0"/>
-              <a:t>대들을 위한 </a:t>
-            </a:r>
-            <a:r>
-              <a:rPr lang="ko-KR" altLang="en-US" dirty="0" smtClean="0"/>
-              <a:t>반영 </a:t>
-            </a:r>
-            <a:r>
-              <a:rPr lang="ko-KR" altLang="en-US" dirty="0"/>
-              <a:t>코디 추천 </a:t>
+              <a:t>대들을 위한 반영 코디 추천 </a:t>
             </a:r>
             <a:endParaRPr lang="en-US" altLang="ko-KR" dirty="0"/>
           </a:p>
@@ -12221,7 +12164,7 @@
           <a:p>
             <a:fld id="{91962739-0023-4221-B57F-9E36DE2563FE}" type="datetime1">
               <a:rPr lang="ko-KR" altLang="en-US" smtClean="0"/>
-              <a:t>2019-04-01</a:t>
+              <a:t>2019-04-03</a:t>
             </a:fld>
             <a:endParaRPr lang="ko-KR" altLang="en-US"/>
           </a:p>
@@ -12254,23 +12197,15 @@
             </a:r>
             <a:r>
               <a:rPr lang="ko-KR" altLang="en-US" dirty="0"/>
-              <a:t>학기 </a:t>
-            </a:r>
-            <a:r>
-              <a:rPr lang="ko-KR" altLang="en-US" dirty="0" smtClean="0"/>
-              <a:t>산학</a:t>
-            </a:r>
-            <a:r>
-              <a:rPr lang="en-US" altLang="ko-KR" dirty="0" err="1" smtClean="0"/>
+              <a:t>학기 산학</a:t>
+            </a:r>
+            <a:r>
+              <a:rPr lang="en-US" altLang="ko-KR" dirty="0" err="1"/>
               <a:t>Capston</a:t>
             </a:r>
             <a:r>
-              <a:rPr lang="en-US" altLang="ko-KR" dirty="0" smtClean="0"/>
-              <a:t> </a:t>
-            </a:r>
-            <a:r>
               <a:rPr lang="en-US" altLang="ko-KR" dirty="0"/>
-              <a:t>Design </a:t>
+              <a:t> Design </a:t>
             </a:r>
             <a:endParaRPr lang="ko-KR" altLang="en-US" dirty="0"/>
           </a:p>
@@ -12352,22 +12287,22 @@
           </a:p>
           <a:p>
             <a:r>
-              <a:rPr lang="ko-KR" altLang="en-US" dirty="0" err="1" smtClean="0"/>
+              <a:rPr lang="ko-KR" altLang="en-US" dirty="0" err="1"/>
               <a:t>최예솜</a:t>
             </a:r>
-            <a:endParaRPr lang="en-US" altLang="ko-KR" dirty="0" smtClean="0"/>
-          </a:p>
-          <a:p>
-            <a:r>
-              <a:rPr lang="ko-KR" altLang="en-US" dirty="0" smtClean="0"/>
+            <a:endParaRPr lang="en-US" altLang="ko-KR" dirty="0"/>
+          </a:p>
+          <a:p>
+            <a:r>
+              <a:rPr lang="ko-KR" altLang="en-US" dirty="0"/>
               <a:t>박지혜</a:t>
             </a:r>
             <a:r>
-              <a:rPr lang="en-US" altLang="ko-KR" dirty="0" smtClean="0"/>
+              <a:rPr lang="en-US" altLang="ko-KR" dirty="0"/>
               <a:t>(4</a:t>
             </a:r>
             <a:r>
-              <a:rPr lang="ko-KR" altLang="en-US" dirty="0" smtClean="0"/>
+              <a:rPr lang="ko-KR" altLang="en-US" dirty="0"/>
               <a:t>월</a:t>
             </a:r>
             <a:r>
@@ -12375,12 +12310,8 @@
               <a:t>4</a:t>
             </a:r>
             <a:r>
-              <a:rPr lang="ko-KR" altLang="en-US" dirty="0" smtClean="0"/>
-              <a:t>일 </a:t>
-            </a:r>
-            <a:r>
               <a:rPr lang="ko-KR" altLang="en-US" dirty="0"/>
-              <a:t>발표자</a:t>
+              <a:t>일 발표자</a:t>
             </a:r>
             <a:r>
               <a:rPr lang="en-US" altLang="ko-KR" dirty="0"/>
@@ -12402,13 +12333,6 @@
   <p:clrMapOvr>
     <a:masterClrMapping/>
   </p:clrMapOvr>
-  <p:timing>
-    <p:tnLst>
-      <p:par>
-        <p:cTn id="1" dur="indefinite" restart="never" nodeType="tmRoot"/>
-      </p:par>
-    </p:tnLst>
-  </p:timing>
 </p:sld>
 </file>
 
@@ -12446,7 +12370,7 @@
           <a:p>
             <a:fld id="{8D67230E-3278-4540-B35D-B83F247555A9}" type="datetime1">
               <a:rPr lang="ko-KR" altLang="en-US" smtClean="0"/>
-              <a:t>2019-04-01</a:t>
+              <a:t>2019-04-03</a:t>
             </a:fld>
             <a:endParaRPr lang="ko-KR" altLang="en-US"/>
           </a:p>
@@ -12468,15 +12392,15 @@
           <a:lstStyle/>
           <a:p>
             <a:r>
-              <a:rPr lang="en-US" altLang="ko-KR" smtClean="0"/>
+              <a:rPr lang="en-US" altLang="ko-KR"/>
               <a:t>2019-1</a:t>
             </a:r>
             <a:r>
-              <a:rPr lang="ko-KR" altLang="en-US" smtClean="0"/>
+              <a:rPr lang="ko-KR" altLang="en-US"/>
               <a:t>학기 </a:t>
             </a:r>
             <a:r>
-              <a:rPr lang="en-US" altLang="ko-KR" smtClean="0"/>
+              <a:rPr lang="en-US" altLang="ko-KR"/>
               <a:t>Capston Design </a:t>
             </a:r>
             <a:endParaRPr lang="ko-KR" altLang="en-US"/>
@@ -12596,7 +12520,7 @@
           <a:lstStyle/>
           <a:p>
             <a:r>
-              <a:rPr lang="en-US" altLang="ko-KR" dirty="0" err="1" smtClean="0">
+              <a:rPr lang="en-US" altLang="ko-KR" dirty="0" err="1">
                 <a:solidFill>
                   <a:schemeClr val="bg1"/>
                 </a:solidFill>
@@ -12634,7 +12558,7 @@
           <a:lstStyle/>
           <a:p>
             <a:r>
-              <a:rPr lang="en-US" altLang="ko-KR" dirty="0" smtClean="0">
+              <a:rPr lang="en-US" altLang="ko-KR" dirty="0">
                 <a:solidFill>
                   <a:schemeClr val="bg1"/>
                 </a:solidFill>
@@ -12642,7 +12566,7 @@
               <a:t>Main-</a:t>
             </a:r>
             <a:r>
-              <a:rPr lang="en-US" altLang="ko-KR" dirty="0" err="1" smtClean="0">
+              <a:rPr lang="en-US" altLang="ko-KR" dirty="0" err="1">
                 <a:solidFill>
                   <a:schemeClr val="bg1"/>
                 </a:solidFill>
@@ -12680,7 +12604,7 @@
           <a:lstStyle/>
           <a:p>
             <a:r>
-              <a:rPr lang="en-US" altLang="ko-KR" dirty="0" smtClean="0">
+              <a:rPr lang="en-US" altLang="ko-KR" dirty="0">
                 <a:solidFill>
                   <a:schemeClr val="bg1"/>
                 </a:solidFill>
@@ -12718,57 +12642,53 @@
           <a:lstStyle/>
           <a:p>
             <a:r>
-              <a:rPr lang="ko-KR" altLang="en-US" dirty="0" smtClean="0"/>
+              <a:rPr lang="ko-KR" altLang="en-US" dirty="0"/>
               <a:t>경로설정 </a:t>
             </a:r>
             <a:r>
-              <a:rPr lang="en-US" altLang="ko-KR" dirty="0" smtClean="0"/>
+              <a:rPr lang="en-US" altLang="ko-KR" dirty="0"/>
               <a:t>– </a:t>
             </a:r>
             <a:r>
-              <a:rPr lang="en-US" altLang="ko-KR" dirty="0" err="1" smtClean="0"/>
+              <a:rPr lang="en-US" altLang="ko-KR" dirty="0" err="1"/>
               <a:t>mainpage</a:t>
             </a:r>
             <a:r>
-              <a:rPr lang="ko-KR" altLang="en-US" dirty="0" smtClean="0"/>
+              <a:rPr lang="ko-KR" altLang="en-US" dirty="0"/>
               <a:t>의 </a:t>
             </a:r>
             <a:r>
-              <a:rPr lang="en-US" altLang="ko-KR" dirty="0" err="1" smtClean="0"/>
+              <a:rPr lang="en-US" altLang="ko-KR" dirty="0" err="1"/>
               <a:t>urls</a:t>
             </a:r>
             <a:r>
-              <a:rPr lang="ko-KR" altLang="en-US" dirty="0" smtClean="0"/>
+              <a:rPr lang="ko-KR" altLang="en-US" dirty="0"/>
               <a:t>파일 실행</a:t>
             </a:r>
             <a:r>
-              <a:rPr lang="en-US" altLang="ko-KR" dirty="0" smtClean="0"/>
+              <a:rPr lang="en-US" altLang="ko-KR" dirty="0"/>
               <a:t>.</a:t>
             </a:r>
           </a:p>
           <a:p>
             <a:r>
               <a:rPr lang="en-US" altLang="ko-KR" dirty="0"/>
-              <a:t>	 </a:t>
-            </a:r>
-            <a:r>
-              <a:rPr lang="en-US" altLang="ko-KR" dirty="0" smtClean="0"/>
-              <a:t>admin – </a:t>
-            </a:r>
-            <a:r>
-              <a:rPr lang="ko-KR" altLang="en-US" dirty="0" smtClean="0"/>
+              <a:t>	 admin – </a:t>
+            </a:r>
+            <a:r>
+              <a:rPr lang="ko-KR" altLang="en-US" dirty="0"/>
               <a:t>관리자모드로 접근 </a:t>
             </a:r>
             <a:r>
-              <a:rPr lang="en-US" altLang="ko-KR" dirty="0" smtClean="0"/>
+              <a:rPr lang="en-US" altLang="ko-KR" dirty="0"/>
               <a:t>(</a:t>
             </a:r>
             <a:r>
-              <a:rPr lang="ko-KR" altLang="en-US" dirty="0" smtClean="0"/>
+              <a:rPr lang="ko-KR" altLang="en-US" dirty="0"/>
               <a:t>기본설정</a:t>
             </a:r>
             <a:r>
-              <a:rPr lang="en-US" altLang="ko-KR" dirty="0" smtClean="0"/>
+              <a:rPr lang="en-US" altLang="ko-KR" dirty="0"/>
               <a:t>)</a:t>
             </a:r>
             <a:endParaRPr lang="ko-KR" altLang="en-US" dirty="0"/>
@@ -12798,50 +12718,34 @@
           <a:lstStyle/>
           <a:p>
             <a:r>
-              <a:rPr lang="en-US" altLang="ko-KR" dirty="0" smtClean="0"/>
+              <a:rPr lang="en-US" altLang="ko-KR" dirty="0"/>
               <a:t>‘ ‘ – </a:t>
             </a:r>
             <a:r>
-              <a:rPr lang="ko-KR" altLang="en-US" dirty="0" smtClean="0"/>
-              <a:t>웹사이트 접속 시 디폴트 </a:t>
-            </a:r>
-            <a:r>
-              <a:rPr lang="ko-KR" altLang="en-US" dirty="0" smtClean="0"/>
-              <a:t>값</a:t>
-            </a:r>
-            <a:endParaRPr lang="en-US" altLang="ko-KR" dirty="0" smtClean="0"/>
+              <a:rPr lang="ko-KR" altLang="en-US" dirty="0"/>
+              <a:t>웹사이트 접속 시 디폴트 값</a:t>
+            </a:r>
+            <a:endParaRPr lang="en-US" altLang="ko-KR" dirty="0"/>
           </a:p>
           <a:p>
             <a:r>
               <a:rPr lang="en-US" altLang="ko-KR" dirty="0"/>
-              <a:t> </a:t>
-            </a:r>
-            <a:r>
-              <a:rPr lang="en-US" altLang="ko-KR" dirty="0" smtClean="0"/>
-              <a:t>view</a:t>
-            </a:r>
-            <a:r>
-              <a:rPr lang="ko-KR" altLang="en-US" dirty="0" smtClean="0"/>
+              <a:t> view</a:t>
+            </a:r>
+            <a:r>
+              <a:rPr lang="ko-KR" altLang="en-US" dirty="0"/>
               <a:t>파일의 </a:t>
             </a:r>
             <a:r>
-              <a:rPr lang="en-US" altLang="ko-KR" dirty="0" smtClean="0"/>
+              <a:rPr lang="en-US" altLang="ko-KR" dirty="0"/>
               <a:t>index</a:t>
             </a:r>
             <a:r>
-              <a:rPr lang="ko-KR" altLang="en-US" dirty="0" smtClean="0"/>
-              <a:t>함수</a:t>
-            </a:r>
-            <a:r>
-              <a:rPr lang="ko-KR" altLang="en-US" dirty="0" smtClean="0"/>
-              <a:t> </a:t>
-            </a:r>
-            <a:r>
-              <a:rPr lang="ko-KR" altLang="en-US" dirty="0" smtClean="0"/>
-              <a:t>실행</a:t>
-            </a:r>
-            <a:r>
-              <a:rPr lang="en-US" altLang="ko-KR" dirty="0" smtClean="0"/>
+              <a:rPr lang="ko-KR" altLang="en-US" dirty="0"/>
+              <a:t>함수 실행</a:t>
+            </a:r>
+            <a:r>
+              <a:rPr lang="en-US" altLang="ko-KR" dirty="0"/>
               <a:t> </a:t>
             </a:r>
             <a:endParaRPr lang="ko-KR" altLang="en-US" dirty="0"/>
@@ -12871,33 +12775,28 @@
           <a:lstStyle/>
           <a:p>
             <a:r>
-              <a:rPr lang="en-US" altLang="ko-KR" dirty="0" smtClean="0"/>
-              <a:t>View </a:t>
-            </a:r>
-            <a:r>
-              <a:rPr lang="en-US" altLang="ko-KR" dirty="0" smtClean="0"/>
-              <a:t>– </a:t>
-            </a:r>
-            <a:r>
-              <a:rPr lang="en-US" altLang="ko-KR" dirty="0" err="1" smtClean="0"/>
+              <a:rPr lang="en-US" altLang="ko-KR" dirty="0"/>
+              <a:t>View – </a:t>
+            </a:r>
+            <a:r>
+              <a:rPr lang="en-US" altLang="ko-KR" dirty="0" err="1"/>
               <a:t>Url</a:t>
             </a:r>
             <a:r>
-              <a:rPr lang="en-US" altLang="ko-KR" dirty="0" smtClean="0"/>
+              <a:rPr lang="en-US" altLang="ko-KR" dirty="0"/>
               <a:t> </a:t>
             </a:r>
             <a:r>
-              <a:rPr lang="ko-KR" altLang="en-US" dirty="0" smtClean="0"/>
+              <a:rPr lang="ko-KR" altLang="en-US" dirty="0"/>
               <a:t>접속 시 사용자에게 </a:t>
             </a:r>
-            <a:endParaRPr lang="en-US" altLang="ko-KR" dirty="0" smtClean="0"/>
-          </a:p>
-          <a:p>
-            <a:r>
-              <a:rPr lang="ko-KR" altLang="en-US" dirty="0" smtClean="0"/>
+            <a:endParaRPr lang="en-US" altLang="ko-KR" dirty="0"/>
+          </a:p>
+          <a:p>
+            <a:r>
+              <a:rPr lang="ko-KR" altLang="en-US" dirty="0"/>
               <a:t>보여주는 첫 페이지 문구를 설정</a:t>
             </a:r>
-            <a:endParaRPr lang="ko-KR" altLang="en-US" dirty="0"/>
           </a:p>
         </p:txBody>
       </p:sp>
@@ -12924,22 +12823,21 @@
           <a:lstStyle/>
           <a:p>
             <a:r>
-              <a:rPr lang="en-US" altLang="ko-KR" dirty="0" smtClean="0"/>
+              <a:rPr lang="en-US" altLang="ko-KR" dirty="0"/>
               <a:t>Main </a:t>
             </a:r>
             <a:r>
-              <a:rPr lang="ko-KR" altLang="en-US" dirty="0" smtClean="0"/>
+              <a:rPr lang="ko-KR" altLang="en-US" dirty="0"/>
               <a:t>패키지 </a:t>
             </a:r>
             <a:r>
-              <a:rPr lang="en-US" altLang="ko-KR" dirty="0" smtClean="0"/>
+              <a:rPr lang="en-US" altLang="ko-KR" dirty="0"/>
               <a:t>– </a:t>
             </a:r>
             <a:r>
-              <a:rPr lang="ko-KR" altLang="en-US" dirty="0" smtClean="0"/>
+              <a:rPr lang="ko-KR" altLang="en-US" dirty="0"/>
               <a:t>우리가 첫 화면을 꾸미기 위해 추가한 애플리케이션</a:t>
             </a:r>
-            <a:endParaRPr lang="ko-KR" altLang="en-US" dirty="0"/>
           </a:p>
         </p:txBody>
       </p:sp>
@@ -12975,15 +12873,7 @@
             </a:r>
             <a:r>
               <a:rPr lang="ko-KR" altLang="en-US" dirty="0"/>
-              <a:t>패키지 </a:t>
-            </a:r>
-            <a:r>
-              <a:rPr lang="ko-KR" altLang="en-US" dirty="0" smtClean="0"/>
-              <a:t>프로젝트 </a:t>
-            </a:r>
-            <a:r>
-              <a:rPr lang="ko-KR" altLang="en-US" dirty="0"/>
-              <a:t>생성 시 자동 생성</a:t>
+              <a:t>패키지 프로젝트 생성 시 자동 생성</a:t>
             </a:r>
             <a:endParaRPr lang="en-US" altLang="ko-KR" dirty="0"/>
           </a:p>
@@ -13193,30 +13083,29 @@
           <a:lstStyle/>
           <a:p>
             <a:r>
-              <a:rPr lang="en-US" altLang="ko-KR" sz="1200" dirty="0" smtClean="0"/>
+              <a:rPr lang="en-US" altLang="ko-KR" sz="1200" dirty="0"/>
               <a:t>※ </a:t>
             </a:r>
             <a:r>
-              <a:rPr lang="ko-KR" altLang="en-US" sz="1200" dirty="0" smtClean="0"/>
+              <a:rPr lang="ko-KR" altLang="en-US" sz="1200" dirty="0"/>
               <a:t>새로운 애플리케이션 추가 </a:t>
             </a:r>
             <a:r>
-              <a:rPr lang="en-US" altLang="ko-KR" sz="1200" dirty="0" smtClean="0"/>
+              <a:rPr lang="en-US" altLang="ko-KR" sz="1200" dirty="0"/>
               <a:t>– python manage.py </a:t>
             </a:r>
             <a:r>
-              <a:rPr lang="en-US" altLang="ko-KR" sz="1200" dirty="0" err="1" smtClean="0"/>
+              <a:rPr lang="en-US" altLang="ko-KR" sz="1200" dirty="0" err="1"/>
               <a:t>startapp</a:t>
             </a:r>
             <a:r>
-              <a:rPr lang="en-US" altLang="ko-KR" sz="1200" dirty="0" smtClean="0"/>
+              <a:rPr lang="en-US" altLang="ko-KR" sz="1200" dirty="0"/>
               <a:t>  </a:t>
             </a:r>
             <a:r>
-              <a:rPr lang="ko-KR" altLang="en-US" sz="1200" dirty="0" smtClean="0"/>
+              <a:rPr lang="ko-KR" altLang="en-US" sz="1200" dirty="0"/>
               <a:t>생성할 애플리케이션 이름</a:t>
             </a:r>
-            <a:endParaRPr lang="ko-KR" altLang="en-US" sz="1200" dirty="0"/>
           </a:p>
         </p:txBody>
       </p:sp>
@@ -13230,13 +13119,6 @@
   <p:clrMapOvr>
     <a:masterClrMapping/>
   </p:clrMapOvr>
-  <p:timing>
-    <p:tnLst>
-      <p:par>
-        <p:cTn id="1" dur="indefinite" restart="never" nodeType="tmRoot"/>
-      </p:par>
-    </p:tnLst>
-  </p:timing>
 </p:sld>
 </file>
 
@@ -13274,7 +13156,7 @@
           <a:p>
             <a:fld id="{8D67230E-3278-4540-B35D-B83F247555A9}" type="datetime1">
               <a:rPr lang="ko-KR" altLang="en-US" smtClean="0"/>
-              <a:t>2019-04-01</a:t>
+              <a:t>2019-04-03</a:t>
             </a:fld>
             <a:endParaRPr lang="ko-KR" altLang="en-US"/>
           </a:p>
@@ -13296,15 +13178,15 @@
           <a:lstStyle/>
           <a:p>
             <a:r>
-              <a:rPr lang="en-US" altLang="ko-KR" smtClean="0"/>
+              <a:rPr lang="en-US" altLang="ko-KR"/>
               <a:t>2019-1</a:t>
             </a:r>
             <a:r>
-              <a:rPr lang="ko-KR" altLang="en-US" smtClean="0"/>
+              <a:rPr lang="ko-KR" altLang="en-US"/>
               <a:t>학기 </a:t>
             </a:r>
             <a:r>
-              <a:rPr lang="en-US" altLang="ko-KR" smtClean="0"/>
+              <a:rPr lang="en-US" altLang="ko-KR"/>
               <a:t>Capston Design </a:t>
             </a:r>
             <a:endParaRPr lang="ko-KR" altLang="en-US"/>
@@ -13470,18 +13352,13 @@
           <a:lstStyle/>
           <a:p>
             <a:r>
-              <a:rPr lang="ko-KR" altLang="en-US" dirty="0" smtClean="0">
+              <a:rPr lang="ko-KR" altLang="en-US" dirty="0">
                 <a:solidFill>
                   <a:schemeClr val="bg1"/>
                 </a:solidFill>
               </a:rPr>
               <a:t>실행 명령어</a:t>
             </a:r>
-            <a:endParaRPr lang="ko-KR" altLang="en-US" dirty="0">
-              <a:solidFill>
-                <a:schemeClr val="bg1"/>
-              </a:solidFill>
-            </a:endParaRPr>
           </a:p>
         </p:txBody>
       </p:sp>
@@ -13508,18 +13385,13 @@
           <a:lstStyle/>
           <a:p>
             <a:r>
-              <a:rPr lang="ko-KR" altLang="en-US" dirty="0" smtClean="0">
+              <a:rPr lang="ko-KR" altLang="en-US" dirty="0">
                 <a:solidFill>
                   <a:schemeClr val="bg1"/>
                 </a:solidFill>
               </a:rPr>
               <a:t>생성된 웹사이트 주소</a:t>
             </a:r>
-            <a:endParaRPr lang="ko-KR" altLang="en-US" dirty="0">
-              <a:solidFill>
-                <a:schemeClr val="bg1"/>
-              </a:solidFill>
-            </a:endParaRPr>
           </a:p>
         </p:txBody>
       </p:sp>
@@ -13640,10 +13512,9 @@
           <a:lstStyle/>
           <a:p>
             <a:r>
-              <a:rPr lang="ko-KR" altLang="en-US" smtClean="0"/>
+              <a:rPr lang="ko-KR" altLang="en-US"/>
               <a:t>생성된 웹사이트</a:t>
             </a:r>
-            <a:endParaRPr lang="ko-KR" altLang="en-US"/>
           </a:p>
         </p:txBody>
       </p:sp>
@@ -13657,13 +13528,6 @@
   <p:clrMapOvr>
     <a:masterClrMapping/>
   </p:clrMapOvr>
-  <p:timing>
-    <p:tnLst>
-      <p:par>
-        <p:cTn id="1" dur="indefinite" restart="never" nodeType="tmRoot"/>
-      </p:par>
-    </p:tnLst>
-  </p:timing>
 </p:sld>
 </file>
 
@@ -16566,7 +16430,7 @@
           <a:p>
             <a:fld id="{8D67230E-3278-4540-B35D-B83F247555A9}" type="datetime1">
               <a:rPr lang="ko-KR" altLang="en-US" smtClean="0"/>
-              <a:t>2019-04-01</a:t>
+              <a:t>2019-04-03</a:t>
             </a:fld>
             <a:endParaRPr lang="ko-KR" altLang="en-US"/>
           </a:p>
@@ -16619,13 +16483,6 @@
   <p:clrMapOvr>
     <a:masterClrMapping/>
   </p:clrMapOvr>
-  <p:timing>
-    <p:tnLst>
-      <p:par>
-        <p:cTn id="1" dur="indefinite" restart="never" nodeType="tmRoot"/>
-      </p:par>
-    </p:tnLst>
-  </p:timing>
 </p:sld>
 </file>
 
@@ -16700,11 +16557,7 @@
             </a:pPr>
             <a:r>
               <a:rPr lang="ko-KR" altLang="en-US" dirty="0"/>
-              <a:t>프로젝트 저장소 </a:t>
-            </a:r>
-            <a:r>
-              <a:rPr lang="ko-KR" altLang="en-US" dirty="0" smtClean="0"/>
-              <a:t>링크</a:t>
+              <a:t>프로젝트 저장소 링크</a:t>
             </a:r>
             <a:endParaRPr lang="en-US" altLang="ko-KR" dirty="0"/>
           </a:p>
@@ -16713,45 +16566,39 @@
               <a:rPr lang="en-US" altLang="ko-KR" dirty="0">
                 <a:hlinkClick r:id="rId2"/>
               </a:rPr>
-              <a:t>https://github.com/CheonSeounghyun/Fashion-Recommend-  </a:t>
-            </a:r>
-            <a:r>
-              <a:rPr lang="en-US" altLang="ko-KR" dirty="0" smtClean="0">
-                <a:hlinkClick r:id="rId2"/>
-              </a:rPr>
-              <a:t>Website</a:t>
-            </a:r>
-            <a:endParaRPr lang="en-US" altLang="ko-KR" dirty="0" smtClean="0"/>
+              <a:t>https://github.com/CheonSeounghyun/Fashion-Recommend-  Website</a:t>
+            </a:r>
+            <a:endParaRPr lang="en-US" altLang="ko-KR" dirty="0"/>
           </a:p>
           <a:p>
             <a:pPr marL="0" indent="0">
               <a:buNone/>
             </a:pPr>
             <a:r>
-              <a:rPr lang="ko-KR" altLang="en-US" dirty="0" err="1" smtClean="0"/>
+              <a:rPr lang="ko-KR" altLang="en-US" dirty="0" err="1"/>
               <a:t>조원별</a:t>
             </a:r>
             <a:r>
-              <a:rPr lang="ko-KR" altLang="en-US" dirty="0" smtClean="0"/>
+              <a:rPr lang="ko-KR" altLang="en-US" dirty="0"/>
               <a:t> </a:t>
             </a:r>
             <a:r>
-              <a:rPr lang="ko-KR" altLang="en-US" dirty="0" err="1" smtClean="0"/>
+              <a:rPr lang="ko-KR" altLang="en-US" dirty="0" err="1"/>
               <a:t>깃허브</a:t>
             </a:r>
             <a:r>
-              <a:rPr lang="ko-KR" altLang="en-US" dirty="0" smtClean="0"/>
+              <a:rPr lang="ko-KR" altLang="en-US" dirty="0"/>
               <a:t> </a:t>
             </a:r>
             <a:r>
-              <a:rPr lang="en-US" altLang="ko-KR" dirty="0" smtClean="0"/>
+              <a:rPr lang="en-US" altLang="ko-KR" dirty="0"/>
               <a:t>id, </a:t>
             </a:r>
             <a:r>
-              <a:rPr lang="ko-KR" altLang="en-US" dirty="0" smtClean="0"/>
+              <a:rPr lang="ko-KR" altLang="en-US" dirty="0"/>
               <a:t>저장소 링크</a:t>
             </a:r>
-            <a:endParaRPr lang="en-US" altLang="ko-KR" dirty="0" smtClean="0"/>
+            <a:endParaRPr lang="en-US" altLang="ko-KR" dirty="0"/>
           </a:p>
           <a:p>
             <a:pPr marL="0" indent="0">
@@ -16761,23 +16608,17 @@
               <a:rPr lang="en-US" altLang="ko-KR" dirty="0">
                 <a:hlinkClick r:id="rId3"/>
               </a:rPr>
-              <a:t>https://</a:t>
-            </a:r>
-            <a:r>
-              <a:rPr lang="en-US" altLang="ko-KR" dirty="0" smtClean="0">
-                <a:hlinkClick r:id="rId3"/>
-              </a:rPr>
-              <a:t>github.com/LeeYooKyum</a:t>
-            </a:r>
-            <a:r>
-              <a:rPr lang="en-US" altLang="ko-KR" dirty="0" smtClean="0"/>
+              <a:t>https://github.com/LeeYooKyum</a:t>
+            </a:r>
+            <a:r>
+              <a:rPr lang="en-US" altLang="ko-KR" dirty="0"/>
               <a:t>  </a:t>
             </a:r>
             <a:r>
               <a:rPr lang="en-US" altLang="ko-KR" dirty="0" err="1"/>
               <a:t>LeeYooKyum</a:t>
             </a:r>
-            <a:endParaRPr lang="en-US" altLang="ko-KR" dirty="0" smtClean="0"/>
+            <a:endParaRPr lang="en-US" altLang="ko-KR" dirty="0"/>
           </a:p>
           <a:p>
             <a:pPr marL="0" indent="0">
@@ -16787,23 +16628,17 @@
               <a:rPr lang="en-US" altLang="ko-KR" dirty="0">
                 <a:hlinkClick r:id="rId4"/>
               </a:rPr>
-              <a:t>https://</a:t>
-            </a:r>
-            <a:r>
-              <a:rPr lang="en-US" altLang="ko-KR" dirty="0" smtClean="0">
-                <a:hlinkClick r:id="rId4"/>
-              </a:rPr>
-              <a:t>github.com/choiyesom</a:t>
-            </a:r>
-            <a:r>
-              <a:rPr lang="en-US" altLang="ko-KR" dirty="0" smtClean="0"/>
+              <a:t>https://github.com/choiyesom</a:t>
+            </a:r>
+            <a:r>
+              <a:rPr lang="en-US" altLang="ko-KR" dirty="0"/>
               <a:t>  </a:t>
             </a:r>
             <a:r>
               <a:rPr lang="en-US" altLang="ko-KR" dirty="0" err="1"/>
               <a:t>choiyesom</a:t>
             </a:r>
-            <a:endParaRPr lang="en-US" altLang="ko-KR" dirty="0" smtClean="0"/>
+            <a:endParaRPr lang="en-US" altLang="ko-KR" dirty="0"/>
           </a:p>
           <a:p>
             <a:pPr marL="0" indent="0">
@@ -16813,16 +16648,10 @@
               <a:rPr lang="en-US" altLang="ko-KR" dirty="0">
                 <a:hlinkClick r:id="rId5"/>
               </a:rPr>
-              <a:t>https://</a:t>
-            </a:r>
-            <a:r>
-              <a:rPr lang="en-US" altLang="ko-KR" dirty="0" smtClean="0">
-                <a:hlinkClick r:id="rId5"/>
-              </a:rPr>
-              <a:t>github.com/jyehh</a:t>
-            </a:r>
-            <a:r>
-              <a:rPr lang="en-US" altLang="ko-KR" dirty="0" smtClean="0"/>
+              <a:t>https://github.com/jyehh</a:t>
+            </a:r>
+            <a:r>
+              <a:rPr lang="en-US" altLang="ko-KR" dirty="0"/>
               <a:t>  </a:t>
             </a:r>
             <a:r>
@@ -16856,7 +16685,7 @@
           <a:p>
             <a:fld id="{8D67230E-3278-4540-B35D-B83F247555A9}" type="datetime1">
               <a:rPr lang="ko-KR" altLang="en-US" smtClean="0"/>
-              <a:t>2019-04-01</a:t>
+              <a:t>2019-04-03</a:t>
             </a:fld>
             <a:endParaRPr lang="ko-KR" altLang="en-US"/>
           </a:p>
@@ -16909,13 +16738,6 @@
   <p:clrMapOvr>
     <a:masterClrMapping/>
   </p:clrMapOvr>
-  <p:timing>
-    <p:tnLst>
-      <p:par>
-        <p:cTn id="1" dur="indefinite" restart="never" nodeType="tmRoot"/>
-      </p:par>
-    </p:tnLst>
-  </p:timing>
 </p:sld>
 </file>
 
@@ -17026,7 +16848,7 @@
           <a:p>
             <a:fld id="{D4AC3029-B7CD-4421-8258-301B451A2A5B}" type="datetime1">
               <a:rPr lang="ko-KR" altLang="en-US" smtClean="0"/>
-              <a:t>2019-04-01</a:t>
+              <a:t>2019-04-03</a:t>
             </a:fld>
             <a:endParaRPr lang="ko-KR" altLang="en-US"/>
           </a:p>
@@ -17148,10 +16970,9 @@
           <a:p>
             <a:pPr algn="ctr"/>
             <a:r>
-              <a:rPr lang="ko-KR" altLang="en-US" sz="2800" dirty="0" smtClean="0"/>
+              <a:rPr lang="ko-KR" altLang="en-US" sz="2800" dirty="0"/>
               <a:t>목차</a:t>
             </a:r>
-            <a:endParaRPr lang="ko-KR" altLang="en-US" sz="2800" dirty="0"/>
           </a:p>
         </p:txBody>
       </p:sp>
@@ -17201,7 +17022,7 @@
                   <a:spcPts val="600"/>
                 </a:spcAft>
               </a:pPr>
-              <a:t>2019-04-01</a:t>
+              <a:t>2019-04-03</a:t>
             </a:fld>
             <a:endParaRPr lang="ko-KR" altLang="en-US">
               <a:solidFill>
@@ -17327,13 +17148,6 @@
   <p:clrMapOvr>
     <a:masterClrMapping/>
   </p:clrMapOvr>
-  <p:timing>
-    <p:tnLst>
-      <p:par>
-        <p:cTn id="1" dur="indefinite" restart="never" nodeType="tmRoot"/>
-      </p:par>
-    </p:tnLst>
-  </p:timing>
 </p:sld>
 </file>
 
@@ -17474,7 +17288,7 @@
           <a:p>
             <a:fld id="{0724228C-0CB7-4966-9A14-3170C1687339}" type="datetime1">
               <a:rPr lang="ko-KR" altLang="en-US" smtClean="0"/>
-              <a:t>2019-04-01</a:t>
+              <a:t>2019-04-03</a:t>
             </a:fld>
             <a:endParaRPr lang="ko-KR" altLang="en-US"/>
           </a:p>
@@ -17806,7 +17620,7 @@
                 <a14:useLocalDpi xmlns:a14="http://schemas.microsoft.com/office/drawing/2010/main" val="0"/>
               </a:ext>
               <a:ext uri="{96DAC541-7B7A-43D3-8B79-37D633B846F1}">
-                <asvg:svgBlip xmlns:asvg="http://schemas.microsoft.com/office/drawing/2016/SVG/main" xmlns="" r:embed="rId5"/>
+                <asvg:svgBlip xmlns:asvg="http://schemas.microsoft.com/office/drawing/2016/SVG/main" r:embed="rId5"/>
               </a:ext>
             </a:extLst>
           </a:blip>
@@ -17845,7 +17659,7 @@
                 <a14:useLocalDpi xmlns:a14="http://schemas.microsoft.com/office/drawing/2010/main" val="0"/>
               </a:ext>
               <a:ext uri="{96DAC541-7B7A-43D3-8B79-37D633B846F1}">
-                <asvg:svgBlip xmlns:asvg="http://schemas.microsoft.com/office/drawing/2016/SVG/main" xmlns="" r:embed="rId7"/>
+                <asvg:svgBlip xmlns:asvg="http://schemas.microsoft.com/office/drawing/2016/SVG/main" r:embed="rId7"/>
               </a:ext>
             </a:extLst>
           </a:blip>
@@ -17884,7 +17698,7 @@
                 <a14:useLocalDpi xmlns:a14="http://schemas.microsoft.com/office/drawing/2010/main" val="0"/>
               </a:ext>
               <a:ext uri="{96DAC541-7B7A-43D3-8B79-37D633B846F1}">
-                <asvg:svgBlip xmlns:asvg="http://schemas.microsoft.com/office/drawing/2016/SVG/main" xmlns="" r:embed="rId7"/>
+                <asvg:svgBlip xmlns:asvg="http://schemas.microsoft.com/office/drawing/2016/SVG/main" r:embed="rId7"/>
               </a:ext>
             </a:extLst>
           </a:blip>
@@ -17923,7 +17737,7 @@
                 <a14:useLocalDpi xmlns:a14="http://schemas.microsoft.com/office/drawing/2010/main" val="0"/>
               </a:ext>
               <a:ext uri="{96DAC541-7B7A-43D3-8B79-37D633B846F1}">
-                <asvg:svgBlip xmlns:asvg="http://schemas.microsoft.com/office/drawing/2016/SVG/main" xmlns="" r:embed="rId5"/>
+                <asvg:svgBlip xmlns:asvg="http://schemas.microsoft.com/office/drawing/2016/SVG/main" r:embed="rId5"/>
               </a:ext>
             </a:extLst>
           </a:blip>
@@ -17964,30 +17778,30 @@
           <a:lstStyle/>
           <a:p>
             <a:r>
-              <a:rPr lang="ko-KR" altLang="en-US" dirty="0" smtClean="0"/>
+              <a:rPr lang="ko-KR" altLang="en-US" dirty="0"/>
               <a:t>정규 토의 </a:t>
             </a:r>
-            <a:endParaRPr lang="en-US" altLang="ko-KR" dirty="0" smtClean="0"/>
-          </a:p>
-          <a:p>
-            <a:r>
-              <a:rPr lang="en-US" altLang="ko-KR" dirty="0" smtClean="0"/>
+            <a:endParaRPr lang="en-US" altLang="ko-KR" dirty="0"/>
+          </a:p>
+          <a:p>
+            <a:r>
+              <a:rPr lang="en-US" altLang="ko-KR" dirty="0"/>
               <a:t>(3</a:t>
             </a:r>
             <a:r>
-              <a:rPr lang="ko-KR" altLang="en-US" dirty="0" smtClean="0"/>
+              <a:rPr lang="ko-KR" altLang="en-US" dirty="0"/>
               <a:t>월 </a:t>
             </a:r>
             <a:r>
-              <a:rPr lang="en-US" altLang="ko-KR" dirty="0" smtClean="0"/>
+              <a:rPr lang="en-US" altLang="ko-KR" dirty="0"/>
               <a:t>25</a:t>
             </a:r>
             <a:r>
-              <a:rPr lang="ko-KR" altLang="en-US" dirty="0" smtClean="0"/>
+              <a:rPr lang="ko-KR" altLang="en-US" dirty="0"/>
               <a:t>일</a:t>
             </a:r>
             <a:r>
-              <a:rPr lang="en-US" altLang="ko-KR" dirty="0" smtClean="0"/>
+              <a:rPr lang="en-US" altLang="ko-KR" dirty="0"/>
               <a:t>)</a:t>
             </a:r>
             <a:endParaRPr lang="ko-KR" altLang="en-US" dirty="0"/>
@@ -18004,13 +17818,6 @@
   <p:clrMapOvr>
     <a:masterClrMapping/>
   </p:clrMapOvr>
-  <p:timing>
-    <p:tnLst>
-      <p:par>
-        <p:cTn id="1" dur="indefinite" restart="never" nodeType="tmRoot"/>
-      </p:par>
-    </p:tnLst>
-  </p:timing>
 </p:sld>
 </file>
 
@@ -18082,7 +17889,7 @@
                 <a16:creationId xmlns:a16="http://schemas.microsoft.com/office/drawing/2014/main" id="{F859BA1E-EA13-4234-801C-4CFA3F10AC9B}"/>
               </a:ext>
               <a:ext uri="{C183D7F6-B498-43B3-948B-1728B52AA6E4}">
-                <adec:decorative xmlns:adec="http://schemas.microsoft.com/office/drawing/2017/decorative" xmlns="" val="1"/>
+                <adec:decorative xmlns:adec="http://schemas.microsoft.com/office/drawing/2017/decorative" val="1"/>
               </a:ext>
             </a:extLst>
           </p:cNvPr>
@@ -18456,7 +18263,7 @@
                   <a:spcPts val="600"/>
                 </a:spcAft>
               </a:pPr>
-              <a:t>2019-04-01</a:t>
+              <a:t>2019-04-03</a:t>
             </a:fld>
             <a:endParaRPr lang="ko-KR" altLang="en-US"/>
           </a:p>
@@ -18472,13 +18279,6 @@
   <p:clrMapOvr>
     <a:masterClrMapping/>
   </p:clrMapOvr>
-  <p:timing>
-    <p:tnLst>
-      <p:par>
-        <p:cTn id="1" dur="indefinite" restart="never" nodeType="tmRoot"/>
-      </p:par>
-    </p:tnLst>
-  </p:timing>
 </p:sld>
 </file>
 
@@ -18812,7 +18612,7 @@
                   <a:spcPts val="600"/>
                 </a:spcAft>
               </a:pPr>
-              <a:t>2019-04-01</a:t>
+              <a:t>2019-04-03</a:t>
             </a:fld>
             <a:endParaRPr lang="ko-KR" altLang="en-US" sz="1050">
               <a:solidFill>
@@ -18833,7 +18633,7 @@
                 <a16:creationId xmlns:a16="http://schemas.microsoft.com/office/drawing/2014/main" id="{59A309A7-1751-4ABE-A3C1-EEC40366AD89}"/>
               </a:ext>
               <a:ext uri="{C183D7F6-B498-43B3-948B-1728B52AA6E4}">
-                <adec:decorative xmlns:adec="http://schemas.microsoft.com/office/drawing/2017/decorative" xmlns="" val="1"/>
+                <adec:decorative xmlns:adec="http://schemas.microsoft.com/office/drawing/2017/decorative" val="1"/>
               </a:ext>
             </a:extLst>
           </p:cNvPr>
@@ -18896,7 +18696,7 @@
                 <a16:creationId xmlns:a16="http://schemas.microsoft.com/office/drawing/2014/main" id="{967D8EB6-EAE1-4F9C-B398-83321E287204}"/>
               </a:ext>
               <a:ext uri="{C183D7F6-B498-43B3-948B-1728B52AA6E4}">
-                <adec:decorative xmlns:adec="http://schemas.microsoft.com/office/drawing/2017/decorative" xmlns="" val="1"/>
+                <adec:decorative xmlns:adec="http://schemas.microsoft.com/office/drawing/2017/decorative" val="1"/>
               </a:ext>
             </a:extLst>
           </p:cNvPr>
@@ -18974,7 +18774,7 @@
                 <a14:useLocalDpi xmlns:a14="http://schemas.microsoft.com/office/drawing/2010/main" val="0"/>
               </a:ext>
               <a:ext uri="{96DAC541-7B7A-43D3-8B79-37D633B846F1}">
-                <asvg:svgBlip xmlns:asvg="http://schemas.microsoft.com/office/drawing/2016/SVG/main" xmlns="" r:embed="rId3"/>
+                <asvg:svgBlip xmlns:asvg="http://schemas.microsoft.com/office/drawing/2016/SVG/main" r:embed="rId3"/>
               </a:ext>
             </a:extLst>
           </a:blip>
@@ -19002,13 +18802,6 @@
   <p:clrMapOvr>
     <a:masterClrMapping/>
   </p:clrMapOvr>
-  <p:timing>
-    <p:tnLst>
-      <p:par>
-        <p:cTn id="1" dur="indefinite" restart="never" nodeType="tmRoot"/>
-      </p:par>
-    </p:tnLst>
-  </p:timing>
 </p:sld>
 </file>
 
@@ -19134,14 +18927,10 @@
                       <a:pPr latinLnBrk="1"/>
                       <a:r>
                         <a:rPr lang="ko-KR" altLang="en-US" sz="1400" b="1" dirty="0"/>
-                        <a:t>웹 </a:t>
+                        <a:t>웹 사이</a:t>
                       </a:r>
                       <a:r>
-                        <a:rPr lang="ko-KR" altLang="en-US" sz="1400" b="1" dirty="0" smtClean="0"/>
-                        <a:t>사이</a:t>
-                      </a:r>
-                      <a:r>
-                        <a:rPr lang="ko-KR" altLang="en-US" sz="1400" b="1" baseline="0" dirty="0" smtClean="0"/>
+                        <a:rPr lang="ko-KR" altLang="en-US" sz="1400" b="1" baseline="0" dirty="0"/>
                         <a:t>트 프레임워크</a:t>
                       </a:r>
                       <a:endParaRPr lang="ko-KR" altLang="en-US" sz="1400" b="1" dirty="0"/>
@@ -19201,10 +18990,9 @@
                     <a:p>
                       <a:pPr latinLnBrk="1"/>
                       <a:r>
-                        <a:rPr lang="ko-KR" altLang="en-US" b="1" dirty="0" smtClean="0"/>
+                        <a:rPr lang="ko-KR" altLang="en-US" b="1" dirty="0"/>
                         <a:t>웹 서버 </a:t>
                       </a:r>
-                      <a:endParaRPr lang="ko-KR" altLang="en-US" b="1" dirty="0"/>
                     </a:p>
                   </a:txBody>
                   <a:tcPr>
@@ -19253,7 +19041,7 @@
                     <a:p>
                       <a:pPr latinLnBrk="1"/>
                       <a:r>
-                        <a:rPr lang="en-US" altLang="ko-KR" b="1" dirty="0" smtClean="0"/>
+                        <a:rPr lang="en-US" altLang="ko-KR" b="1" dirty="0"/>
                         <a:t>DBMS</a:t>
                       </a:r>
                       <a:endParaRPr lang="ko-KR" altLang="en-US" b="1" dirty="0"/>
@@ -19357,22 +19145,18 @@
                       <a:pPr latinLnBrk="1"/>
                       <a:r>
                         <a:rPr lang="ko-KR" altLang="en-US" b="1" dirty="0"/>
-                        <a:t>개발 </a:t>
+                        <a:t>개발 언어</a:t>
                       </a:r>
                       <a:r>
-                        <a:rPr lang="ko-KR" altLang="en-US" b="1" dirty="0" smtClean="0"/>
-                        <a:t>언어</a:t>
-                      </a:r>
-                      <a:r>
-                        <a:rPr lang="en-US" altLang="ko-KR" b="1" dirty="0" smtClean="0"/>
+                        <a:rPr lang="en-US" altLang="ko-KR" b="1" dirty="0"/>
                         <a:t>(</a:t>
                       </a:r>
                       <a:r>
-                        <a:rPr lang="ko-KR" altLang="en-US" b="1" dirty="0" err="1" smtClean="0"/>
+                        <a:rPr lang="ko-KR" altLang="en-US" b="1" dirty="0" err="1"/>
                         <a:t>파이썬</a:t>
                       </a:r>
                       <a:r>
-                        <a:rPr lang="en-US" altLang="ko-KR" b="1" dirty="0" smtClean="0"/>
+                        <a:rPr lang="en-US" altLang="ko-KR" b="1" dirty="0"/>
                         <a:t>)</a:t>
                       </a:r>
                       <a:endParaRPr lang="ko-KR" altLang="en-US" b="1" dirty="0"/>
@@ -19697,7 +19481,7 @@
           <a:p>
             <a:fld id="{8D67230E-3278-4540-B35D-B83F247555A9}" type="datetime1">
               <a:rPr lang="ko-KR" altLang="en-US" smtClean="0"/>
-              <a:t>2019-04-01</a:t>
+              <a:t>2019-04-03</a:t>
             </a:fld>
             <a:endParaRPr lang="ko-KR" altLang="en-US"/>
           </a:p>
@@ -20762,66 +20546,66 @@
           <a:lstStyle/>
           <a:p>
             <a:r>
-              <a:rPr lang="ko-KR" altLang="en-US" b="1" dirty="0" smtClean="0"/>
+              <a:rPr lang="ko-KR" altLang="en-US" b="1" dirty="0"/>
               <a:t>아나콘다 </a:t>
             </a:r>
             <a:r>
-              <a:rPr lang="ko-KR" altLang="en-US" b="1" dirty="0" err="1" smtClean="0"/>
+              <a:rPr lang="ko-KR" altLang="en-US" b="1" dirty="0" err="1"/>
               <a:t>네비게이터</a:t>
             </a:r>
-            <a:endParaRPr lang="en-US" altLang="ko-KR" b="1" dirty="0" smtClean="0"/>
-          </a:p>
-          <a:p>
-            <a:r>
-              <a:rPr lang="en-US" altLang="ko-KR" dirty="0" smtClean="0"/>
+            <a:endParaRPr lang="en-US" altLang="ko-KR" b="1" dirty="0"/>
+          </a:p>
+          <a:p>
+            <a:r>
+              <a:rPr lang="en-US" altLang="ko-KR" dirty="0"/>
               <a:t>-</a:t>
             </a:r>
             <a:r>
-              <a:rPr lang="ko-KR" altLang="en-US" dirty="0" smtClean="0"/>
+              <a:rPr lang="ko-KR" altLang="en-US" dirty="0"/>
               <a:t>종합 데이터분석 라이브러리</a:t>
             </a:r>
-            <a:endParaRPr lang="en-US" altLang="ko-KR" dirty="0" smtClean="0"/>
-          </a:p>
-          <a:p>
-            <a:r>
-              <a:rPr lang="ko-KR" altLang="en-US" b="1" dirty="0" smtClean="0"/>
+            <a:endParaRPr lang="en-US" altLang="ko-KR" dirty="0"/>
+          </a:p>
+          <a:p>
+            <a:r>
+              <a:rPr lang="ko-KR" altLang="en-US" b="1" dirty="0"/>
               <a:t>아톰 에디터</a:t>
             </a:r>
-            <a:endParaRPr lang="en-US" altLang="ko-KR" b="1" dirty="0" smtClean="0"/>
-          </a:p>
-          <a:p>
-            <a:r>
-              <a:rPr lang="en-US" altLang="ko-KR" dirty="0" smtClean="0"/>
+            <a:endParaRPr lang="en-US" altLang="ko-KR" b="1" dirty="0"/>
+          </a:p>
+          <a:p>
+            <a:r>
+              <a:rPr lang="en-US" altLang="ko-KR" dirty="0"/>
               <a:t>-</a:t>
             </a:r>
             <a:r>
-              <a:rPr lang="ko-KR" altLang="en-US" dirty="0" smtClean="0"/>
+              <a:rPr lang="ko-KR" altLang="en-US" dirty="0"/>
               <a:t>스크립트 편집기</a:t>
             </a:r>
             <a:endParaRPr lang="en-US" altLang="ko-KR" dirty="0"/>
           </a:p>
           <a:p>
             <a:r>
-              <a:rPr lang="ko-KR" altLang="en-US" b="1" dirty="0" err="1" smtClean="0"/>
+              <a:rPr lang="ko-KR" altLang="en-US" b="1" dirty="0" err="1"/>
               <a:t>파이참</a:t>
             </a:r>
-            <a:endParaRPr lang="en-US" altLang="ko-KR" b="1" dirty="0" smtClean="0"/>
-          </a:p>
-          <a:p>
-            <a:r>
-              <a:rPr lang="en-US" altLang="ko-KR" dirty="0" smtClean="0"/>
+            <a:endParaRPr lang="en-US" altLang="ko-KR" b="1" dirty="0"/>
+          </a:p>
+          <a:p>
+            <a:r>
+              <a:rPr lang="en-US" altLang="ko-KR" dirty="0"/>
               <a:t>-</a:t>
             </a:r>
             <a:r>
-              <a:rPr lang="ko-KR" altLang="en-US" dirty="0" err="1" smtClean="0"/>
+              <a:rPr lang="ko-KR" altLang="en-US" dirty="0" err="1"/>
               <a:t>파이썬</a:t>
             </a:r>
             <a:r>
-              <a:rPr lang="ko-KR" altLang="en-US" dirty="0" smtClean="0"/>
+              <a:rPr lang="ko-KR" altLang="en-US" dirty="0"/>
               <a:t> 전용 통합개발환경</a:t>
             </a:r>
             <a:r>
-              <a:rPr lang="en-US" altLang="ko-KR" dirty="0" smtClean="0"/>
+              <a:rPr lang="en-US" altLang="ko-KR" dirty="0"/>
               <a:t>(IDE)</a:t>
             </a:r>
             <a:endParaRPr lang="ko-KR" altLang="en-US" dirty="0"/>
@@ -20838,17 +20622,331 @@
   <p:clrMapOvr>
     <a:masterClrMapping/>
   </p:clrMapOvr>
-  <p:timing>
-    <p:tnLst>
-      <p:par>
-        <p:cTn id="1" dur="indefinite" restart="never" nodeType="tmRoot"/>
-      </p:par>
-    </p:tnLst>
-  </p:timing>
 </p:sld>
 </file>
 
 <file path=ppt/slides/slide7.xml><?xml version="1.0" encoding="utf-8"?>
+<p:sld xmlns:a="http://schemas.openxmlformats.org/drawingml/2006/main" xmlns:r="http://schemas.openxmlformats.org/officeDocument/2006/relationships" xmlns:p="http://schemas.openxmlformats.org/presentationml/2006/main">
+  <p:cSld>
+    <p:spTree>
+      <p:nvGrpSpPr>
+        <p:cNvPr id="1" name=""/>
+        <p:cNvGrpSpPr/>
+        <p:nvPr/>
+      </p:nvGrpSpPr>
+      <p:grpSpPr>
+        <a:xfrm>
+          <a:off x="0" y="0"/>
+          <a:ext cx="0" cy="0"/>
+          <a:chOff x="0" y="0"/>
+          <a:chExt cx="0" cy="0"/>
+        </a:xfrm>
+      </p:grpSpPr>
+      <p:sp>
+        <p:nvSpPr>
+          <p:cNvPr id="2" name="제목 1"/>
+          <p:cNvSpPr>
+            <a:spLocks noGrp="1"/>
+          </p:cNvSpPr>
+          <p:nvPr>
+            <p:ph type="title"/>
+          </p:nvPr>
+        </p:nvSpPr>
+        <p:spPr/>
+        <p:txBody>
+          <a:bodyPr/>
+          <a:lstStyle/>
+          <a:p>
+            <a:r>
+              <a:rPr lang="en-US" altLang="ko-KR" dirty="0"/>
+              <a:t>3</a:t>
+            </a:r>
+            <a:r>
+              <a:rPr lang="ko-KR" altLang="en-US" dirty="0"/>
+              <a:t>주차 개발 현황</a:t>
+            </a:r>
+            <a:r>
+              <a:rPr lang="en-US" altLang="ko-KR" dirty="0"/>
+              <a:t>(3/22~28)</a:t>
+            </a:r>
+            <a:endParaRPr lang="ko-KR" altLang="en-US" dirty="0"/>
+          </a:p>
+        </p:txBody>
+      </p:sp>
+      <p:pic>
+        <p:nvPicPr>
+          <p:cNvPr id="6" name="내용 개체 틀 5"/>
+          <p:cNvPicPr>
+            <a:picLocks noGrp="1" noChangeAspect="1"/>
+          </p:cNvPicPr>
+          <p:nvPr>
+            <p:ph idx="1"/>
+          </p:nvPr>
+        </p:nvPicPr>
+        <p:blipFill>
+          <a:blip r:embed="rId2" cstate="print">
+            <a:extLst>
+              <a:ext uri="{28A0092B-C50C-407E-A947-70E740481C1C}">
+                <a14:useLocalDpi xmlns:a14="http://schemas.microsoft.com/office/drawing/2010/main" val="0"/>
+              </a:ext>
+            </a:extLst>
+          </a:blip>
+          <a:stretch>
+            <a:fillRect/>
+          </a:stretch>
+        </p:blipFill>
+        <p:spPr>
+          <a:xfrm>
+            <a:off x="7974989" y="1690688"/>
+            <a:ext cx="2017788" cy="4351338"/>
+          </a:xfrm>
+          <a:prstGeom prst="rect">
+            <a:avLst/>
+          </a:prstGeom>
+          <a:ln>
+            <a:noFill/>
+          </a:ln>
+          <a:effectLst>
+            <a:outerShdw blurRad="190500" algn="tl" rotWithShape="0">
+              <a:srgbClr val="000000">
+                <a:alpha val="70000"/>
+              </a:srgbClr>
+            </a:outerShdw>
+          </a:effectLst>
+        </p:spPr>
+      </p:pic>
+      <p:sp>
+        <p:nvSpPr>
+          <p:cNvPr id="4" name="날짜 개체 틀 3"/>
+          <p:cNvSpPr>
+            <a:spLocks noGrp="1"/>
+          </p:cNvSpPr>
+          <p:nvPr>
+            <p:ph type="dt" sz="half" idx="10"/>
+          </p:nvPr>
+        </p:nvSpPr>
+        <p:spPr/>
+        <p:txBody>
+          <a:bodyPr/>
+          <a:lstStyle/>
+          <a:p>
+            <a:fld id="{8D67230E-3278-4540-B35D-B83F247555A9}" type="datetime1">
+              <a:rPr lang="ko-KR" altLang="en-US" smtClean="0"/>
+              <a:t>2019-04-03</a:t>
+            </a:fld>
+            <a:endParaRPr lang="ko-KR" altLang="en-US"/>
+          </a:p>
+        </p:txBody>
+      </p:sp>
+      <p:sp>
+        <p:nvSpPr>
+          <p:cNvPr id="5" name="바닥글 개체 틀 4"/>
+          <p:cNvSpPr>
+            <a:spLocks noGrp="1"/>
+          </p:cNvSpPr>
+          <p:nvPr>
+            <p:ph type="ftr" sz="quarter" idx="11"/>
+          </p:nvPr>
+        </p:nvSpPr>
+        <p:spPr/>
+        <p:txBody>
+          <a:bodyPr/>
+          <a:lstStyle/>
+          <a:p>
+            <a:r>
+              <a:rPr lang="en-US" altLang="ko-KR"/>
+              <a:t>2019-1</a:t>
+            </a:r>
+            <a:r>
+              <a:rPr lang="ko-KR" altLang="en-US"/>
+              <a:t>학기 </a:t>
+            </a:r>
+            <a:r>
+              <a:rPr lang="en-US" altLang="ko-KR"/>
+              <a:t>Capston Design </a:t>
+            </a:r>
+            <a:endParaRPr lang="ko-KR" altLang="en-US"/>
+          </a:p>
+        </p:txBody>
+      </p:sp>
+      <p:pic>
+        <p:nvPicPr>
+          <p:cNvPr id="7" name="그림 6"/>
+          <p:cNvPicPr>
+            <a:picLocks noChangeAspect="1"/>
+          </p:cNvPicPr>
+          <p:nvPr/>
+        </p:nvPicPr>
+        <p:blipFill>
+          <a:blip r:embed="rId3">
+            <a:extLst>
+              <a:ext uri="{28A0092B-C50C-407E-A947-70E740481C1C}">
+                <a14:useLocalDpi xmlns:a14="http://schemas.microsoft.com/office/drawing/2010/main" val="0"/>
+              </a:ext>
+            </a:extLst>
+          </a:blip>
+          <a:stretch>
+            <a:fillRect/>
+          </a:stretch>
+        </p:blipFill>
+        <p:spPr>
+          <a:xfrm>
+            <a:off x="838200" y="1690688"/>
+            <a:ext cx="4346416" cy="4288675"/>
+          </a:xfrm>
+          <a:prstGeom prst="rect">
+            <a:avLst/>
+          </a:prstGeom>
+          <a:ln>
+            <a:noFill/>
+          </a:ln>
+          <a:effectLst>
+            <a:outerShdw blurRad="190500" algn="tl" rotWithShape="0">
+              <a:srgbClr val="000000">
+                <a:alpha val="70000"/>
+              </a:srgbClr>
+            </a:outerShdw>
+          </a:effectLst>
+        </p:spPr>
+      </p:pic>
+      <p:sp>
+        <p:nvSpPr>
+          <p:cNvPr id="9" name="TextBox 8"/>
+          <p:cNvSpPr txBox="1"/>
+          <p:nvPr/>
+        </p:nvSpPr>
+        <p:spPr>
+          <a:xfrm>
+            <a:off x="5451676" y="2367023"/>
+            <a:ext cx="1568370" cy="1600438"/>
+          </a:xfrm>
+          <a:prstGeom prst="rect">
+            <a:avLst/>
+          </a:prstGeom>
+          <a:noFill/>
+        </p:spPr>
+        <p:txBody>
+          <a:bodyPr wrap="square" rtlCol="0">
+            <a:spAutoFit/>
+          </a:bodyPr>
+          <a:lstStyle/>
+          <a:p>
+            <a:r>
+              <a:rPr lang="en-US" altLang="ko-KR" sz="1400" dirty="0"/>
+              <a:t>Code update,</a:t>
+            </a:r>
+          </a:p>
+          <a:p>
+            <a:r>
+              <a:rPr lang="ko-KR" altLang="en-US" sz="1400" dirty="0" err="1"/>
+              <a:t>깃허브에서</a:t>
+            </a:r>
+            <a:r>
+              <a:rPr lang="ko-KR" altLang="en-US" sz="1400" dirty="0"/>
+              <a:t> </a:t>
+            </a:r>
+            <a:r>
+              <a:rPr lang="ko-KR" altLang="en-US" sz="1400" dirty="0" err="1"/>
+              <a:t>버전관리에</a:t>
+            </a:r>
+            <a:r>
+              <a:rPr lang="ko-KR" altLang="en-US" sz="1400" dirty="0"/>
+              <a:t> </a:t>
+            </a:r>
+            <a:r>
+              <a:rPr lang="ko-KR" altLang="en-US" sz="1400" dirty="0" err="1"/>
+              <a:t>필요없는</a:t>
+            </a:r>
+            <a:r>
+              <a:rPr lang="ko-KR" altLang="en-US" sz="1400" dirty="0"/>
+              <a:t> 파일을 설정하기 위한 </a:t>
+            </a:r>
+            <a:r>
+              <a:rPr lang="en-US" altLang="ko-KR" sz="1400" dirty="0" err="1"/>
+              <a:t>gitignore</a:t>
+            </a:r>
+            <a:r>
+              <a:rPr lang="en-US" altLang="ko-KR" sz="1400" dirty="0"/>
+              <a:t> </a:t>
+            </a:r>
+            <a:r>
+              <a:rPr lang="ko-KR" altLang="en-US" sz="1400" dirty="0"/>
+              <a:t>파일 추가 </a:t>
+            </a:r>
+            <a:endParaRPr lang="en-US" altLang="ko-KR" sz="1400" dirty="0"/>
+          </a:p>
+          <a:p>
+            <a:endParaRPr lang="en-US" altLang="ko-KR" sz="1400" dirty="0"/>
+          </a:p>
+        </p:txBody>
+      </p:sp>
+      <p:sp>
+        <p:nvSpPr>
+          <p:cNvPr id="10" name="TextBox 9"/>
+          <p:cNvSpPr txBox="1"/>
+          <p:nvPr/>
+        </p:nvSpPr>
+        <p:spPr>
+          <a:xfrm>
+            <a:off x="10313043" y="2505919"/>
+            <a:ext cx="1290577" cy="954107"/>
+          </a:xfrm>
+          <a:prstGeom prst="rect">
+            <a:avLst/>
+          </a:prstGeom>
+          <a:noFill/>
+        </p:spPr>
+        <p:txBody>
+          <a:bodyPr wrap="square" rtlCol="0">
+            <a:spAutoFit/>
+          </a:bodyPr>
+          <a:lstStyle/>
+          <a:p>
+            <a:r>
+              <a:rPr lang="en-US" altLang="ko-KR" sz="1400" dirty="0" err="1"/>
+              <a:t>Ppt</a:t>
+            </a:r>
+            <a:r>
+              <a:rPr lang="en-US" altLang="ko-KR" sz="1400" dirty="0"/>
+              <a:t> </a:t>
+            </a:r>
+            <a:r>
+              <a:rPr lang="ko-KR" altLang="en-US" sz="1400" dirty="0"/>
+              <a:t>파일 </a:t>
+            </a:r>
+            <a:r>
+              <a:rPr lang="ko-KR" altLang="en-US" sz="1400" dirty="0" err="1"/>
+              <a:t>수정본과</a:t>
+            </a:r>
+            <a:r>
+              <a:rPr lang="ko-KR" altLang="en-US" sz="1400" dirty="0"/>
+              <a:t> </a:t>
+            </a:r>
+            <a:r>
+              <a:rPr lang="en-US" altLang="ko-KR" sz="1400" dirty="0"/>
+              <a:t>Django </a:t>
+            </a:r>
+            <a:r>
+              <a:rPr lang="ko-KR" altLang="en-US" sz="1400" dirty="0"/>
+              <a:t>프로젝트 파일 생성</a:t>
+            </a:r>
+          </a:p>
+        </p:txBody>
+      </p:sp>
+    </p:spTree>
+    <p:extLst>
+      <p:ext uri="{BB962C8B-B14F-4D97-AF65-F5344CB8AC3E}">
+        <p14:creationId xmlns:p14="http://schemas.microsoft.com/office/powerpoint/2010/main" val="2685660086"/>
+      </p:ext>
+    </p:extLst>
+  </p:cSld>
+  <p:clrMapOvr>
+    <a:masterClrMapping/>
+  </p:clrMapOvr>
+</p:sld>
+</file>
+
+<file path=ppt/slides/slide8.xml><?xml version="1.0" encoding="utf-8"?>
 <p:sld xmlns:a="http://schemas.openxmlformats.org/drawingml/2006/main" xmlns:r="http://schemas.openxmlformats.org/officeDocument/2006/relationships" xmlns:p="http://schemas.openxmlformats.org/presentationml/2006/main">
   <p:cSld>
     <p:spTree>
@@ -21229,7 +21327,7 @@
                 <a:tabLst/>
                 <a:defRPr/>
               </a:pPr>
-              <a:t>2019-04-01</a:t>
+              <a:t>2019-04-03</a:t>
             </a:fld>
             <a:endParaRPr kumimoji="0" lang="ko-KR" altLang="en-US" sz="1200" b="0" i="0" u="none" strike="noStrike" kern="1200" cap="none" spc="0" normalizeH="0" baseline="0" noProof="0">
               <a:ln>
@@ -21534,7 +21632,7 @@
                 <a14:useLocalDpi xmlns:a14="http://schemas.microsoft.com/office/drawing/2010/main" val="0"/>
               </a:ext>
               <a:ext uri="{96DAC541-7B7A-43D3-8B79-37D633B846F1}">
-                <asvg:svgBlip xmlns="" xmlns:asvg="http://schemas.microsoft.com/office/drawing/2016/SVG/main" r:embed="rId3"/>
+                <asvg:svgBlip xmlns:asvg="http://schemas.microsoft.com/office/drawing/2016/SVG/main" r:embed="rId3"/>
               </a:ext>
             </a:extLst>
           </a:blip>
@@ -21573,7 +21671,7 @@
                 <a14:useLocalDpi xmlns:a14="http://schemas.microsoft.com/office/drawing/2010/main" val="0"/>
               </a:ext>
               <a:ext uri="{96DAC541-7B7A-43D3-8B79-37D633B846F1}">
-                <asvg:svgBlip xmlns="" xmlns:asvg="http://schemas.microsoft.com/office/drawing/2016/SVG/main" r:embed="rId5"/>
+                <asvg:svgBlip xmlns:asvg="http://schemas.microsoft.com/office/drawing/2016/SVG/main" r:embed="rId5"/>
               </a:ext>
             </a:extLst>
           </a:blip>
@@ -21612,7 +21710,7 @@
                 <a14:useLocalDpi xmlns:a14="http://schemas.microsoft.com/office/drawing/2010/main" val="0"/>
               </a:ext>
               <a:ext uri="{96DAC541-7B7A-43D3-8B79-37D633B846F1}">
-                <asvg:svgBlip xmlns="" xmlns:asvg="http://schemas.microsoft.com/office/drawing/2016/SVG/main" r:embed="rId7"/>
+                <asvg:svgBlip xmlns:asvg="http://schemas.microsoft.com/office/drawing/2016/SVG/main" r:embed="rId7"/>
               </a:ext>
             </a:extLst>
           </a:blip>
@@ -21651,7 +21749,7 @@
                 <a14:useLocalDpi xmlns:a14="http://schemas.microsoft.com/office/drawing/2010/main" val="0"/>
               </a:ext>
               <a:ext uri="{96DAC541-7B7A-43D3-8B79-37D633B846F1}">
-                <asvg:svgBlip xmlns="" xmlns:asvg="http://schemas.microsoft.com/office/drawing/2016/SVG/main" r:embed="rId9"/>
+                <asvg:svgBlip xmlns:asvg="http://schemas.microsoft.com/office/drawing/2016/SVG/main" r:embed="rId9"/>
               </a:ext>
             </a:extLst>
           </a:blip>
@@ -21782,7 +21880,7 @@
                 <a14:useLocalDpi xmlns:a14="http://schemas.microsoft.com/office/drawing/2010/main" val="0"/>
               </a:ext>
               <a:ext uri="{96DAC541-7B7A-43D3-8B79-37D633B846F1}">
-                <asvg:svgBlip xmlns="" xmlns:asvg="http://schemas.microsoft.com/office/drawing/2016/SVG/main" r:embed="rId9"/>
+                <asvg:svgBlip xmlns:asvg="http://schemas.microsoft.com/office/drawing/2016/SVG/main" r:embed="rId9"/>
               </a:ext>
             </a:extLst>
           </a:blip>
@@ -21821,7 +21919,7 @@
                 <a14:useLocalDpi xmlns:a14="http://schemas.microsoft.com/office/drawing/2010/main" val="0"/>
               </a:ext>
               <a:ext uri="{96DAC541-7B7A-43D3-8B79-37D633B846F1}">
-                <asvg:svgBlip xmlns="" xmlns:asvg="http://schemas.microsoft.com/office/drawing/2016/SVG/main" r:embed="rId7"/>
+                <asvg:svgBlip xmlns:asvg="http://schemas.microsoft.com/office/drawing/2016/SVG/main" r:embed="rId7"/>
               </a:ext>
             </a:extLst>
           </a:blip>
@@ -24374,14 +24472,13 @@
           <a:lstStyle/>
           <a:p>
             <a:r>
-              <a:rPr lang="ko-KR" altLang="en-US" sz="2800" b="1" dirty="0" err="1" smtClean="0"/>
+              <a:rPr lang="ko-KR" altLang="en-US" sz="2800" b="1" dirty="0" err="1"/>
               <a:t>웹페이지</a:t>
             </a:r>
             <a:r>
-              <a:rPr lang="ko-KR" altLang="en-US" sz="2800" b="1" dirty="0" smtClean="0"/>
+              <a:rPr lang="ko-KR" altLang="en-US" sz="2800" b="1" dirty="0"/>
               <a:t> 동작 순서도</a:t>
             </a:r>
-            <a:endParaRPr lang="ko-KR" altLang="en-US" sz="2800" b="1" dirty="0"/>
           </a:p>
         </p:txBody>
       </p:sp>
@@ -24395,342 +24492,6 @@
   <p:clrMapOvr>
     <a:masterClrMapping/>
   </p:clrMapOvr>
-  <p:timing>
-    <p:tnLst>
-      <p:par>
-        <p:cTn id="1" dur="indefinite" restart="never" nodeType="tmRoot"/>
-      </p:par>
-    </p:tnLst>
-  </p:timing>
-</p:sld>
-</file>
-
-<file path=ppt/slides/slide8.xml><?xml version="1.0" encoding="utf-8"?>
-<p:sld xmlns:a="http://schemas.openxmlformats.org/drawingml/2006/main" xmlns:r="http://schemas.openxmlformats.org/officeDocument/2006/relationships" xmlns:p="http://schemas.openxmlformats.org/presentationml/2006/main">
-  <p:cSld>
-    <p:spTree>
-      <p:nvGrpSpPr>
-        <p:cNvPr id="1" name=""/>
-        <p:cNvGrpSpPr/>
-        <p:nvPr/>
-      </p:nvGrpSpPr>
-      <p:grpSpPr>
-        <a:xfrm>
-          <a:off x="0" y="0"/>
-          <a:ext cx="0" cy="0"/>
-          <a:chOff x="0" y="0"/>
-          <a:chExt cx="0" cy="0"/>
-        </a:xfrm>
-      </p:grpSpPr>
-      <p:sp>
-        <p:nvSpPr>
-          <p:cNvPr id="2" name="제목 1"/>
-          <p:cNvSpPr>
-            <a:spLocks noGrp="1"/>
-          </p:cNvSpPr>
-          <p:nvPr>
-            <p:ph type="title"/>
-          </p:nvPr>
-        </p:nvSpPr>
-        <p:spPr/>
-        <p:txBody>
-          <a:bodyPr/>
-          <a:lstStyle/>
-          <a:p>
-            <a:r>
-              <a:rPr lang="en-US" altLang="ko-KR" dirty="0" smtClean="0"/>
-              <a:t>3</a:t>
-            </a:r>
-            <a:r>
-              <a:rPr lang="ko-KR" altLang="en-US" dirty="0" smtClean="0"/>
-              <a:t>주차 개발 현황</a:t>
-            </a:r>
-            <a:r>
-              <a:rPr lang="en-US" altLang="ko-KR" dirty="0" smtClean="0"/>
-              <a:t>(3/22~28)</a:t>
-            </a:r>
-            <a:endParaRPr lang="ko-KR" altLang="en-US" dirty="0"/>
-          </a:p>
-        </p:txBody>
-      </p:sp>
-      <p:pic>
-        <p:nvPicPr>
-          <p:cNvPr id="6" name="내용 개체 틀 5"/>
-          <p:cNvPicPr>
-            <a:picLocks noGrp="1" noChangeAspect="1"/>
-          </p:cNvPicPr>
-          <p:nvPr>
-            <p:ph idx="1"/>
-          </p:nvPr>
-        </p:nvPicPr>
-        <p:blipFill>
-          <a:blip r:embed="rId2" cstate="print">
-            <a:extLst>
-              <a:ext uri="{28A0092B-C50C-407E-A947-70E740481C1C}">
-                <a14:useLocalDpi xmlns:a14="http://schemas.microsoft.com/office/drawing/2010/main" val="0"/>
-              </a:ext>
-            </a:extLst>
-          </a:blip>
-          <a:stretch>
-            <a:fillRect/>
-          </a:stretch>
-        </p:blipFill>
-        <p:spPr>
-          <a:xfrm>
-            <a:off x="7974989" y="1690688"/>
-            <a:ext cx="2017788" cy="4351338"/>
-          </a:xfrm>
-          <a:prstGeom prst="rect">
-            <a:avLst/>
-          </a:prstGeom>
-          <a:ln>
-            <a:noFill/>
-          </a:ln>
-          <a:effectLst>
-            <a:outerShdw blurRad="190500" algn="tl" rotWithShape="0">
-              <a:srgbClr val="000000">
-                <a:alpha val="70000"/>
-              </a:srgbClr>
-            </a:outerShdw>
-          </a:effectLst>
-        </p:spPr>
-      </p:pic>
-      <p:sp>
-        <p:nvSpPr>
-          <p:cNvPr id="4" name="날짜 개체 틀 3"/>
-          <p:cNvSpPr>
-            <a:spLocks noGrp="1"/>
-          </p:cNvSpPr>
-          <p:nvPr>
-            <p:ph type="dt" sz="half" idx="10"/>
-          </p:nvPr>
-        </p:nvSpPr>
-        <p:spPr/>
-        <p:txBody>
-          <a:bodyPr/>
-          <a:lstStyle/>
-          <a:p>
-            <a:fld id="{8D67230E-3278-4540-B35D-B83F247555A9}" type="datetime1">
-              <a:rPr lang="ko-KR" altLang="en-US" smtClean="0"/>
-              <a:t>2019-04-01</a:t>
-            </a:fld>
-            <a:endParaRPr lang="ko-KR" altLang="en-US"/>
-          </a:p>
-        </p:txBody>
-      </p:sp>
-      <p:sp>
-        <p:nvSpPr>
-          <p:cNvPr id="5" name="바닥글 개체 틀 4"/>
-          <p:cNvSpPr>
-            <a:spLocks noGrp="1"/>
-          </p:cNvSpPr>
-          <p:nvPr>
-            <p:ph type="ftr" sz="quarter" idx="11"/>
-          </p:nvPr>
-        </p:nvSpPr>
-        <p:spPr/>
-        <p:txBody>
-          <a:bodyPr/>
-          <a:lstStyle/>
-          <a:p>
-            <a:r>
-              <a:rPr lang="en-US" altLang="ko-KR" smtClean="0"/>
-              <a:t>2019-1</a:t>
-            </a:r>
-            <a:r>
-              <a:rPr lang="ko-KR" altLang="en-US" smtClean="0"/>
-              <a:t>학기 </a:t>
-            </a:r>
-            <a:r>
-              <a:rPr lang="en-US" altLang="ko-KR" smtClean="0"/>
-              <a:t>Capston Design </a:t>
-            </a:r>
-            <a:endParaRPr lang="ko-KR" altLang="en-US"/>
-          </a:p>
-        </p:txBody>
-      </p:sp>
-      <p:pic>
-        <p:nvPicPr>
-          <p:cNvPr id="7" name="그림 6"/>
-          <p:cNvPicPr>
-            <a:picLocks noChangeAspect="1"/>
-          </p:cNvPicPr>
-          <p:nvPr/>
-        </p:nvPicPr>
-        <p:blipFill>
-          <a:blip r:embed="rId3">
-            <a:extLst>
-              <a:ext uri="{28A0092B-C50C-407E-A947-70E740481C1C}">
-                <a14:useLocalDpi xmlns:a14="http://schemas.microsoft.com/office/drawing/2010/main" val="0"/>
-              </a:ext>
-            </a:extLst>
-          </a:blip>
-          <a:stretch>
-            <a:fillRect/>
-          </a:stretch>
-        </p:blipFill>
-        <p:spPr>
-          <a:xfrm>
-            <a:off x="838200" y="1690688"/>
-            <a:ext cx="4346416" cy="4288675"/>
-          </a:xfrm>
-          <a:prstGeom prst="rect">
-            <a:avLst/>
-          </a:prstGeom>
-          <a:ln>
-            <a:noFill/>
-          </a:ln>
-          <a:effectLst>
-            <a:outerShdw blurRad="190500" algn="tl" rotWithShape="0">
-              <a:srgbClr val="000000">
-                <a:alpha val="70000"/>
-              </a:srgbClr>
-            </a:outerShdw>
-          </a:effectLst>
-        </p:spPr>
-      </p:pic>
-      <p:sp>
-        <p:nvSpPr>
-          <p:cNvPr id="9" name="TextBox 8"/>
-          <p:cNvSpPr txBox="1"/>
-          <p:nvPr/>
-        </p:nvSpPr>
-        <p:spPr>
-          <a:xfrm>
-            <a:off x="5451676" y="2367023"/>
-            <a:ext cx="1568370" cy="1600438"/>
-          </a:xfrm>
-          <a:prstGeom prst="rect">
-            <a:avLst/>
-          </a:prstGeom>
-          <a:noFill/>
-        </p:spPr>
-        <p:txBody>
-          <a:bodyPr wrap="square" rtlCol="0">
-            <a:spAutoFit/>
-          </a:bodyPr>
-          <a:lstStyle/>
-          <a:p>
-            <a:r>
-              <a:rPr lang="en-US" altLang="ko-KR" sz="1400" dirty="0" smtClean="0"/>
-              <a:t>Code update,</a:t>
-            </a:r>
-          </a:p>
-          <a:p>
-            <a:r>
-              <a:rPr lang="ko-KR" altLang="en-US" sz="1400" dirty="0" err="1" smtClean="0"/>
-              <a:t>깃허브에서</a:t>
-            </a:r>
-            <a:r>
-              <a:rPr lang="ko-KR" altLang="en-US" sz="1400" dirty="0" smtClean="0"/>
-              <a:t> </a:t>
-            </a:r>
-            <a:r>
-              <a:rPr lang="ko-KR" altLang="en-US" sz="1400" dirty="0" err="1" smtClean="0"/>
-              <a:t>버전관리에</a:t>
-            </a:r>
-            <a:r>
-              <a:rPr lang="ko-KR" altLang="en-US" sz="1400" dirty="0" smtClean="0"/>
-              <a:t> </a:t>
-            </a:r>
-            <a:r>
-              <a:rPr lang="ko-KR" altLang="en-US" sz="1400" dirty="0" err="1" smtClean="0"/>
-              <a:t>필요없는</a:t>
-            </a:r>
-            <a:r>
-              <a:rPr lang="ko-KR" altLang="en-US" sz="1400" dirty="0" smtClean="0"/>
-              <a:t> 파일을 설정하기 위한 </a:t>
-            </a:r>
-            <a:r>
-              <a:rPr lang="en-US" altLang="ko-KR" sz="1400" dirty="0" err="1" smtClean="0"/>
-              <a:t>gitignore</a:t>
-            </a:r>
-            <a:r>
-              <a:rPr lang="en-US" altLang="ko-KR" sz="1400" dirty="0" smtClean="0"/>
-              <a:t> </a:t>
-            </a:r>
-            <a:r>
-              <a:rPr lang="ko-KR" altLang="en-US" sz="1400" dirty="0" smtClean="0"/>
-              <a:t>파일 추가 </a:t>
-            </a:r>
-            <a:endParaRPr lang="en-US" altLang="ko-KR" sz="1400" dirty="0" smtClean="0"/>
-          </a:p>
-          <a:p>
-            <a:endParaRPr lang="en-US" altLang="ko-KR" sz="1400" dirty="0" smtClean="0"/>
-          </a:p>
-        </p:txBody>
-      </p:sp>
-      <p:sp>
-        <p:nvSpPr>
-          <p:cNvPr id="10" name="TextBox 9"/>
-          <p:cNvSpPr txBox="1"/>
-          <p:nvPr/>
-        </p:nvSpPr>
-        <p:spPr>
-          <a:xfrm>
-            <a:off x="10313043" y="2505919"/>
-            <a:ext cx="1290577" cy="954107"/>
-          </a:xfrm>
-          <a:prstGeom prst="rect">
-            <a:avLst/>
-          </a:prstGeom>
-          <a:noFill/>
-        </p:spPr>
-        <p:txBody>
-          <a:bodyPr wrap="square" rtlCol="0">
-            <a:spAutoFit/>
-          </a:bodyPr>
-          <a:lstStyle/>
-          <a:p>
-            <a:r>
-              <a:rPr lang="en-US" altLang="ko-KR" sz="1400" dirty="0" err="1" smtClean="0"/>
-              <a:t>Ppt</a:t>
-            </a:r>
-            <a:r>
-              <a:rPr lang="en-US" altLang="ko-KR" sz="1400" dirty="0" smtClean="0"/>
-              <a:t> </a:t>
-            </a:r>
-            <a:r>
-              <a:rPr lang="ko-KR" altLang="en-US" sz="1400" dirty="0" smtClean="0"/>
-              <a:t>파일 </a:t>
-            </a:r>
-            <a:r>
-              <a:rPr lang="ko-KR" altLang="en-US" sz="1400" dirty="0" err="1" smtClean="0"/>
-              <a:t>수정본과</a:t>
-            </a:r>
-            <a:r>
-              <a:rPr lang="ko-KR" altLang="en-US" sz="1400" dirty="0" smtClean="0"/>
-              <a:t> </a:t>
-            </a:r>
-            <a:r>
-              <a:rPr lang="en-US" altLang="ko-KR" sz="1400" dirty="0" smtClean="0"/>
-              <a:t>Django </a:t>
-            </a:r>
-            <a:r>
-              <a:rPr lang="ko-KR" altLang="en-US" sz="1400" dirty="0" smtClean="0"/>
-              <a:t>프로젝트 파일 생성</a:t>
-            </a:r>
-            <a:endParaRPr lang="ko-KR" altLang="en-US" sz="1400" dirty="0"/>
-          </a:p>
-        </p:txBody>
-      </p:sp>
-    </p:spTree>
-    <p:extLst>
-      <p:ext uri="{BB962C8B-B14F-4D97-AF65-F5344CB8AC3E}">
-        <p14:creationId xmlns:p14="http://schemas.microsoft.com/office/powerpoint/2010/main" val="2685660086"/>
-      </p:ext>
-    </p:extLst>
-  </p:cSld>
-  <p:clrMapOvr>
-    <a:masterClrMapping/>
-  </p:clrMapOvr>
-  <p:timing>
-    <p:tnLst>
-      <p:par>
-        <p:cTn id="1" dur="indefinite" restart="never" nodeType="tmRoot"/>
-      </p:par>
-    </p:tnLst>
-  </p:timing>
 </p:sld>
 </file>
 
@@ -24768,7 +24529,7 @@
           <a:p>
             <a:fld id="{8D67230E-3278-4540-B35D-B83F247555A9}" type="datetime1">
               <a:rPr lang="ko-KR" altLang="en-US" smtClean="0"/>
-              <a:t>2019-04-01</a:t>
+              <a:t>2019-04-03</a:t>
             </a:fld>
             <a:endParaRPr lang="ko-KR" altLang="en-US"/>
           </a:p>
@@ -24790,15 +24551,15 @@
           <a:lstStyle/>
           <a:p>
             <a:r>
-              <a:rPr lang="en-US" altLang="ko-KR" smtClean="0"/>
+              <a:rPr lang="en-US" altLang="ko-KR"/>
               <a:t>2019-1</a:t>
             </a:r>
             <a:r>
-              <a:rPr lang="ko-KR" altLang="en-US" smtClean="0"/>
+              <a:rPr lang="ko-KR" altLang="en-US"/>
               <a:t>학기 </a:t>
             </a:r>
             <a:r>
-              <a:rPr lang="en-US" altLang="ko-KR" smtClean="0"/>
+              <a:rPr lang="en-US" altLang="ko-KR"/>
               <a:t>Capston Design </a:t>
             </a:r>
             <a:endParaRPr lang="ko-KR" altLang="en-US"/>
@@ -24888,14 +24649,14 @@
           <a:lstStyle/>
           <a:p>
             <a:r>
-              <a:rPr lang="ko-KR" altLang="en-US" dirty="0" smtClean="0">
+              <a:rPr lang="ko-KR" altLang="en-US" dirty="0">
                 <a:solidFill>
                   <a:schemeClr val="bg1"/>
                 </a:solidFill>
               </a:rPr>
               <a:t>프로젝트 </a:t>
             </a:r>
-            <a:endParaRPr lang="en-US" altLang="ko-KR" dirty="0" smtClean="0">
+            <a:endParaRPr lang="en-US" altLang="ko-KR" dirty="0">
               <a:solidFill>
                 <a:schemeClr val="bg1"/>
               </a:solidFill>
@@ -24903,14 +24664,14 @@
           </a:p>
           <a:p>
             <a:r>
-              <a:rPr lang="ko-KR" altLang="en-US" dirty="0" smtClean="0">
+              <a:rPr lang="ko-KR" altLang="en-US" dirty="0">
                 <a:solidFill>
                   <a:schemeClr val="bg1"/>
                 </a:solidFill>
               </a:rPr>
               <a:t>생성시 </a:t>
             </a:r>
-            <a:endParaRPr lang="en-US" altLang="ko-KR" dirty="0" smtClean="0">
+            <a:endParaRPr lang="en-US" altLang="ko-KR" dirty="0">
               <a:solidFill>
                 <a:schemeClr val="bg1"/>
               </a:solidFill>
@@ -24918,18 +24679,13 @@
           </a:p>
           <a:p>
             <a:r>
-              <a:rPr lang="ko-KR" altLang="en-US" dirty="0" smtClean="0">
+              <a:rPr lang="ko-KR" altLang="en-US" dirty="0">
                 <a:solidFill>
                   <a:schemeClr val="bg1"/>
                 </a:solidFill>
               </a:rPr>
               <a:t>기본 패키지</a:t>
             </a:r>
-            <a:endParaRPr lang="ko-KR" altLang="en-US" dirty="0">
-              <a:solidFill>
-                <a:schemeClr val="bg1"/>
-              </a:solidFill>
-            </a:endParaRPr>
           </a:p>
         </p:txBody>
       </p:sp>
@@ -24956,118 +24712,118 @@
           <a:lstStyle/>
           <a:p>
             <a:r>
-              <a:rPr lang="en-US" altLang="ko-KR" sz="2000" b="1" dirty="0" err="1" smtClean="0"/>
+              <a:rPr lang="en-US" altLang="ko-KR" sz="2000" b="1" dirty="0" err="1"/>
               <a:t>Init</a:t>
             </a:r>
             <a:r>
-              <a:rPr lang="en-US" altLang="ko-KR" dirty="0" smtClean="0"/>
+              <a:rPr lang="en-US" altLang="ko-KR" dirty="0"/>
               <a:t> : </a:t>
             </a:r>
             <a:r>
-              <a:rPr lang="ko-KR" altLang="en-US" dirty="0" smtClean="0"/>
+              <a:rPr lang="ko-KR" altLang="en-US" dirty="0"/>
               <a:t>디렉토리에 이 파일이 있으면</a:t>
             </a:r>
-            <a:endParaRPr lang="en-US" altLang="ko-KR" dirty="0" smtClean="0"/>
-          </a:p>
-          <a:p>
-            <a:r>
-              <a:rPr lang="ko-KR" altLang="en-US" dirty="0" smtClean="0"/>
+            <a:endParaRPr lang="en-US" altLang="ko-KR" dirty="0"/>
+          </a:p>
+          <a:p>
+            <a:r>
+              <a:rPr lang="ko-KR" altLang="en-US" dirty="0"/>
               <a:t>        </a:t>
             </a:r>
             <a:r>
-              <a:rPr lang="ko-KR" altLang="en-US" dirty="0" err="1" smtClean="0"/>
+              <a:rPr lang="ko-KR" altLang="en-US" dirty="0" err="1"/>
               <a:t>파이썬</a:t>
             </a:r>
             <a:r>
-              <a:rPr lang="ko-KR" altLang="en-US" dirty="0" smtClean="0"/>
+              <a:rPr lang="ko-KR" altLang="en-US" dirty="0"/>
               <a:t> 패키지로 인식</a:t>
             </a:r>
-            <a:endParaRPr lang="en-US" altLang="ko-KR" dirty="0" smtClean="0"/>
-          </a:p>
-          <a:p>
-            <a:endParaRPr lang="en-US" altLang="ko-KR" sz="800" dirty="0" smtClean="0"/>
-          </a:p>
-          <a:p>
-            <a:r>
-              <a:rPr lang="en-US" altLang="ko-KR" sz="2000" b="1" dirty="0" smtClean="0"/>
+            <a:endParaRPr lang="en-US" altLang="ko-KR" dirty="0"/>
+          </a:p>
+          <a:p>
+            <a:endParaRPr lang="en-US" altLang="ko-KR" sz="800" dirty="0"/>
+          </a:p>
+          <a:p>
+            <a:r>
+              <a:rPr lang="en-US" altLang="ko-KR" sz="2000" b="1" dirty="0"/>
               <a:t>Settings</a:t>
             </a:r>
             <a:r>
-              <a:rPr lang="ko-KR" altLang="en-US" dirty="0" smtClean="0"/>
+              <a:rPr lang="ko-KR" altLang="en-US" dirty="0"/>
               <a:t> </a:t>
             </a:r>
             <a:r>
-              <a:rPr lang="en-US" altLang="ko-KR" dirty="0" smtClean="0"/>
+              <a:rPr lang="en-US" altLang="ko-KR" dirty="0"/>
               <a:t>: </a:t>
             </a:r>
             <a:r>
-              <a:rPr lang="ko-KR" altLang="en-US" dirty="0" smtClean="0"/>
+              <a:rPr lang="ko-KR" altLang="en-US" dirty="0"/>
               <a:t>프로젝트 설정 파일</a:t>
             </a:r>
-            <a:endParaRPr lang="en-US" altLang="ko-KR" dirty="0" smtClean="0"/>
-          </a:p>
-          <a:p>
-            <a:endParaRPr lang="en-US" altLang="ko-KR" sz="800" dirty="0" smtClean="0"/>
-          </a:p>
-          <a:p>
-            <a:r>
-              <a:rPr lang="en-US" altLang="ko-KR" sz="2000" b="1" dirty="0" err="1" smtClean="0"/>
+            <a:endParaRPr lang="en-US" altLang="ko-KR" dirty="0"/>
+          </a:p>
+          <a:p>
+            <a:endParaRPr lang="en-US" altLang="ko-KR" sz="800" dirty="0"/>
+          </a:p>
+          <a:p>
+            <a:r>
+              <a:rPr lang="en-US" altLang="ko-KR" sz="2000" b="1" dirty="0" err="1"/>
               <a:t>Urls</a:t>
             </a:r>
             <a:r>
-              <a:rPr lang="en-US" altLang="ko-KR" dirty="0" smtClean="0"/>
+              <a:rPr lang="en-US" altLang="ko-KR" dirty="0"/>
               <a:t> : </a:t>
             </a:r>
             <a:r>
-              <a:rPr lang="ko-KR" altLang="en-US" dirty="0" smtClean="0"/>
+              <a:rPr lang="ko-KR" altLang="en-US" dirty="0"/>
               <a:t>프로젝트 레벨의 </a:t>
             </a:r>
             <a:r>
-              <a:rPr lang="en-US" altLang="ko-KR" dirty="0" smtClean="0"/>
+              <a:rPr lang="en-US" altLang="ko-KR" dirty="0"/>
               <a:t>URL </a:t>
             </a:r>
             <a:r>
-              <a:rPr lang="ko-KR" altLang="en-US" dirty="0" smtClean="0"/>
+              <a:rPr lang="ko-KR" altLang="en-US" dirty="0"/>
               <a:t>패턴을 </a:t>
             </a:r>
-            <a:endParaRPr lang="en-US" altLang="ko-KR" dirty="0" smtClean="0"/>
-          </a:p>
-          <a:p>
-            <a:r>
-              <a:rPr lang="ko-KR" altLang="en-US" dirty="0" smtClean="0"/>
+            <a:endParaRPr lang="en-US" altLang="ko-KR" dirty="0"/>
+          </a:p>
+          <a:p>
+            <a:r>
+              <a:rPr lang="ko-KR" altLang="en-US" dirty="0"/>
               <a:t>         정의하는 최상위 </a:t>
             </a:r>
             <a:r>
-              <a:rPr lang="en-US" altLang="ko-KR" dirty="0" err="1" smtClean="0"/>
+              <a:rPr lang="en-US" altLang="ko-KR" dirty="0" err="1"/>
               <a:t>URLconf</a:t>
             </a:r>
-            <a:endParaRPr lang="en-US" altLang="ko-KR" dirty="0" smtClean="0"/>
-          </a:p>
-          <a:p>
-            <a:endParaRPr lang="en-US" altLang="ko-KR" sz="800" dirty="0" smtClean="0"/>
-          </a:p>
-          <a:p>
-            <a:r>
-              <a:rPr lang="en-US" altLang="ko-KR" sz="2000" b="1" dirty="0" err="1" smtClean="0"/>
+            <a:endParaRPr lang="en-US" altLang="ko-KR" dirty="0"/>
+          </a:p>
+          <a:p>
+            <a:endParaRPr lang="en-US" altLang="ko-KR" sz="800" dirty="0"/>
+          </a:p>
+          <a:p>
+            <a:r>
+              <a:rPr lang="en-US" altLang="ko-KR" sz="2000" b="1" dirty="0" err="1"/>
               <a:t>Wsgi</a:t>
             </a:r>
             <a:r>
-              <a:rPr lang="en-US" altLang="ko-KR" dirty="0" smtClean="0"/>
+              <a:rPr lang="en-US" altLang="ko-KR" dirty="0"/>
               <a:t> :Apache</a:t>
             </a:r>
             <a:r>
-              <a:rPr lang="ko-KR" altLang="en-US" dirty="0" smtClean="0"/>
+              <a:rPr lang="ko-KR" altLang="en-US" dirty="0"/>
               <a:t>와 같은 상용 웹 서버와                </a:t>
             </a:r>
             <a:r>
-              <a:rPr lang="en-US" altLang="ko-KR" dirty="0" smtClean="0"/>
+              <a:rPr lang="en-US" altLang="ko-KR" dirty="0"/>
               <a:t>WSGI </a:t>
             </a:r>
             <a:r>
-              <a:rPr lang="ko-KR" altLang="en-US" dirty="0" smtClean="0"/>
+              <a:rPr lang="ko-KR" altLang="en-US" dirty="0"/>
               <a:t>규격으로 연동하기 위한 파일</a:t>
             </a:r>
-            <a:endParaRPr lang="en-US" altLang="ko-KR" dirty="0" smtClean="0"/>
+            <a:endParaRPr lang="en-US" altLang="ko-KR" dirty="0"/>
           </a:p>
         </p:txBody>
       </p:sp>
@@ -25096,11 +24852,11 @@
               <a:t>4</a:t>
             </a:r>
             <a:r>
-              <a:rPr lang="ko-KR" altLang="en-US" dirty="0" smtClean="0"/>
+              <a:rPr lang="ko-KR" altLang="en-US" dirty="0"/>
               <a:t>주차 개발 현황</a:t>
             </a:r>
             <a:r>
-              <a:rPr lang="en-US" altLang="ko-KR" dirty="0" smtClean="0"/>
+              <a:rPr lang="en-US" altLang="ko-KR" dirty="0"/>
               <a:t>(3/29~4/4)</a:t>
             </a:r>
             <a:endParaRPr lang="ko-KR" altLang="en-US" dirty="0"/>
@@ -25163,13 +24919,6 @@
   <p:clrMapOvr>
     <a:masterClrMapping/>
   </p:clrMapOvr>
-  <p:timing>
-    <p:tnLst>
-      <p:par>
-        <p:cTn id="1" dur="indefinite" restart="never" nodeType="tmRoot"/>
-      </p:par>
-    </p:tnLst>
-  </p:timing>
 </p:sld>
 </file>
 
